--- a/s5_outils_numeriques/b1_outils_numeriques/seance2_equation_diff/B1_4_b_Approche_Euler.pptx
+++ b/s5_outils_numeriques/b1_outils_numeriques/seance2_equation_diff/B1_4_b_Approche_Euler.pptx
@@ -5,7 +5,7 @@
     <p:sldMasterId id="2147483711" r:id="rId1"/>
   </p:sldMasterIdLst>
   <p:notesMasterIdLst>
-    <p:notesMasterId r:id="rId26"/>
+    <p:notesMasterId r:id="rId31"/>
   </p:notesMasterIdLst>
   <p:sldIdLst>
     <p:sldId id="261" r:id="rId2"/>
@@ -30,8 +30,13 @@
     <p:sldId id="286" r:id="rId21"/>
     <p:sldId id="295" r:id="rId22"/>
     <p:sldId id="264" r:id="rId23"/>
-    <p:sldId id="296" r:id="rId24"/>
-    <p:sldId id="287" r:id="rId25"/>
+    <p:sldId id="298" r:id="rId24"/>
+    <p:sldId id="275" r:id="rId25"/>
+    <p:sldId id="299" r:id="rId26"/>
+    <p:sldId id="296" r:id="rId27"/>
+    <p:sldId id="300" r:id="rId28"/>
+    <p:sldId id="301" r:id="rId29"/>
+    <p:sldId id="287" r:id="rId30"/>
   </p:sldIdLst>
   <p:sldSz cx="12192000" cy="6858000"/>
   <p:notesSz cx="6858000" cy="9144000"/>
@@ -220,7 +225,7 @@
           <a:p>
             <a:fld id="{95F60532-AC81-4152-B45E-E054A978F780}" type="datetimeFigureOut">
               <a:rPr lang="fr-FR" smtClean="0"/>
-              <a:t>19/04/2023</a:t>
+              <a:t>20/04/2023</a:t>
             </a:fld>
             <a:endParaRPr lang="fr-FR"/>
           </a:p>
@@ -979,7 +984,7 @@
           <a:p>
             <a:fld id="{785B9D93-2D6F-4658-911E-89FF557AACEE}" type="datetime1">
               <a:rPr lang="en-US" smtClean="0"/>
-              <a:t>4/19/2023</a:t>
+              <a:t>4/20/2023</a:t>
             </a:fld>
             <a:endParaRPr lang="en-US" dirty="0"/>
           </a:p>
@@ -1349,7 +1354,7 @@
           <a:p>
             <a:fld id="{4709A133-4251-46D0-8E1C-3DC2CCEEC594}" type="datetime1">
               <a:rPr lang="en-US" smtClean="0"/>
-              <a:t>4/19/2023</a:t>
+              <a:t>4/20/2023</a:t>
             </a:fld>
             <a:endParaRPr lang="en-US"/>
           </a:p>
@@ -1558,7 +1563,7 @@
           <a:p>
             <a:fld id="{757C9D7A-C246-41BC-AB36-CBBE03C4FC3D}" type="datetime1">
               <a:rPr lang="en-US" smtClean="0"/>
-              <a:t>4/19/2023</a:t>
+              <a:t>4/20/2023</a:t>
             </a:fld>
             <a:endParaRPr lang="en-US"/>
           </a:p>
@@ -2028,7 +2033,7 @@
           <a:p>
             <a:fld id="{DD23859D-5799-4C59-B29C-0D397C1B3B07}" type="datetime1">
               <a:rPr lang="en-US" smtClean="0"/>
-              <a:t>4/19/2023</a:t>
+              <a:t>4/20/2023</a:t>
             </a:fld>
             <a:endParaRPr lang="en-US"/>
           </a:p>
@@ -2482,7 +2487,7 @@
           <a:p>
             <a:fld id="{B36A9650-6794-4EE4-9500-0C43A7CB6B4A}" type="datetime1">
               <a:rPr lang="en-US" smtClean="0"/>
-              <a:t>4/19/2023</a:t>
+              <a:t>4/20/2023</a:t>
             </a:fld>
             <a:endParaRPr lang="en-US"/>
           </a:p>
@@ -3014,7 +3019,7 @@
           <a:p>
             <a:fld id="{1792256C-3121-4D72-8DFF-855B713C834E}" type="datetime1">
               <a:rPr lang="en-US" smtClean="0"/>
-              <a:t>4/19/2023</a:t>
+              <a:t>4/20/2023</a:t>
             </a:fld>
             <a:endParaRPr lang="en-US"/>
           </a:p>
@@ -3713,7 +3718,7 @@
           <a:p>
             <a:fld id="{580DF3A2-C727-46A5-9AC9-16B2E63C7D3A}" type="datetime1">
               <a:rPr lang="en-US" smtClean="0"/>
-              <a:t>4/19/2023</a:t>
+              <a:t>4/20/2023</a:t>
             </a:fld>
             <a:endParaRPr lang="en-US"/>
           </a:p>
@@ -4042,7 +4047,7 @@
           <a:p>
             <a:fld id="{9D23748C-796D-4F23-89AF-A2738DF446EE}" type="datetime1">
               <a:rPr lang="en-US" smtClean="0"/>
-              <a:t>4/19/2023</a:t>
+              <a:t>4/20/2023</a:t>
             </a:fld>
             <a:endParaRPr lang="en-US"/>
           </a:p>
@@ -4155,7 +4160,7 @@
           <a:p>
             <a:fld id="{B3AFB1A7-BA76-4344-B812-B8E53F62AA62}" type="datetime1">
               <a:rPr lang="en-US" smtClean="0"/>
-              <a:t>4/19/2023</a:t>
+              <a:t>4/20/2023</a:t>
             </a:fld>
             <a:endParaRPr lang="en-US"/>
           </a:p>
@@ -4650,7 +4655,7 @@
           <a:p>
             <a:fld id="{D2DB139E-AA5F-415E-A7EE-D6EE1B304D34}" type="datetime1">
               <a:rPr lang="en-US" smtClean="0"/>
-              <a:t>4/19/2023</a:t>
+              <a:t>4/20/2023</a:t>
             </a:fld>
             <a:endParaRPr lang="en-US" dirty="0"/>
           </a:p>
@@ -5127,7 +5132,7 @@
           <a:p>
             <a:fld id="{B0611B75-8EAE-4E82-AD4E-BC980BBD0DF6}" type="datetime1">
               <a:rPr lang="en-US" smtClean="0"/>
-              <a:t>4/19/2023</a:t>
+              <a:t>4/20/2023</a:t>
             </a:fld>
             <a:endParaRPr lang="en-US"/>
           </a:p>
@@ -5370,7 +5375,7 @@
           <a:p>
             <a:fld id="{5A39691B-EC2E-4EEE-9557-97A59C128178}" type="datetime1">
               <a:rPr lang="en-US" smtClean="0"/>
-              <a:t>4/19/2023</a:t>
+              <a:t>4/20/2023</a:t>
             </a:fld>
             <a:endParaRPr lang="en-US"/>
           </a:p>
@@ -6503,8 +6508,8 @@
           </a:p>
         </p:txBody>
       </p:sp>
-      <mc:AlternateContent xmlns:mc="http://schemas.openxmlformats.org/markup-compatibility/2006">
-        <mc:Choice xmlns:a14="http://schemas.microsoft.com/office/drawing/2010/main" Requires="a14">
+      <mc:AlternateContent xmlns:mc="http://schemas.openxmlformats.org/markup-compatibility/2006" xmlns:a14="http://schemas.microsoft.com/office/drawing/2010/main">
+        <mc:Choice Requires="a14">
           <p:sp>
             <p:nvSpPr>
               <p:cNvPr id="14" name="ZoneTexte 13">
@@ -6743,7 +6748,7 @@
             </p:txBody>
           </p:sp>
         </mc:Choice>
-        <mc:Fallback>
+        <mc:Fallback xmlns="">
           <p:sp>
             <p:nvSpPr>
               <p:cNvPr id="14" name="ZoneTexte 13">
@@ -7502,8 +7507,8 @@
           </a:p>
         </p:txBody>
       </p:sp>
-      <mc:AlternateContent xmlns:mc="http://schemas.openxmlformats.org/markup-compatibility/2006">
-        <mc:Choice xmlns:a14="http://schemas.microsoft.com/office/drawing/2010/main" Requires="a14">
+      <mc:AlternateContent xmlns:mc="http://schemas.openxmlformats.org/markup-compatibility/2006" xmlns:a14="http://schemas.microsoft.com/office/drawing/2010/main">
+        <mc:Choice Requires="a14">
           <p:sp>
             <p:nvSpPr>
               <p:cNvPr id="8" name="ZoneTexte 7">
@@ -7596,7 +7601,7 @@
             </p:txBody>
           </p:sp>
         </mc:Choice>
-        <mc:Fallback>
+        <mc:Fallback xmlns="">
           <p:sp>
             <p:nvSpPr>
               <p:cNvPr id="8" name="ZoneTexte 7">
@@ -7915,8 +7920,8 @@
           </a:prstGeom>
         </p:spPr>
       </p:pic>
-      <mc:AlternateContent xmlns:mc="http://schemas.openxmlformats.org/markup-compatibility/2006">
-        <mc:Choice xmlns:a14="http://schemas.microsoft.com/office/drawing/2010/main" Requires="a14">
+      <mc:AlternateContent xmlns:mc="http://schemas.openxmlformats.org/markup-compatibility/2006" xmlns:a14="http://schemas.microsoft.com/office/drawing/2010/main">
+        <mc:Choice Requires="a14">
           <p:sp>
             <p:nvSpPr>
               <p:cNvPr id="29" name="ZoneTexte 28">
@@ -8113,7 +8118,7 @@
             </p:txBody>
           </p:sp>
         </mc:Choice>
-        <mc:Fallback>
+        <mc:Fallback xmlns="">
           <p:sp>
             <p:nvSpPr>
               <p:cNvPr id="29" name="ZoneTexte 28">
@@ -8158,8 +8163,8 @@
           </p:sp>
         </mc:Fallback>
       </mc:AlternateContent>
-      <mc:AlternateContent xmlns:mc="http://schemas.openxmlformats.org/markup-compatibility/2006" xmlns:a14="http://schemas.microsoft.com/office/drawing/2010/main">
-        <mc:Choice Requires="a14">
+      <mc:AlternateContent xmlns:mc="http://schemas.openxmlformats.org/markup-compatibility/2006">
+        <mc:Choice xmlns:a14="http://schemas.microsoft.com/office/drawing/2010/main" Requires="a14">
           <p:sp>
             <p:nvSpPr>
               <p:cNvPr id="30" name="ZoneTexte 29">
@@ -8194,7 +8199,15 @@
                       <a:srgbClr val="00B050"/>
                     </a:solidFill>
                   </a:rPr>
-                  <a:t>+ Tracer l’évolution en fonction du temps pour R = 100k</a:t>
+                  <a:t>+ Tracer l’évolution en fonction du temps pour R </a:t>
+                </a:r>
+                <a:r>
+                  <a:rPr lang="fr-FR" b="1">
+                    <a:solidFill>
+                      <a:srgbClr val="00B050"/>
+                    </a:solidFill>
+                  </a:rPr>
+                  <a:t>= 100 k</a:t>
                 </a:r>
                 <a:r>
                   <a:rPr lang="el-GR" b="1" dirty="0">
@@ -8248,7 +8261,7 @@
             </p:txBody>
           </p:sp>
         </mc:Choice>
-        <mc:Fallback xmlns="">
+        <mc:Fallback>
           <p:sp>
             <p:nvSpPr>
               <p:cNvPr id="30" name="ZoneTexte 29">
@@ -8274,7 +8287,7 @@
               <a:blipFill>
                 <a:blip r:embed="rId7"/>
                 <a:stretch>
-                  <a:fillRect l="-900" t="-3311" r="-1350" b="-10596"/>
+                  <a:fillRect l="-900" t="-3311" r="-1800" b="-10596"/>
                 </a:stretch>
               </a:blipFill>
             </p:spPr>
@@ -9290,8 +9303,8 @@
           </p:sp>
         </mc:Fallback>
       </mc:AlternateContent>
-      <mc:AlternateContent xmlns:mc="http://schemas.openxmlformats.org/markup-compatibility/2006">
-        <mc:Choice xmlns:a14="http://schemas.microsoft.com/office/drawing/2010/main" Requires="a14">
+      <mc:AlternateContent xmlns:mc="http://schemas.openxmlformats.org/markup-compatibility/2006" xmlns:a14="http://schemas.microsoft.com/office/drawing/2010/main">
+        <mc:Choice Requires="a14">
           <p:sp>
             <p:nvSpPr>
               <p:cNvPr id="10" name="ZoneTexte 9">
@@ -9503,7 +9516,7 @@
             </p:txBody>
           </p:sp>
         </mc:Choice>
-        <mc:Fallback>
+        <mc:Fallback xmlns="">
           <p:sp>
             <p:nvSpPr>
               <p:cNvPr id="10" name="ZoneTexte 9">
@@ -9548,6 +9561,44 @@
           </p:sp>
         </mc:Fallback>
       </mc:AlternateContent>
+      <p:sp>
+        <p:nvSpPr>
+          <p:cNvPr id="11" name="ZoneTexte 10">
+            <a:extLst>
+              <a:ext uri="{FF2B5EF4-FFF2-40B4-BE49-F238E27FC236}">
+                <a16:creationId xmlns:a16="http://schemas.microsoft.com/office/drawing/2014/main" id="{E007D402-4E3E-A71D-E09C-FD790CFE3BBC}"/>
+              </a:ext>
+            </a:extLst>
+          </p:cNvPr>
+          <p:cNvSpPr txBox="1"/>
+          <p:nvPr/>
+        </p:nvSpPr>
+        <p:spPr>
+          <a:xfrm>
+            <a:off x="8969659" y="1507987"/>
+            <a:ext cx="2435233" cy="369332"/>
+          </a:xfrm>
+          <a:prstGeom prst="rect">
+            <a:avLst/>
+          </a:prstGeom>
+          <a:solidFill>
+            <a:srgbClr val="00B050"/>
+          </a:solidFill>
+        </p:spPr>
+        <p:txBody>
+          <a:bodyPr wrap="square">
+            <a:spAutoFit/>
+          </a:bodyPr>
+          <a:lstStyle/>
+          <a:p>
+            <a:pPr algn="ctr"/>
+            <a:r>
+              <a:rPr lang="fr-FR" b="1" i="1" dirty="0"/>
+              <a:t>S’ENTRAINER</a:t>
+            </a:r>
+          </a:p>
+        </p:txBody>
+      </p:sp>
     </p:spTree>
     <p:extLst>
       <p:ext uri="{BB962C8B-B14F-4D97-AF65-F5344CB8AC3E}">
@@ -9608,8 +9659,8 @@
           </a:p>
         </p:txBody>
       </p:sp>
-      <mc:AlternateContent xmlns:mc="http://schemas.openxmlformats.org/markup-compatibility/2006">
-        <mc:Choice xmlns:a14="http://schemas.microsoft.com/office/drawing/2010/main" Requires="a14">
+      <mc:AlternateContent xmlns:mc="http://schemas.openxmlformats.org/markup-compatibility/2006" xmlns:a14="http://schemas.microsoft.com/office/drawing/2010/main">
+        <mc:Choice Requires="a14">
           <p:sp>
             <p:nvSpPr>
               <p:cNvPr id="3" name="Espace réservé du contenu 2">
@@ -9650,7 +9701,7 @@
             </p:txBody>
           </p:sp>
         </mc:Choice>
-        <mc:Fallback>
+        <mc:Fallback xmlns="">
           <p:sp>
             <p:nvSpPr>
               <p:cNvPr id="3" name="Espace réservé du contenu 2">
@@ -12118,8 +12169,8 @@
           </a:p>
         </p:txBody>
       </p:sp>
-      <mc:AlternateContent xmlns:mc="http://schemas.openxmlformats.org/markup-compatibility/2006">
-        <mc:Choice xmlns:a14="http://schemas.microsoft.com/office/drawing/2010/main" Requires="a14">
+      <mc:AlternateContent xmlns:mc="http://schemas.openxmlformats.org/markup-compatibility/2006" xmlns:a14="http://schemas.microsoft.com/office/drawing/2010/main">
+        <mc:Choice Requires="a14">
           <p:sp>
             <p:nvSpPr>
               <p:cNvPr id="20" name="ZoneTexte 19">
@@ -12584,7 +12635,7 @@
             </p:txBody>
           </p:sp>
         </mc:Choice>
-        <mc:Fallback>
+        <mc:Fallback xmlns="">
           <p:sp>
             <p:nvSpPr>
               <p:cNvPr id="20" name="ZoneTexte 19">
@@ -12782,8 +12833,8 @@
           </a:prstGeom>
         </p:spPr>
       </p:pic>
-      <mc:AlternateContent xmlns:mc="http://schemas.openxmlformats.org/markup-compatibility/2006">
-        <mc:Choice xmlns:a14="http://schemas.microsoft.com/office/drawing/2010/main" Requires="a14">
+      <mc:AlternateContent xmlns:mc="http://schemas.openxmlformats.org/markup-compatibility/2006" xmlns:a14="http://schemas.microsoft.com/office/drawing/2010/main">
+        <mc:Choice Requires="a14">
           <p:sp>
             <p:nvSpPr>
               <p:cNvPr id="11" name="ZoneTexte 10">
@@ -13087,7 +13138,7 @@
             </p:txBody>
           </p:sp>
         </mc:Choice>
-        <mc:Fallback>
+        <mc:Fallback xmlns="">
           <p:sp>
             <p:nvSpPr>
               <p:cNvPr id="11" name="ZoneTexte 10">
@@ -13132,8 +13183,8 @@
           </p:sp>
         </mc:Fallback>
       </mc:AlternateContent>
-      <mc:AlternateContent xmlns:mc="http://schemas.openxmlformats.org/markup-compatibility/2006">
-        <mc:Choice xmlns:a14="http://schemas.microsoft.com/office/drawing/2010/main" Requires="a14">
+      <mc:AlternateContent xmlns:mc="http://schemas.openxmlformats.org/markup-compatibility/2006" xmlns:a14="http://schemas.microsoft.com/office/drawing/2010/main">
+        <mc:Choice Requires="a14">
           <p:sp>
             <p:nvSpPr>
               <p:cNvPr id="13" name="ZoneTexte 12">
@@ -13249,7 +13300,7 @@
             </p:txBody>
           </p:sp>
         </mc:Choice>
-        <mc:Fallback>
+        <mc:Fallback xmlns="">
           <p:sp>
             <p:nvSpPr>
               <p:cNvPr id="13" name="ZoneTexte 12">
@@ -13392,8 +13443,8 @@
           </a:p>
         </p:txBody>
       </p:sp>
-      <mc:AlternateContent xmlns:mc="http://schemas.openxmlformats.org/markup-compatibility/2006">
-        <mc:Choice xmlns:a14="http://schemas.microsoft.com/office/drawing/2010/main" Requires="a14">
+      <mc:AlternateContent xmlns:mc="http://schemas.openxmlformats.org/markup-compatibility/2006" xmlns:a14="http://schemas.microsoft.com/office/drawing/2010/main">
+        <mc:Choice Requires="a14">
           <p:sp>
             <p:nvSpPr>
               <p:cNvPr id="3" name="Espace réservé du contenu 2">
@@ -13434,7 +13485,7 @@
             </p:txBody>
           </p:sp>
         </mc:Choice>
-        <mc:Fallback>
+        <mc:Fallback xmlns="">
           <p:sp>
             <p:nvSpPr>
               <p:cNvPr id="3" name="Espace réservé du contenu 2">
@@ -13926,8 +13977,8 @@
           </a:p>
         </p:txBody>
       </p:sp>
-      <mc:AlternateContent xmlns:mc="http://schemas.openxmlformats.org/markup-compatibility/2006">
-        <mc:Choice xmlns:a14="http://schemas.microsoft.com/office/drawing/2010/main" Requires="a14">
+      <mc:AlternateContent xmlns:mc="http://schemas.openxmlformats.org/markup-compatibility/2006" xmlns:a14="http://schemas.microsoft.com/office/drawing/2010/main">
+        <mc:Choice Requires="a14">
           <p:sp>
             <p:nvSpPr>
               <p:cNvPr id="3" name="Espace réservé du contenu 2">
@@ -13968,7 +14019,7 @@
             </p:txBody>
           </p:sp>
         </mc:Choice>
-        <mc:Fallback>
+        <mc:Fallback xmlns="">
           <p:sp>
             <p:nvSpPr>
               <p:cNvPr id="3" name="Espace réservé du contenu 2">
@@ -14485,8 +14536,8 @@
           </a:p>
         </p:txBody>
       </p:sp>
-      <mc:AlternateContent xmlns:mc="http://schemas.openxmlformats.org/markup-compatibility/2006">
-        <mc:Choice xmlns:a14="http://schemas.microsoft.com/office/drawing/2010/main" Requires="a14">
+      <mc:AlternateContent xmlns:mc="http://schemas.openxmlformats.org/markup-compatibility/2006" xmlns:a14="http://schemas.microsoft.com/office/drawing/2010/main">
+        <mc:Choice Requires="a14">
           <p:sp>
             <p:nvSpPr>
               <p:cNvPr id="9" name="ZoneTexte 8">
@@ -14951,7 +15002,7 @@
             </p:txBody>
           </p:sp>
         </mc:Choice>
-        <mc:Fallback>
+        <mc:Fallback xmlns="">
           <p:sp>
             <p:nvSpPr>
               <p:cNvPr id="9" name="ZoneTexte 8">
@@ -15113,7 +15164,7 @@
             <a:r>
               <a:rPr lang="fr-FR" b="1" dirty="0">
                 <a:solidFill>
-                  <a:srgbClr val="00B050"/>
+                  <a:srgbClr val="7030A0"/>
                 </a:solidFill>
               </a:rPr>
               <a:t>+ Définir une nouvelle classe </a:t>
@@ -15121,7 +15172,7 @@
             <a:r>
               <a:rPr lang="fr-FR" b="1" i="1" dirty="0" err="1">
                 <a:solidFill>
-                  <a:srgbClr val="00B050"/>
+                  <a:srgbClr val="7030A0"/>
                 </a:solidFill>
               </a:rPr>
               <a:t>F_sin</a:t>
@@ -15129,7 +15180,7 @@
             <a:r>
               <a:rPr lang="fr-FR" b="1" dirty="0">
                 <a:solidFill>
-                  <a:srgbClr val="00B050"/>
+                  <a:srgbClr val="7030A0"/>
                 </a:solidFill>
               </a:rPr>
               <a:t>, ayant pour paramètre une amplitude et une fréquence</a:t>
@@ -15139,10 +15190,52 @@
             <a:r>
               <a:rPr lang="fr-FR" b="1" dirty="0">
                 <a:solidFill>
-                  <a:srgbClr val="00B050"/>
+                  <a:srgbClr val="7030A0"/>
                 </a:solidFill>
               </a:rPr>
               <a:t>+ Tracer l’évolution d’un régime forcé pour une entrée sinusoïdale</a:t>
+            </a:r>
+          </a:p>
+        </p:txBody>
+      </p:sp>
+      <p:sp>
+        <p:nvSpPr>
+          <p:cNvPr id="13" name="ZoneTexte 12">
+            <a:extLst>
+              <a:ext uri="{FF2B5EF4-FFF2-40B4-BE49-F238E27FC236}">
+                <a16:creationId xmlns:a16="http://schemas.microsoft.com/office/drawing/2014/main" id="{55703E1A-C40B-3595-CA9B-0D822B17D606}"/>
+              </a:ext>
+            </a:extLst>
+          </p:cNvPr>
+          <p:cNvSpPr txBox="1"/>
+          <p:nvPr/>
+        </p:nvSpPr>
+        <p:spPr>
+          <a:xfrm>
+            <a:off x="6413230" y="1507987"/>
+            <a:ext cx="2435233" cy="369332"/>
+          </a:xfrm>
+          <a:prstGeom prst="rect">
+            <a:avLst/>
+          </a:prstGeom>
+          <a:solidFill>
+            <a:srgbClr val="7030A0"/>
+          </a:solidFill>
+        </p:spPr>
+        <p:txBody>
+          <a:bodyPr wrap="square">
+            <a:spAutoFit/>
+          </a:bodyPr>
+          <a:lstStyle/>
+          <a:p>
+            <a:pPr algn="ctr"/>
+            <a:r>
+              <a:rPr lang="fr-FR" b="1" i="1" dirty="0">
+                <a:solidFill>
+                  <a:schemeClr val="bg1"/>
+                </a:solidFill>
+              </a:rPr>
+              <a:t>ALLER PLUS LOIN</a:t>
             </a:r>
           </a:p>
         </p:txBody>
@@ -17864,8 +17957,8 @@
           </a:p>
         </p:txBody>
       </p:sp>
-      <mc:AlternateContent xmlns:mc="http://schemas.openxmlformats.org/markup-compatibility/2006">
-        <mc:Choice xmlns:a14="http://schemas.microsoft.com/office/drawing/2010/main" Requires="a14">
+      <mc:AlternateContent xmlns:mc="http://schemas.openxmlformats.org/markup-compatibility/2006" xmlns:a14="http://schemas.microsoft.com/office/drawing/2010/main">
+        <mc:Choice Requires="a14">
           <p:sp>
             <p:nvSpPr>
               <p:cNvPr id="14" name="ZoneTexte 13">
@@ -18023,7 +18116,7 @@
             </p:txBody>
           </p:sp>
         </mc:Choice>
-        <mc:Fallback>
+        <mc:Fallback xmlns="">
           <p:sp>
             <p:nvSpPr>
               <p:cNvPr id="14" name="ZoneTexte 13">
@@ -18286,8 +18379,8 @@
           </a:fontRef>
         </p:style>
       </p:cxnSp>
-      <mc:AlternateContent xmlns:mc="http://schemas.openxmlformats.org/markup-compatibility/2006">
-        <mc:Choice xmlns:a14="http://schemas.microsoft.com/office/drawing/2010/main" Requires="a14">
+      <mc:AlternateContent xmlns:mc="http://schemas.openxmlformats.org/markup-compatibility/2006" xmlns:a14="http://schemas.microsoft.com/office/drawing/2010/main">
+        <mc:Choice Requires="a14">
           <p:sp>
             <p:nvSpPr>
               <p:cNvPr id="16" name="ZoneTexte 15">
@@ -18344,7 +18437,7 @@
             </p:txBody>
           </p:sp>
         </mc:Choice>
-        <mc:Fallback>
+        <mc:Fallback xmlns="">
           <p:sp>
             <p:nvSpPr>
               <p:cNvPr id="16" name="ZoneTexte 15">
@@ -18389,8 +18482,8 @@
           </p:sp>
         </mc:Fallback>
       </mc:AlternateContent>
-      <mc:AlternateContent xmlns:mc="http://schemas.openxmlformats.org/markup-compatibility/2006">
-        <mc:Choice xmlns:a14="http://schemas.microsoft.com/office/drawing/2010/main" Requires="a14">
+      <mc:AlternateContent xmlns:mc="http://schemas.openxmlformats.org/markup-compatibility/2006" xmlns:a14="http://schemas.microsoft.com/office/drawing/2010/main">
+        <mc:Choice Requires="a14">
           <p:sp>
             <p:nvSpPr>
               <p:cNvPr id="17" name="ZoneTexte 16">
@@ -18477,7 +18570,7 @@
             </p:txBody>
           </p:sp>
         </mc:Choice>
-        <mc:Fallback>
+        <mc:Fallback xmlns="">
           <p:sp>
             <p:nvSpPr>
               <p:cNvPr id="17" name="ZoneTexte 16">
@@ -18522,8 +18615,8 @@
           </p:sp>
         </mc:Fallback>
       </mc:AlternateContent>
-      <mc:AlternateContent xmlns:mc="http://schemas.openxmlformats.org/markup-compatibility/2006">
-        <mc:Choice xmlns:a14="http://schemas.microsoft.com/office/drawing/2010/main" Requires="a14">
+      <mc:AlternateContent xmlns:mc="http://schemas.openxmlformats.org/markup-compatibility/2006" xmlns:a14="http://schemas.microsoft.com/office/drawing/2010/main">
+        <mc:Choice Requires="a14">
           <p:sp>
             <p:nvSpPr>
               <p:cNvPr id="19" name="ZoneTexte 18">
@@ -18613,7 +18706,7 @@
             </p:txBody>
           </p:sp>
         </mc:Choice>
-        <mc:Fallback>
+        <mc:Fallback xmlns="">
           <p:sp>
             <p:nvSpPr>
               <p:cNvPr id="19" name="ZoneTexte 18">
@@ -18697,8 +18790,8 @@
           </a:fontRef>
         </p:style>
       </p:cxnSp>
-      <mc:AlternateContent xmlns:mc="http://schemas.openxmlformats.org/markup-compatibility/2006">
-        <mc:Choice xmlns:a14="http://schemas.microsoft.com/office/drawing/2010/main" Requires="a14">
+      <mc:AlternateContent xmlns:mc="http://schemas.openxmlformats.org/markup-compatibility/2006" xmlns:a14="http://schemas.microsoft.com/office/drawing/2010/main">
+        <mc:Choice Requires="a14">
           <p:sp>
             <p:nvSpPr>
               <p:cNvPr id="21" name="ZoneTexte 20">
@@ -18788,7 +18881,7 @@
             </p:txBody>
           </p:sp>
         </mc:Choice>
-        <mc:Fallback>
+        <mc:Fallback xmlns="">
           <p:sp>
             <p:nvSpPr>
               <p:cNvPr id="21" name="ZoneTexte 20">
@@ -18833,8 +18926,8 @@
           </p:sp>
         </mc:Fallback>
       </mc:AlternateContent>
-      <mc:AlternateContent xmlns:mc="http://schemas.openxmlformats.org/markup-compatibility/2006">
-        <mc:Choice xmlns:a14="http://schemas.microsoft.com/office/drawing/2010/main" Requires="a14">
+      <mc:AlternateContent xmlns:mc="http://schemas.openxmlformats.org/markup-compatibility/2006" xmlns:a14="http://schemas.microsoft.com/office/drawing/2010/main">
+        <mc:Choice Requires="a14">
           <p:sp>
             <p:nvSpPr>
               <p:cNvPr id="22" name="ZoneTexte 21">
@@ -18908,7 +19001,7 @@
             </p:txBody>
           </p:sp>
         </mc:Choice>
-        <mc:Fallback>
+        <mc:Fallback xmlns="">
           <p:sp>
             <p:nvSpPr>
               <p:cNvPr id="22" name="ZoneTexte 21">
@@ -19045,8 +19138,8 @@
           </a:fontRef>
         </p:style>
       </p:cxnSp>
-      <mc:AlternateContent xmlns:mc="http://schemas.openxmlformats.org/markup-compatibility/2006">
-        <mc:Choice xmlns:a14="http://schemas.microsoft.com/office/drawing/2010/main" Requires="a14">
+      <mc:AlternateContent xmlns:mc="http://schemas.openxmlformats.org/markup-compatibility/2006" xmlns:a14="http://schemas.microsoft.com/office/drawing/2010/main">
+        <mc:Choice Requires="a14">
           <p:sp>
             <p:nvSpPr>
               <p:cNvPr id="25" name="ZoneTexte 24">
@@ -19151,7 +19244,7 @@
             </p:txBody>
           </p:sp>
         </mc:Choice>
-        <mc:Fallback>
+        <mc:Fallback xmlns="">
           <p:sp>
             <p:nvSpPr>
               <p:cNvPr id="25" name="ZoneTexte 24">
@@ -19387,8 +19480,8 @@
           </a:fontRef>
         </p:style>
       </p:cxnSp>
-      <mc:AlternateContent xmlns:mc="http://schemas.openxmlformats.org/markup-compatibility/2006">
-        <mc:Choice xmlns:a14="http://schemas.microsoft.com/office/drawing/2010/main" Requires="a14">
+      <mc:AlternateContent xmlns:mc="http://schemas.openxmlformats.org/markup-compatibility/2006" xmlns:a14="http://schemas.microsoft.com/office/drawing/2010/main">
+        <mc:Choice Requires="a14">
           <p:sp>
             <p:nvSpPr>
               <p:cNvPr id="30" name="ZoneTexte 29">
@@ -19542,7 +19635,7 @@
             </p:txBody>
           </p:sp>
         </mc:Choice>
-        <mc:Fallback>
+        <mc:Fallback xmlns="">
           <p:sp>
             <p:nvSpPr>
               <p:cNvPr id="30" name="ZoneTexte 29">
@@ -19587,8 +19680,8 @@
           </p:sp>
         </mc:Fallback>
       </mc:AlternateContent>
-      <mc:AlternateContent xmlns:mc="http://schemas.openxmlformats.org/markup-compatibility/2006">
-        <mc:Choice xmlns:a14="http://schemas.microsoft.com/office/drawing/2010/main" Requires="a14">
+      <mc:AlternateContent xmlns:mc="http://schemas.openxmlformats.org/markup-compatibility/2006" xmlns:a14="http://schemas.microsoft.com/office/drawing/2010/main">
+        <mc:Choice Requires="a14">
           <p:sp>
             <p:nvSpPr>
               <p:cNvPr id="31" name="ZoneTexte 30">
@@ -19755,7 +19848,7 @@
             </p:txBody>
           </p:sp>
         </mc:Choice>
-        <mc:Fallback>
+        <mc:Fallback xmlns="">
           <p:sp>
             <p:nvSpPr>
               <p:cNvPr id="31" name="ZoneTexte 30">
@@ -19885,8 +19978,8 @@
           </a:fontRef>
         </p:style>
       </p:cxnSp>
-      <mc:AlternateContent xmlns:mc="http://schemas.openxmlformats.org/markup-compatibility/2006">
-        <mc:Choice xmlns:a14="http://schemas.microsoft.com/office/drawing/2010/main" Requires="a14">
+      <mc:AlternateContent xmlns:mc="http://schemas.openxmlformats.org/markup-compatibility/2006" xmlns:a14="http://schemas.microsoft.com/office/drawing/2010/main">
+        <mc:Choice Requires="a14">
           <p:sp>
             <p:nvSpPr>
               <p:cNvPr id="34" name="ZoneTexte 33">
@@ -19976,7 +20069,7 @@
             </p:txBody>
           </p:sp>
         </mc:Choice>
-        <mc:Fallback>
+        <mc:Fallback xmlns="">
           <p:sp>
             <p:nvSpPr>
               <p:cNvPr id="34" name="ZoneTexte 33">
@@ -20380,8 +20473,8 @@
           </a:p>
         </p:txBody>
       </p:sp>
-      <mc:AlternateContent xmlns:mc="http://schemas.openxmlformats.org/markup-compatibility/2006">
-        <mc:Choice xmlns:a14="http://schemas.microsoft.com/office/drawing/2010/main" Requires="a14">
+      <mc:AlternateContent xmlns:mc="http://schemas.openxmlformats.org/markup-compatibility/2006" xmlns:a14="http://schemas.microsoft.com/office/drawing/2010/main">
+        <mc:Choice Requires="a14">
           <p:sp>
             <p:nvSpPr>
               <p:cNvPr id="11" name="ZoneTexte 10">
@@ -20606,7 +20699,7 @@
             </p:txBody>
           </p:sp>
         </mc:Choice>
-        <mc:Fallback>
+        <mc:Fallback xmlns="">
           <p:sp>
             <p:nvSpPr>
               <p:cNvPr id="11" name="ZoneTexte 10">
@@ -20756,10 +20849,10 @@
       </p:sp>
       <p:pic>
         <p:nvPicPr>
-          <p:cNvPr id="16" name="Picture 2" descr="Résultat de recherche d'images pour &quot;scipy&quot;">
+          <p:cNvPr id="17" name="Picture 8" descr="Résultat de recherche d'images pour &quot;spyder logo&quot;">
             <a:extLst>
               <a:ext uri="{FF2B5EF4-FFF2-40B4-BE49-F238E27FC236}">
-                <a16:creationId xmlns:a16="http://schemas.microsoft.com/office/drawing/2014/main" id="{4024B87E-8037-6818-5B26-4905241D5162}"/>
+                <a16:creationId xmlns:a16="http://schemas.microsoft.com/office/drawing/2014/main" id="{BD108C68-9F58-D0A0-9979-EED6574F66B8}"/>
               </a:ext>
             </a:extLst>
           </p:cNvPr>
@@ -20770,53 +20863,6 @@
         </p:nvPicPr>
         <p:blipFill>
           <a:blip r:embed="rId4">
-            <a:extLst>
-              <a:ext uri="{28A0092B-C50C-407E-A947-70E740481C1C}">
-                <a14:useLocalDpi xmlns:a14="http://schemas.microsoft.com/office/drawing/2010/main" val="0"/>
-              </a:ext>
-            </a:extLst>
-          </a:blip>
-          <a:srcRect/>
-          <a:stretch>
-            <a:fillRect/>
-          </a:stretch>
-        </p:blipFill>
-        <p:spPr bwMode="auto">
-          <a:xfrm>
-            <a:off x="9542319" y="538509"/>
-            <a:ext cx="1014988" cy="1014988"/>
-          </a:xfrm>
-          <a:prstGeom prst="rect">
-            <a:avLst/>
-          </a:prstGeom>
-          <a:noFill/>
-          <a:extLst>
-            <a:ext uri="{909E8E84-426E-40DD-AFC4-6F175D3DCCD1}">
-              <a14:hiddenFill xmlns:a14="http://schemas.microsoft.com/office/drawing/2010/main">
-                <a:solidFill>
-                  <a:srgbClr val="FFFFFF"/>
-                </a:solidFill>
-              </a14:hiddenFill>
-            </a:ext>
-          </a:extLst>
-        </p:spPr>
-      </p:pic>
-      <p:pic>
-        <p:nvPicPr>
-          <p:cNvPr id="17" name="Picture 8" descr="Résultat de recherche d'images pour &quot;spyder logo&quot;">
-            <a:extLst>
-              <a:ext uri="{FF2B5EF4-FFF2-40B4-BE49-F238E27FC236}">
-                <a16:creationId xmlns:a16="http://schemas.microsoft.com/office/drawing/2014/main" id="{BD108C68-9F58-D0A0-9979-EED6574F66B8}"/>
-              </a:ext>
-            </a:extLst>
-          </p:cNvPr>
-          <p:cNvPicPr>
-            <a:picLocks noChangeAspect="1" noChangeArrowheads="1"/>
-          </p:cNvPicPr>
-          <p:nvPr/>
-        </p:nvPicPr>
-        <p:blipFill>
-          <a:blip r:embed="rId5">
             <a:extLst>
               <a:ext uri="{28A0092B-C50C-407E-A947-70E740481C1C}">
                 <a14:useLocalDpi xmlns:a14="http://schemas.microsoft.com/office/drawing/2010/main" val="0"/>
@@ -20863,13 +20909,13 @@
           <p:nvPr/>
         </p:nvPicPr>
         <p:blipFill>
-          <a:blip r:embed="rId6">
+          <a:blip r:embed="rId5">
             <a:extLst>
               <a:ext uri="{28A0092B-C50C-407E-A947-70E740481C1C}">
                 <a14:useLocalDpi xmlns:a14="http://schemas.microsoft.com/office/drawing/2010/main" val="0"/>
               </a:ext>
               <a:ext uri="{96DAC541-7B7A-43D3-8B79-37D633B846F1}">
-                <asvg:svgBlip xmlns:asvg="http://schemas.microsoft.com/office/drawing/2016/SVG/main" r:embed="rId7"/>
+                <asvg:svgBlip xmlns:asvg="http://schemas.microsoft.com/office/drawing/2016/SVG/main" r:embed="rId6"/>
               </a:ext>
             </a:extLst>
           </a:blip>
@@ -20997,6 +21043,44 @@
           </a:p>
         </p:txBody>
       </p:sp>
+      <p:sp>
+        <p:nvSpPr>
+          <p:cNvPr id="6" name="ZoneTexte 5">
+            <a:extLst>
+              <a:ext uri="{FF2B5EF4-FFF2-40B4-BE49-F238E27FC236}">
+                <a16:creationId xmlns:a16="http://schemas.microsoft.com/office/drawing/2014/main" id="{1B4D69E3-10B7-3DDB-3205-233CA559C301}"/>
+              </a:ext>
+            </a:extLst>
+          </p:cNvPr>
+          <p:cNvSpPr txBox="1"/>
+          <p:nvPr/>
+        </p:nvSpPr>
+        <p:spPr>
+          <a:xfrm>
+            <a:off x="8969659" y="1507987"/>
+            <a:ext cx="2435233" cy="369332"/>
+          </a:xfrm>
+          <a:prstGeom prst="rect">
+            <a:avLst/>
+          </a:prstGeom>
+          <a:solidFill>
+            <a:srgbClr val="00B050"/>
+          </a:solidFill>
+        </p:spPr>
+        <p:txBody>
+          <a:bodyPr wrap="square">
+            <a:spAutoFit/>
+          </a:bodyPr>
+          <a:lstStyle/>
+          <a:p>
+            <a:pPr algn="ctr"/>
+            <a:r>
+              <a:rPr lang="fr-FR" b="1" i="1" dirty="0"/>
+              <a:t>S’ENTRAINER</a:t>
+            </a:r>
+          </a:p>
+        </p:txBody>
+      </p:sp>
     </p:spTree>
     <p:extLst>
       <p:ext uri="{BB962C8B-B14F-4D97-AF65-F5344CB8AC3E}">
@@ -21011,6 +21095,2996 @@
 </file>
 
 <file path=ppt/slides/slide23.xml><?xml version="1.0" encoding="utf-8"?>
+<p:sld xmlns:a="http://schemas.openxmlformats.org/drawingml/2006/main" xmlns:r="http://schemas.openxmlformats.org/officeDocument/2006/relationships" xmlns:p="http://schemas.openxmlformats.org/presentationml/2006/main">
+  <p:cSld>
+    <p:bg>
+      <p:bgPr>
+        <a:solidFill>
+          <a:schemeClr val="bg1">
+            <a:lumMod val="95000"/>
+          </a:schemeClr>
+        </a:solidFill>
+        <a:effectLst/>
+      </p:bgPr>
+    </p:bg>
+    <p:spTree>
+      <p:nvGrpSpPr>
+        <p:cNvPr id="1" name=""/>
+        <p:cNvGrpSpPr/>
+        <p:nvPr/>
+      </p:nvGrpSpPr>
+      <p:grpSpPr>
+        <a:xfrm>
+          <a:off x="0" y="0"/>
+          <a:ext cx="0" cy="0"/>
+          <a:chOff x="0" y="0"/>
+          <a:chExt cx="0" cy="0"/>
+        </a:xfrm>
+      </p:grpSpPr>
+      <p:sp>
+        <p:nvSpPr>
+          <p:cNvPr id="2" name="Titre 1">
+            <a:extLst>
+              <a:ext uri="{FF2B5EF4-FFF2-40B4-BE49-F238E27FC236}">
+                <a16:creationId xmlns:a16="http://schemas.microsoft.com/office/drawing/2014/main" id="{90162AE8-C1B0-5C56-8313-DEE494F38273}"/>
+              </a:ext>
+            </a:extLst>
+          </p:cNvPr>
+          <p:cNvSpPr>
+            <a:spLocks noGrp="1"/>
+          </p:cNvSpPr>
+          <p:nvPr>
+            <p:ph type="title"/>
+          </p:nvPr>
+        </p:nvSpPr>
+        <p:spPr/>
+        <p:txBody>
+          <a:bodyPr/>
+          <a:lstStyle/>
+          <a:p>
+            <a:r>
+              <a:rPr lang="fr-FR" dirty="0"/>
+              <a:t>D’autres méthodes plus optimisées</a:t>
+            </a:r>
+          </a:p>
+        </p:txBody>
+      </p:sp>
+      <p:sp>
+        <p:nvSpPr>
+          <p:cNvPr id="3" name="Espace réservé du contenu 2">
+            <a:extLst>
+              <a:ext uri="{FF2B5EF4-FFF2-40B4-BE49-F238E27FC236}">
+                <a16:creationId xmlns:a16="http://schemas.microsoft.com/office/drawing/2014/main" id="{E0BBB9DE-019C-C741-F224-494739D4B752}"/>
+              </a:ext>
+            </a:extLst>
+          </p:cNvPr>
+          <p:cNvSpPr>
+            <a:spLocks noGrp="1"/>
+          </p:cNvSpPr>
+          <p:nvPr>
+            <p:ph sz="half" idx="1"/>
+          </p:nvPr>
+        </p:nvSpPr>
+        <p:spPr/>
+        <p:txBody>
+          <a:bodyPr/>
+          <a:lstStyle/>
+          <a:p>
+            <a:r>
+              <a:rPr lang="fr-FR" dirty="0"/>
+              <a:t>Méthodes de Runge-</a:t>
+            </a:r>
+            <a:r>
+              <a:rPr lang="fr-FR" dirty="0" err="1"/>
+              <a:t>Kutta</a:t>
+            </a:r>
+            <a:endParaRPr lang="fr-FR" dirty="0"/>
+          </a:p>
+        </p:txBody>
+      </p:sp>
+      <p:pic>
+        <p:nvPicPr>
+          <p:cNvPr id="5" name="Image 4" descr="Une image contenant texte&#10;&#10;Description générée automatiquement">
+            <a:extLst>
+              <a:ext uri="{FF2B5EF4-FFF2-40B4-BE49-F238E27FC236}">
+                <a16:creationId xmlns:a16="http://schemas.microsoft.com/office/drawing/2014/main" id="{66D2630B-81F4-A4EB-21BA-8B90CF30BD92}"/>
+              </a:ext>
+            </a:extLst>
+          </p:cNvPr>
+          <p:cNvPicPr>
+            <a:picLocks noChangeAspect="1"/>
+          </p:cNvPicPr>
+          <p:nvPr/>
+        </p:nvPicPr>
+        <p:blipFill>
+          <a:blip r:embed="rId2">
+            <a:extLst>
+              <a:ext uri="{28A0092B-C50C-407E-A947-70E740481C1C}">
+                <a14:useLocalDpi xmlns:a14="http://schemas.microsoft.com/office/drawing/2010/main" val="0"/>
+              </a:ext>
+            </a:extLst>
+          </a:blip>
+          <a:stretch>
+            <a:fillRect/>
+          </a:stretch>
+        </p:blipFill>
+        <p:spPr>
+          <a:xfrm>
+            <a:off x="202922" y="5934456"/>
+            <a:ext cx="1825291" cy="749808"/>
+          </a:xfrm>
+          <a:prstGeom prst="rect">
+            <a:avLst/>
+          </a:prstGeom>
+        </p:spPr>
+      </p:pic>
+      <mc:AlternateContent xmlns:mc="http://schemas.openxmlformats.org/markup-compatibility/2006" xmlns:a14="http://schemas.microsoft.com/office/drawing/2010/main">
+        <mc:Choice Requires="a14">
+          <p:sp>
+            <p:nvSpPr>
+              <p:cNvPr id="7" name="ZoneTexte 6">
+                <a:extLst>
+                  <a:ext uri="{FF2B5EF4-FFF2-40B4-BE49-F238E27FC236}">
+                    <a16:creationId xmlns:a16="http://schemas.microsoft.com/office/drawing/2014/main" id="{F5A65822-2FF5-BFC7-AEFF-25A4ACF489B5}"/>
+                  </a:ext>
+                </a:extLst>
+              </p:cNvPr>
+              <p:cNvSpPr txBox="1"/>
+              <p:nvPr/>
+            </p:nvSpPr>
+            <p:spPr>
+              <a:xfrm>
+                <a:off x="2722888" y="5664060"/>
+                <a:ext cx="8205349" cy="461665"/>
+              </a:xfrm>
+              <a:prstGeom prst="rect">
+                <a:avLst/>
+              </a:prstGeom>
+              <a:solidFill>
+                <a:schemeClr val="accent5">
+                  <a:lumMod val="40000"/>
+                  <a:lumOff val="60000"/>
+                </a:schemeClr>
+              </a:solidFill>
+            </p:spPr>
+            <p:txBody>
+              <a:bodyPr wrap="square" rtlCol="0">
+                <a:spAutoFit/>
+              </a:bodyPr>
+              <a:lstStyle/>
+              <a:p>
+                <a:pPr algn="ctr"/>
+                <a:r>
+                  <a:rPr lang="fr-FR" sz="2400" i="1" dirty="0"/>
+                  <a:t>s</a:t>
+                </a:r>
+                <a:r>
+                  <a:rPr lang="fr-FR" sz="2400" i="1" dirty="0" err="1"/>
+                  <a:t>cipy.integrate</a:t>
+                </a:r>
+                <a:r>
+                  <a:rPr lang="fr-FR" sz="2400" dirty="0" err="1"/>
+                  <a:t>.</a:t>
+                </a:r>
+                <a:r>
+                  <a:rPr lang="fr-FR" sz="2400" b="1" dirty="0" err="1"/>
+                  <a:t>solve_ipc</a:t>
+                </a:r>
+                <a:r>
+                  <a:rPr lang="fr-FR" sz="2400" dirty="0"/>
+                  <a:t>(</a:t>
+                </a:r>
+                <a14:m>
+                  <m:oMath xmlns:m="http://schemas.openxmlformats.org/officeDocument/2006/math">
+                    <m:r>
+                      <a:rPr lang="fr-FR" sz="2400" b="0" i="0" dirty="0" smtClean="0">
+                        <a:latin typeface="Cambria Math" panose="02040503050406030204" pitchFamily="18" charset="0"/>
+                      </a:rPr>
+                      <m:t> </m:t>
+                    </m:r>
+                    <m:r>
+                      <a:rPr lang="fr-FR" sz="2400" b="1" i="1" dirty="0" smtClean="0">
+                        <a:latin typeface="Cambria Math" panose="02040503050406030204" pitchFamily="18" charset="0"/>
+                      </a:rPr>
+                      <m:t>…</m:t>
+                    </m:r>
+                  </m:oMath>
+                </a14:m>
+                <a:r>
+                  <a:rPr lang="fr-FR" sz="2400" dirty="0"/>
+                  <a:t> , </a:t>
+                </a:r>
+                <a:r>
+                  <a:rPr lang="fr-FR" sz="2400" dirty="0" err="1"/>
+                  <a:t>method</a:t>
+                </a:r>
+                <a:r>
+                  <a:rPr lang="fr-FR" sz="2400" dirty="0"/>
+                  <a:t>=‘RK23’)</a:t>
+                </a:r>
+              </a:p>
+            </p:txBody>
+          </p:sp>
+        </mc:Choice>
+        <mc:Fallback xmlns="">
+          <p:sp>
+            <p:nvSpPr>
+              <p:cNvPr id="7" name="ZoneTexte 6">
+                <a:extLst>
+                  <a:ext uri="{FF2B5EF4-FFF2-40B4-BE49-F238E27FC236}">
+                    <a16:creationId xmlns:a16="http://schemas.microsoft.com/office/drawing/2014/main" id="{F5A65822-2FF5-BFC7-AEFF-25A4ACF489B5}"/>
+                  </a:ext>
+                </a:extLst>
+              </p:cNvPr>
+              <p:cNvSpPr txBox="1">
+                <a:spLocks noRot="1" noChangeAspect="1" noMove="1" noResize="1" noEditPoints="1" noAdjustHandles="1" noChangeArrowheads="1" noChangeShapeType="1" noTextEdit="1"/>
+              </p:cNvSpPr>
+              <p:nvPr/>
+            </p:nvSpPr>
+            <p:spPr>
+              <a:xfrm>
+                <a:off x="2722888" y="5664060"/>
+                <a:ext cx="8205349" cy="461665"/>
+              </a:xfrm>
+              <a:prstGeom prst="rect">
+                <a:avLst/>
+              </a:prstGeom>
+              <a:blipFill>
+                <a:blip r:embed="rId3"/>
+                <a:stretch>
+                  <a:fillRect t="-9211" b="-30263"/>
+                </a:stretch>
+              </a:blipFill>
+            </p:spPr>
+            <p:txBody>
+              <a:bodyPr/>
+              <a:lstStyle/>
+              <a:p>
+                <a:r>
+                  <a:rPr lang="fr-FR">
+                    <a:noFill/>
+                  </a:rPr>
+                  <a:t> </a:t>
+                </a:r>
+              </a:p>
+            </p:txBody>
+          </p:sp>
+        </mc:Fallback>
+      </mc:AlternateContent>
+      <p:sp>
+        <p:nvSpPr>
+          <p:cNvPr id="10" name="ZoneTexte 9">
+            <a:extLst>
+              <a:ext uri="{FF2B5EF4-FFF2-40B4-BE49-F238E27FC236}">
+                <a16:creationId xmlns:a16="http://schemas.microsoft.com/office/drawing/2014/main" id="{778F0D7B-A2E7-7B0F-95B8-9A2E536AD5BC}"/>
+              </a:ext>
+            </a:extLst>
+          </p:cNvPr>
+          <p:cNvSpPr txBox="1"/>
+          <p:nvPr/>
+        </p:nvSpPr>
+        <p:spPr>
+          <a:xfrm>
+            <a:off x="1696719" y="3170950"/>
+            <a:ext cx="9708700" cy="2308324"/>
+          </a:xfrm>
+          <a:prstGeom prst="rect">
+            <a:avLst/>
+          </a:prstGeom>
+          <a:solidFill>
+            <a:schemeClr val="accent1">
+              <a:lumMod val="20000"/>
+              <a:lumOff val="80000"/>
+            </a:schemeClr>
+          </a:solidFill>
+        </p:spPr>
+        <p:txBody>
+          <a:bodyPr wrap="square">
+            <a:spAutoFit/>
+          </a:bodyPr>
+          <a:lstStyle/>
+          <a:p>
+            <a:r>
+              <a:rPr lang="fr-FR" sz="2400" b="1" dirty="0"/>
+              <a:t>Méthode d'Euler </a:t>
+            </a:r>
+            <a:r>
+              <a:rPr lang="fr-FR" sz="2400" dirty="0">
+                <a:sym typeface="Wingdings" panose="05000000000000000000" pitchFamily="2" charset="2"/>
+              </a:rPr>
+              <a:t> </a:t>
+            </a:r>
+            <a:r>
+              <a:rPr lang="fr-FR" sz="2400" dirty="0"/>
+              <a:t>tangente en un point pour trouver le suivant</a:t>
+            </a:r>
+          </a:p>
+          <a:p>
+            <a:endParaRPr lang="fr-FR" sz="2400" dirty="0"/>
+          </a:p>
+          <a:p>
+            <a:r>
+              <a:rPr lang="fr-FR" sz="2400" b="1" dirty="0"/>
+              <a:t>Méthodes de Runge </a:t>
+            </a:r>
+            <a:r>
+              <a:rPr lang="fr-FR" sz="2400" b="1" dirty="0" err="1"/>
+              <a:t>Kutta</a:t>
+            </a:r>
+            <a:r>
+              <a:rPr lang="fr-FR" sz="2400" b="1" dirty="0"/>
+              <a:t> </a:t>
+            </a:r>
+          </a:p>
+          <a:p>
+            <a:r>
+              <a:rPr lang="fr-FR" sz="2400" b="1" dirty="0"/>
+              <a:t>	</a:t>
+            </a:r>
+            <a:r>
+              <a:rPr lang="fr-FR" sz="2400" dirty="0"/>
+              <a:t>(ordre 2) </a:t>
+            </a:r>
+            <a:r>
+              <a:rPr lang="fr-FR" sz="2400" dirty="0">
+                <a:sym typeface="Wingdings" panose="05000000000000000000" pitchFamily="2" charset="2"/>
+              </a:rPr>
+              <a:t></a:t>
+            </a:r>
+            <a:r>
+              <a:rPr lang="fr-FR" sz="2400" dirty="0"/>
+              <a:t> création d’un point intermédiaire entre deux points expérimentaux</a:t>
+            </a:r>
+          </a:p>
+          <a:p>
+            <a:r>
+              <a:rPr lang="fr-FR" sz="2400" dirty="0"/>
+              <a:t>	(ordre 4) </a:t>
+            </a:r>
+            <a:r>
+              <a:rPr lang="fr-FR" sz="2400" dirty="0">
+                <a:sym typeface="Wingdings" panose="05000000000000000000" pitchFamily="2" charset="2"/>
+              </a:rPr>
+              <a:t> création de 3 points intermédiaires</a:t>
+            </a:r>
+            <a:endParaRPr lang="fr-FR" sz="2400" dirty="0"/>
+          </a:p>
+        </p:txBody>
+      </p:sp>
+      <mc:AlternateContent xmlns:mc="http://schemas.openxmlformats.org/markup-compatibility/2006" xmlns:a14="http://schemas.microsoft.com/office/drawing/2010/main">
+        <mc:Choice Requires="a14">
+          <p:sp>
+            <p:nvSpPr>
+              <p:cNvPr id="12" name="ZoneTexte 11">
+                <a:extLst>
+                  <a:ext uri="{FF2B5EF4-FFF2-40B4-BE49-F238E27FC236}">
+                    <a16:creationId xmlns:a16="http://schemas.microsoft.com/office/drawing/2014/main" id="{3C09E048-5035-5A07-1CBD-02EDF8AD9929}"/>
+                  </a:ext>
+                </a:extLst>
+              </p:cNvPr>
+              <p:cNvSpPr txBox="1"/>
+              <p:nvPr/>
+            </p:nvSpPr>
+            <p:spPr>
+              <a:xfrm>
+                <a:off x="2722887" y="6287830"/>
+                <a:ext cx="8205349" cy="461665"/>
+              </a:xfrm>
+              <a:prstGeom prst="rect">
+                <a:avLst/>
+              </a:prstGeom>
+              <a:solidFill>
+                <a:schemeClr val="accent5">
+                  <a:lumMod val="40000"/>
+                  <a:lumOff val="60000"/>
+                </a:schemeClr>
+              </a:solidFill>
+            </p:spPr>
+            <p:txBody>
+              <a:bodyPr wrap="square" rtlCol="0">
+                <a:spAutoFit/>
+              </a:bodyPr>
+              <a:lstStyle/>
+              <a:p>
+                <a:pPr algn="ctr"/>
+                <a:r>
+                  <a:rPr lang="fr-FR" sz="2400" i="1" dirty="0"/>
+                  <a:t>s</a:t>
+                </a:r>
+                <a:r>
+                  <a:rPr lang="fr-FR" sz="2400" i="1" dirty="0" err="1"/>
+                  <a:t>cipy.integrate</a:t>
+                </a:r>
+                <a:r>
+                  <a:rPr lang="fr-FR" sz="2400" dirty="0" err="1"/>
+                  <a:t>.</a:t>
+                </a:r>
+                <a:r>
+                  <a:rPr lang="fr-FR" sz="2400" b="1" dirty="0" err="1"/>
+                  <a:t>solve_ipc</a:t>
+                </a:r>
+                <a:r>
+                  <a:rPr lang="fr-FR" sz="2400" dirty="0"/>
+                  <a:t>(</a:t>
+                </a:r>
+                <a14:m>
+                  <m:oMath xmlns:m="http://schemas.openxmlformats.org/officeDocument/2006/math">
+                    <m:r>
+                      <a:rPr lang="fr-FR" sz="2400" b="0" i="0" dirty="0" smtClean="0">
+                        <a:latin typeface="Cambria Math" panose="02040503050406030204" pitchFamily="18" charset="0"/>
+                      </a:rPr>
+                      <m:t> </m:t>
+                    </m:r>
+                    <m:r>
+                      <a:rPr lang="fr-FR" sz="2400" b="1" i="1" dirty="0" smtClean="0">
+                        <a:latin typeface="Cambria Math" panose="02040503050406030204" pitchFamily="18" charset="0"/>
+                      </a:rPr>
+                      <m:t>…</m:t>
+                    </m:r>
+                  </m:oMath>
+                </a14:m>
+                <a:r>
+                  <a:rPr lang="fr-FR" sz="2400" dirty="0"/>
+                  <a:t> , </a:t>
+                </a:r>
+                <a:r>
+                  <a:rPr lang="fr-FR" sz="2400" dirty="0" err="1"/>
+                  <a:t>method</a:t>
+                </a:r>
+                <a:r>
+                  <a:rPr lang="fr-FR" sz="2400" dirty="0"/>
+                  <a:t>=‘RK45’)</a:t>
+                </a:r>
+              </a:p>
+            </p:txBody>
+          </p:sp>
+        </mc:Choice>
+        <mc:Fallback xmlns="">
+          <p:sp>
+            <p:nvSpPr>
+              <p:cNvPr id="12" name="ZoneTexte 11">
+                <a:extLst>
+                  <a:ext uri="{FF2B5EF4-FFF2-40B4-BE49-F238E27FC236}">
+                    <a16:creationId xmlns:a16="http://schemas.microsoft.com/office/drawing/2014/main" id="{3C09E048-5035-5A07-1CBD-02EDF8AD9929}"/>
+                  </a:ext>
+                </a:extLst>
+              </p:cNvPr>
+              <p:cNvSpPr txBox="1">
+                <a:spLocks noRot="1" noChangeAspect="1" noMove="1" noResize="1" noEditPoints="1" noAdjustHandles="1" noChangeArrowheads="1" noChangeShapeType="1" noTextEdit="1"/>
+              </p:cNvSpPr>
+              <p:nvPr/>
+            </p:nvSpPr>
+            <p:spPr>
+              <a:xfrm>
+                <a:off x="2722887" y="6287830"/>
+                <a:ext cx="8205349" cy="461665"/>
+              </a:xfrm>
+              <a:prstGeom prst="rect">
+                <a:avLst/>
+              </a:prstGeom>
+              <a:blipFill>
+                <a:blip r:embed="rId4"/>
+                <a:stretch>
+                  <a:fillRect t="-9211" b="-30263"/>
+                </a:stretch>
+              </a:blipFill>
+            </p:spPr>
+            <p:txBody>
+              <a:bodyPr/>
+              <a:lstStyle/>
+              <a:p>
+                <a:r>
+                  <a:rPr lang="fr-FR">
+                    <a:noFill/>
+                  </a:rPr>
+                  <a:t> </a:t>
+                </a:r>
+              </a:p>
+            </p:txBody>
+          </p:sp>
+        </mc:Fallback>
+      </mc:AlternateContent>
+    </p:spTree>
+    <p:extLst>
+      <p:ext uri="{BB962C8B-B14F-4D97-AF65-F5344CB8AC3E}">
+        <p14:creationId xmlns:p14="http://schemas.microsoft.com/office/powerpoint/2010/main" val="1867527185"/>
+      </p:ext>
+    </p:extLst>
+  </p:cSld>
+  <p:clrMapOvr>
+    <a:masterClrMapping/>
+  </p:clrMapOvr>
+</p:sld>
+</file>
+
+<file path=ppt/slides/slide24.xml><?xml version="1.0" encoding="utf-8"?>
+<p:sld xmlns:a="http://schemas.openxmlformats.org/drawingml/2006/main" xmlns:r="http://schemas.openxmlformats.org/officeDocument/2006/relationships" xmlns:p="http://schemas.openxmlformats.org/presentationml/2006/main">
+  <p:cSld>
+    <p:spTree>
+      <p:nvGrpSpPr>
+        <p:cNvPr id="1" name=""/>
+        <p:cNvGrpSpPr/>
+        <p:nvPr/>
+      </p:nvGrpSpPr>
+      <p:grpSpPr>
+        <a:xfrm>
+          <a:off x="0" y="0"/>
+          <a:ext cx="0" cy="0"/>
+          <a:chOff x="0" y="0"/>
+          <a:chExt cx="0" cy="0"/>
+        </a:xfrm>
+      </p:grpSpPr>
+      <p:pic>
+        <p:nvPicPr>
+          <p:cNvPr id="25" name="Image 24">
+            <a:extLst>
+              <a:ext uri="{FF2B5EF4-FFF2-40B4-BE49-F238E27FC236}">
+                <a16:creationId xmlns:a16="http://schemas.microsoft.com/office/drawing/2014/main" id="{2E996E6E-3B8E-A6E6-5C72-3939B7FA2C56}"/>
+              </a:ext>
+            </a:extLst>
+          </p:cNvPr>
+          <p:cNvPicPr>
+            <a:picLocks noChangeAspect="1"/>
+          </p:cNvPicPr>
+          <p:nvPr/>
+        </p:nvPicPr>
+        <p:blipFill>
+          <a:blip r:embed="rId2"/>
+          <a:stretch>
+            <a:fillRect/>
+          </a:stretch>
+        </p:blipFill>
+        <p:spPr>
+          <a:xfrm>
+            <a:off x="5432859" y="5326176"/>
+            <a:ext cx="1838410" cy="1360713"/>
+          </a:xfrm>
+          <a:prstGeom prst="rect">
+            <a:avLst/>
+          </a:prstGeom>
+        </p:spPr>
+      </p:pic>
+      <p:pic>
+        <p:nvPicPr>
+          <p:cNvPr id="14" name="Image 13">
+            <a:extLst>
+              <a:ext uri="{FF2B5EF4-FFF2-40B4-BE49-F238E27FC236}">
+                <a16:creationId xmlns:a16="http://schemas.microsoft.com/office/drawing/2014/main" id="{006BA913-088D-DED7-7B8C-324DA1E0AF07}"/>
+              </a:ext>
+            </a:extLst>
+          </p:cNvPr>
+          <p:cNvPicPr>
+            <a:picLocks noChangeAspect="1"/>
+          </p:cNvPicPr>
+          <p:nvPr/>
+        </p:nvPicPr>
+        <p:blipFill>
+          <a:blip r:embed="rId3"/>
+          <a:stretch>
+            <a:fillRect/>
+          </a:stretch>
+        </p:blipFill>
+        <p:spPr>
+          <a:xfrm>
+            <a:off x="1217008" y="3326930"/>
+            <a:ext cx="3956106" cy="2671823"/>
+          </a:xfrm>
+          <a:prstGeom prst="rect">
+            <a:avLst/>
+          </a:prstGeom>
+        </p:spPr>
+      </p:pic>
+      <p:sp>
+        <p:nvSpPr>
+          <p:cNvPr id="2" name="Titre 1">
+            <a:extLst>
+              <a:ext uri="{FF2B5EF4-FFF2-40B4-BE49-F238E27FC236}">
+                <a16:creationId xmlns:a16="http://schemas.microsoft.com/office/drawing/2014/main" id="{90162AE8-C1B0-5C56-8313-DEE494F38273}"/>
+              </a:ext>
+            </a:extLst>
+          </p:cNvPr>
+          <p:cNvSpPr>
+            <a:spLocks noGrp="1"/>
+          </p:cNvSpPr>
+          <p:nvPr>
+            <p:ph type="title"/>
+          </p:nvPr>
+        </p:nvSpPr>
+        <p:spPr/>
+        <p:txBody>
+          <a:bodyPr>
+            <a:normAutofit/>
+          </a:bodyPr>
+          <a:lstStyle/>
+          <a:p>
+            <a:r>
+              <a:rPr lang="fr-FR" dirty="0"/>
+              <a:t>Autre cas / Equation du second ordre</a:t>
+            </a:r>
+          </a:p>
+        </p:txBody>
+      </p:sp>
+      <p:sp>
+        <p:nvSpPr>
+          <p:cNvPr id="3" name="Espace réservé du contenu 2">
+            <a:extLst>
+              <a:ext uri="{FF2B5EF4-FFF2-40B4-BE49-F238E27FC236}">
+                <a16:creationId xmlns:a16="http://schemas.microsoft.com/office/drawing/2014/main" id="{E0BBB9DE-019C-C741-F224-494739D4B752}"/>
+              </a:ext>
+            </a:extLst>
+          </p:cNvPr>
+          <p:cNvSpPr>
+            <a:spLocks noGrp="1"/>
+          </p:cNvSpPr>
+          <p:nvPr>
+            <p:ph sz="half" idx="1"/>
+          </p:nvPr>
+        </p:nvSpPr>
+        <p:spPr/>
+        <p:txBody>
+          <a:bodyPr/>
+          <a:lstStyle/>
+          <a:p>
+            <a:r>
+              <a:rPr lang="fr-FR" dirty="0"/>
+              <a:t>Circuit RLC</a:t>
+            </a:r>
+          </a:p>
+        </p:txBody>
+      </p:sp>
+      <p:sp>
+        <p:nvSpPr>
+          <p:cNvPr id="4" name="Espace réservé du numéro de diapositive 3">
+            <a:extLst>
+              <a:ext uri="{FF2B5EF4-FFF2-40B4-BE49-F238E27FC236}">
+                <a16:creationId xmlns:a16="http://schemas.microsoft.com/office/drawing/2014/main" id="{F08CDEFC-50F0-4C47-46AC-D28A2807E4F8}"/>
+              </a:ext>
+            </a:extLst>
+          </p:cNvPr>
+          <p:cNvSpPr>
+            <a:spLocks noGrp="1"/>
+          </p:cNvSpPr>
+          <p:nvPr>
+            <p:ph type="sldNum" sz="quarter" idx="12"/>
+          </p:nvPr>
+        </p:nvSpPr>
+        <p:spPr/>
+        <p:txBody>
+          <a:bodyPr/>
+          <a:lstStyle/>
+          <a:p>
+            <a:fld id="{B2DC25EE-239B-4C5F-AAD1-255A7D5F1EE2}" type="slidenum">
+              <a:rPr lang="en-US" smtClean="0"/>
+              <a:t>24</a:t>
+            </a:fld>
+            <a:endParaRPr lang="en-US"/>
+          </a:p>
+        </p:txBody>
+      </p:sp>
+      <p:cxnSp>
+        <p:nvCxnSpPr>
+          <p:cNvPr id="7" name="Connecteur droit avec flèche 6">
+            <a:extLst>
+              <a:ext uri="{FF2B5EF4-FFF2-40B4-BE49-F238E27FC236}">
+                <a16:creationId xmlns:a16="http://schemas.microsoft.com/office/drawing/2014/main" id="{BDC5F1B6-045B-093E-19A5-135162B7C574}"/>
+              </a:ext>
+            </a:extLst>
+          </p:cNvPr>
+          <p:cNvCxnSpPr/>
+          <p:nvPr/>
+        </p:nvCxnSpPr>
+        <p:spPr>
+          <a:xfrm flipV="1">
+            <a:off x="4948418" y="3832632"/>
+            <a:ext cx="0" cy="1437968"/>
+          </a:xfrm>
+          <a:prstGeom prst="straightConnector1">
+            <a:avLst/>
+          </a:prstGeom>
+          <a:ln w="47625">
+            <a:tailEnd type="arrow"/>
+          </a:ln>
+        </p:spPr>
+        <p:style>
+          <a:lnRef idx="1">
+            <a:schemeClr val="accent1"/>
+          </a:lnRef>
+          <a:fillRef idx="0">
+            <a:schemeClr val="accent1"/>
+          </a:fillRef>
+          <a:effectRef idx="0">
+            <a:schemeClr val="accent1"/>
+          </a:effectRef>
+          <a:fontRef idx="minor">
+            <a:schemeClr val="tx1"/>
+          </a:fontRef>
+        </p:style>
+      </p:cxnSp>
+      <p:sp>
+        <p:nvSpPr>
+          <p:cNvPr id="8" name="ZoneTexte 7">
+            <a:extLst>
+              <a:ext uri="{FF2B5EF4-FFF2-40B4-BE49-F238E27FC236}">
+                <a16:creationId xmlns:a16="http://schemas.microsoft.com/office/drawing/2014/main" id="{EE2BEBA4-55A1-8CF5-029E-71BA82FB8BAF}"/>
+              </a:ext>
+            </a:extLst>
+          </p:cNvPr>
+          <p:cNvSpPr txBox="1"/>
+          <p:nvPr/>
+        </p:nvSpPr>
+        <p:spPr>
+          <a:xfrm>
+            <a:off x="5031253" y="4340155"/>
+            <a:ext cx="648929" cy="461665"/>
+          </a:xfrm>
+          <a:prstGeom prst="rect">
+            <a:avLst/>
+          </a:prstGeom>
+          <a:noFill/>
+        </p:spPr>
+        <p:txBody>
+          <a:bodyPr wrap="square" rtlCol="0">
+            <a:spAutoFit/>
+          </a:bodyPr>
+          <a:lstStyle/>
+          <a:p>
+            <a:r>
+              <a:rPr lang="fr-FR" sz="2400" b="1" dirty="0">
+                <a:solidFill>
+                  <a:srgbClr val="C696A7"/>
+                </a:solidFill>
+              </a:rPr>
+              <a:t>V</a:t>
+            </a:r>
+            <a:r>
+              <a:rPr lang="fr-FR" sz="2400" b="1" baseline="-25000" dirty="0">
+                <a:solidFill>
+                  <a:srgbClr val="C696A7"/>
+                </a:solidFill>
+              </a:rPr>
+              <a:t>S</a:t>
+            </a:r>
+          </a:p>
+        </p:txBody>
+      </p:sp>
+      <p:cxnSp>
+        <p:nvCxnSpPr>
+          <p:cNvPr id="9" name="Connecteur droit avec flèche 8">
+            <a:extLst>
+              <a:ext uri="{FF2B5EF4-FFF2-40B4-BE49-F238E27FC236}">
+                <a16:creationId xmlns:a16="http://schemas.microsoft.com/office/drawing/2014/main" id="{27001290-E162-2201-C9A7-979D5C276403}"/>
+              </a:ext>
+            </a:extLst>
+          </p:cNvPr>
+          <p:cNvCxnSpPr>
+            <a:cxnSpLocks/>
+          </p:cNvCxnSpPr>
+          <p:nvPr/>
+        </p:nvCxnSpPr>
+        <p:spPr>
+          <a:xfrm>
+            <a:off x="3031125" y="3844855"/>
+            <a:ext cx="103239" cy="0"/>
+          </a:xfrm>
+          <a:prstGeom prst="straightConnector1">
+            <a:avLst/>
+          </a:prstGeom>
+          <a:ln w="47625">
+            <a:tailEnd type="arrow"/>
+          </a:ln>
+        </p:spPr>
+        <p:style>
+          <a:lnRef idx="1">
+            <a:schemeClr val="accent1"/>
+          </a:lnRef>
+          <a:fillRef idx="0">
+            <a:schemeClr val="accent1"/>
+          </a:fillRef>
+          <a:effectRef idx="0">
+            <a:schemeClr val="accent1"/>
+          </a:effectRef>
+          <a:fontRef idx="minor">
+            <a:schemeClr val="tx1"/>
+          </a:fontRef>
+        </p:style>
+      </p:cxnSp>
+      <p:sp>
+        <p:nvSpPr>
+          <p:cNvPr id="11" name="ZoneTexte 10">
+            <a:extLst>
+              <a:ext uri="{FF2B5EF4-FFF2-40B4-BE49-F238E27FC236}">
+                <a16:creationId xmlns:a16="http://schemas.microsoft.com/office/drawing/2014/main" id="{AD4813BF-00D4-9EA0-64D2-FC901A5431CC}"/>
+              </a:ext>
+            </a:extLst>
+          </p:cNvPr>
+          <p:cNvSpPr txBox="1"/>
+          <p:nvPr/>
+        </p:nvSpPr>
+        <p:spPr>
+          <a:xfrm>
+            <a:off x="3053579" y="3326930"/>
+            <a:ext cx="615657" cy="461665"/>
+          </a:xfrm>
+          <a:prstGeom prst="rect">
+            <a:avLst/>
+          </a:prstGeom>
+          <a:noFill/>
+        </p:spPr>
+        <p:txBody>
+          <a:bodyPr wrap="square" rtlCol="0">
+            <a:spAutoFit/>
+          </a:bodyPr>
+          <a:lstStyle/>
+          <a:p>
+            <a:r>
+              <a:rPr lang="fr-FR" sz="2400" b="1" dirty="0">
+                <a:solidFill>
+                  <a:srgbClr val="C696A7"/>
+                </a:solidFill>
+              </a:rPr>
+              <a:t>i</a:t>
+            </a:r>
+            <a:endParaRPr lang="fr-FR" sz="2400" b="1" baseline="-25000" dirty="0">
+              <a:solidFill>
+                <a:srgbClr val="C696A7"/>
+              </a:solidFill>
+            </a:endParaRPr>
+          </a:p>
+        </p:txBody>
+      </p:sp>
+      <p:sp>
+        <p:nvSpPr>
+          <p:cNvPr id="17" name="Flèche : droite 16">
+            <a:extLst>
+              <a:ext uri="{FF2B5EF4-FFF2-40B4-BE49-F238E27FC236}">
+                <a16:creationId xmlns:a16="http://schemas.microsoft.com/office/drawing/2014/main" id="{DD47F668-4F59-1199-9876-82210DAC3389}"/>
+              </a:ext>
+            </a:extLst>
+          </p:cNvPr>
+          <p:cNvSpPr/>
+          <p:nvPr/>
+        </p:nvSpPr>
+        <p:spPr>
+          <a:xfrm>
+            <a:off x="5871705" y="2758162"/>
+            <a:ext cx="211393" cy="348868"/>
+          </a:xfrm>
+          <a:prstGeom prst="rightArrow">
+            <a:avLst>
+              <a:gd name="adj1" fmla="val 28940"/>
+              <a:gd name="adj2" fmla="val 75733"/>
+            </a:avLst>
+          </a:prstGeom>
+          <a:solidFill>
+            <a:srgbClr val="404040"/>
+          </a:solidFill>
+          <a:ln>
+            <a:noFill/>
+          </a:ln>
+        </p:spPr>
+        <p:style>
+          <a:lnRef idx="2">
+            <a:schemeClr val="accent1">
+              <a:shade val="50000"/>
+            </a:schemeClr>
+          </a:lnRef>
+          <a:fillRef idx="1">
+            <a:schemeClr val="accent1"/>
+          </a:fillRef>
+          <a:effectRef idx="0">
+            <a:schemeClr val="accent1"/>
+          </a:effectRef>
+          <a:fontRef idx="minor">
+            <a:schemeClr val="lt1"/>
+          </a:fontRef>
+        </p:style>
+        <p:txBody>
+          <a:bodyPr rtlCol="0" anchor="ctr"/>
+          <a:lstStyle/>
+          <a:p>
+            <a:pPr algn="ctr"/>
+            <a:endParaRPr lang="fr-FR"/>
+          </a:p>
+        </p:txBody>
+      </p:sp>
+      <p:sp>
+        <p:nvSpPr>
+          <p:cNvPr id="19" name="ZoneTexte 18">
+            <a:extLst>
+              <a:ext uri="{FF2B5EF4-FFF2-40B4-BE49-F238E27FC236}">
+                <a16:creationId xmlns:a16="http://schemas.microsoft.com/office/drawing/2014/main" id="{9471CFFB-AA9E-65CB-CCCC-B8CFDE83C713}"/>
+              </a:ext>
+            </a:extLst>
+          </p:cNvPr>
+          <p:cNvSpPr txBox="1"/>
+          <p:nvPr/>
+        </p:nvSpPr>
+        <p:spPr>
+          <a:xfrm>
+            <a:off x="6418534" y="3326930"/>
+            <a:ext cx="4322952" cy="400110"/>
+          </a:xfrm>
+          <a:prstGeom prst="rect">
+            <a:avLst/>
+          </a:prstGeom>
+          <a:noFill/>
+        </p:spPr>
+        <p:txBody>
+          <a:bodyPr wrap="square">
+            <a:spAutoFit/>
+          </a:bodyPr>
+          <a:lstStyle/>
+          <a:p>
+            <a:r>
+              <a:rPr lang="fr-FR" sz="2000" i="1" dirty="0">
+                <a:solidFill>
+                  <a:schemeClr val="tx1">
+                    <a:lumMod val="75000"/>
+                    <a:lumOff val="25000"/>
+                  </a:schemeClr>
+                </a:solidFill>
+              </a:rPr>
+              <a:t>Equation différentielle d’ordre 2</a:t>
+            </a:r>
+          </a:p>
+        </p:txBody>
+      </p:sp>
+      <mc:AlternateContent xmlns:mc="http://schemas.openxmlformats.org/markup-compatibility/2006" xmlns:a14="http://schemas.microsoft.com/office/drawing/2010/main">
+        <mc:Choice Requires="a14">
+          <p:sp>
+            <p:nvSpPr>
+              <p:cNvPr id="23" name="ZoneTexte 22">
+                <a:extLst>
+                  <a:ext uri="{FF2B5EF4-FFF2-40B4-BE49-F238E27FC236}">
+                    <a16:creationId xmlns:a16="http://schemas.microsoft.com/office/drawing/2014/main" id="{11DCA237-8CB4-2F2F-8B41-0B67113846CC}"/>
+                  </a:ext>
+                </a:extLst>
+              </p:cNvPr>
+              <p:cNvSpPr txBox="1"/>
+              <p:nvPr/>
+            </p:nvSpPr>
+            <p:spPr>
+              <a:xfrm>
+                <a:off x="6395603" y="2529295"/>
+                <a:ext cx="5243551" cy="750590"/>
+              </a:xfrm>
+              <a:prstGeom prst="rect">
+                <a:avLst/>
+              </a:prstGeom>
+              <a:solidFill>
+                <a:schemeClr val="bg2"/>
+              </a:solidFill>
+            </p:spPr>
+            <p:txBody>
+              <a:bodyPr wrap="none" lIns="0" tIns="0" rIns="0" bIns="0" rtlCol="0">
+                <a:spAutoFit/>
+              </a:bodyPr>
+              <a:lstStyle/>
+              <a:p>
+                <a:pPr/>
+                <a14:m>
+                  <m:oMathPara xmlns:m="http://schemas.openxmlformats.org/officeDocument/2006/math">
+                    <m:oMathParaPr>
+                      <m:jc m:val="centerGroup"/>
+                    </m:oMathParaPr>
+                    <m:oMath xmlns:m="http://schemas.openxmlformats.org/officeDocument/2006/math">
+                      <m:sSub>
+                        <m:sSubPr>
+                          <m:ctrlPr>
+                            <a:rPr lang="fr-FR" sz="2400" b="1" i="1" smtClean="0">
+                              <a:solidFill>
+                                <a:schemeClr val="tx1">
+                                  <a:lumMod val="75000"/>
+                                  <a:lumOff val="25000"/>
+                                </a:schemeClr>
+                              </a:solidFill>
+                              <a:latin typeface="Cambria Math" panose="02040503050406030204" pitchFamily="18" charset="0"/>
+                            </a:rPr>
+                          </m:ctrlPr>
+                        </m:sSubPr>
+                        <m:e>
+                          <m:r>
+                            <a:rPr lang="fr-FR" sz="2400" b="1" i="1" smtClean="0">
+                              <a:solidFill>
+                                <a:schemeClr val="tx1">
+                                  <a:lumMod val="75000"/>
+                                  <a:lumOff val="25000"/>
+                                </a:schemeClr>
+                              </a:solidFill>
+                              <a:latin typeface="Cambria Math" panose="02040503050406030204" pitchFamily="18" charset="0"/>
+                            </a:rPr>
+                            <m:t>𝑽</m:t>
+                          </m:r>
+                        </m:e>
+                        <m:sub>
+                          <m:r>
+                            <a:rPr lang="fr-FR" sz="2400" b="1" i="1" smtClean="0">
+                              <a:solidFill>
+                                <a:schemeClr val="tx1">
+                                  <a:lumMod val="75000"/>
+                                  <a:lumOff val="25000"/>
+                                </a:schemeClr>
+                              </a:solidFill>
+                              <a:latin typeface="Cambria Math" panose="02040503050406030204" pitchFamily="18" charset="0"/>
+                            </a:rPr>
+                            <m:t>𝒆</m:t>
+                          </m:r>
+                        </m:sub>
+                      </m:sSub>
+                      <m:r>
+                        <a:rPr lang="fr-FR" sz="2400" b="1" i="1" smtClean="0">
+                          <a:solidFill>
+                            <a:schemeClr val="tx1">
+                              <a:lumMod val="75000"/>
+                              <a:lumOff val="25000"/>
+                            </a:schemeClr>
+                          </a:solidFill>
+                          <a:latin typeface="Cambria Math" panose="02040503050406030204" pitchFamily="18" charset="0"/>
+                        </a:rPr>
+                        <m:t>=</m:t>
+                      </m:r>
+                      <m:sSub>
+                        <m:sSubPr>
+                          <m:ctrlPr>
+                            <a:rPr lang="fr-FR" sz="2400" b="1" i="1" smtClean="0">
+                              <a:solidFill>
+                                <a:schemeClr val="tx1">
+                                  <a:lumMod val="75000"/>
+                                  <a:lumOff val="25000"/>
+                                </a:schemeClr>
+                              </a:solidFill>
+                              <a:latin typeface="Cambria Math" panose="02040503050406030204" pitchFamily="18" charset="0"/>
+                            </a:rPr>
+                          </m:ctrlPr>
+                        </m:sSubPr>
+                        <m:e>
+                          <m:r>
+                            <a:rPr lang="fr-FR" sz="2400" b="1" i="1" smtClean="0">
+                              <a:solidFill>
+                                <a:schemeClr val="tx1">
+                                  <a:lumMod val="75000"/>
+                                  <a:lumOff val="25000"/>
+                                </a:schemeClr>
+                              </a:solidFill>
+                              <a:latin typeface="Cambria Math" panose="02040503050406030204" pitchFamily="18" charset="0"/>
+                            </a:rPr>
+                            <m:t>𝑳</m:t>
+                          </m:r>
+                        </m:e>
+                        <m:sub>
+                          <m:r>
+                            <a:rPr lang="fr-FR" sz="2400" b="1" i="1" smtClean="0">
+                              <a:solidFill>
+                                <a:schemeClr val="tx1">
+                                  <a:lumMod val="75000"/>
+                                  <a:lumOff val="25000"/>
+                                </a:schemeClr>
+                              </a:solidFill>
+                              <a:latin typeface="Cambria Math" panose="02040503050406030204" pitchFamily="18" charset="0"/>
+                            </a:rPr>
+                            <m:t>𝟏</m:t>
+                          </m:r>
+                        </m:sub>
+                      </m:sSub>
+                      <m:r>
+                        <a:rPr lang="fr-FR" sz="2400" b="1" i="1" smtClean="0">
+                          <a:solidFill>
+                            <a:schemeClr val="tx1">
+                              <a:lumMod val="75000"/>
+                              <a:lumOff val="25000"/>
+                            </a:schemeClr>
+                          </a:solidFill>
+                          <a:latin typeface="Cambria Math" panose="02040503050406030204" pitchFamily="18" charset="0"/>
+                        </a:rPr>
+                        <m:t>.</m:t>
+                      </m:r>
+                      <m:sSub>
+                        <m:sSubPr>
+                          <m:ctrlPr>
+                            <a:rPr lang="fr-FR" sz="2400" b="1" i="1" smtClean="0">
+                              <a:solidFill>
+                                <a:schemeClr val="tx1">
+                                  <a:lumMod val="75000"/>
+                                  <a:lumOff val="25000"/>
+                                </a:schemeClr>
+                              </a:solidFill>
+                              <a:latin typeface="Cambria Math" panose="02040503050406030204" pitchFamily="18" charset="0"/>
+                            </a:rPr>
+                          </m:ctrlPr>
+                        </m:sSubPr>
+                        <m:e>
+                          <m:r>
+                            <a:rPr lang="fr-FR" sz="2400" b="1" i="1" smtClean="0">
+                              <a:solidFill>
+                                <a:schemeClr val="tx1">
+                                  <a:lumMod val="75000"/>
+                                  <a:lumOff val="25000"/>
+                                </a:schemeClr>
+                              </a:solidFill>
+                              <a:latin typeface="Cambria Math" panose="02040503050406030204" pitchFamily="18" charset="0"/>
+                            </a:rPr>
+                            <m:t>𝑪</m:t>
+                          </m:r>
+                        </m:e>
+                        <m:sub>
+                          <m:r>
+                            <a:rPr lang="fr-FR" sz="2400" b="1" i="1" smtClean="0">
+                              <a:solidFill>
+                                <a:schemeClr val="tx1">
+                                  <a:lumMod val="75000"/>
+                                  <a:lumOff val="25000"/>
+                                </a:schemeClr>
+                              </a:solidFill>
+                              <a:latin typeface="Cambria Math" panose="02040503050406030204" pitchFamily="18" charset="0"/>
+                            </a:rPr>
+                            <m:t>𝟏</m:t>
+                          </m:r>
+                        </m:sub>
+                      </m:sSub>
+                      <m:r>
+                        <a:rPr lang="fr-FR" sz="2400" b="1" i="1" smtClean="0">
+                          <a:solidFill>
+                            <a:schemeClr val="tx1">
+                              <a:lumMod val="75000"/>
+                              <a:lumOff val="25000"/>
+                            </a:schemeClr>
+                          </a:solidFill>
+                          <a:latin typeface="Cambria Math" panose="02040503050406030204" pitchFamily="18" charset="0"/>
+                        </a:rPr>
+                        <m:t> . </m:t>
+                      </m:r>
+                      <m:f>
+                        <m:fPr>
+                          <m:ctrlPr>
+                            <a:rPr lang="fr-FR" sz="2400" b="1" i="1">
+                              <a:solidFill>
+                                <a:schemeClr val="tx1">
+                                  <a:lumMod val="75000"/>
+                                  <a:lumOff val="25000"/>
+                                </a:schemeClr>
+                              </a:solidFill>
+                              <a:latin typeface="Cambria Math" panose="02040503050406030204" pitchFamily="18" charset="0"/>
+                              <a:ea typeface="Cambria Math" panose="02040503050406030204" pitchFamily="18" charset="0"/>
+                            </a:rPr>
+                          </m:ctrlPr>
+                        </m:fPr>
+                        <m:num>
+                          <m:sSup>
+                            <m:sSupPr>
+                              <m:ctrlPr>
+                                <a:rPr lang="fr-FR" sz="2400" b="1" i="1" smtClean="0">
+                                  <a:solidFill>
+                                    <a:schemeClr val="tx1">
+                                      <a:lumMod val="75000"/>
+                                      <a:lumOff val="25000"/>
+                                    </a:schemeClr>
+                                  </a:solidFill>
+                                  <a:latin typeface="Cambria Math" panose="02040503050406030204" pitchFamily="18" charset="0"/>
+                                  <a:ea typeface="Cambria Math" panose="02040503050406030204" pitchFamily="18" charset="0"/>
+                                </a:rPr>
+                              </m:ctrlPr>
+                            </m:sSupPr>
+                            <m:e>
+                              <m:r>
+                                <a:rPr lang="fr-FR" sz="2400" b="1" i="1">
+                                  <a:solidFill>
+                                    <a:schemeClr val="tx1">
+                                      <a:lumMod val="75000"/>
+                                      <a:lumOff val="25000"/>
+                                    </a:schemeClr>
+                                  </a:solidFill>
+                                  <a:latin typeface="Cambria Math" panose="02040503050406030204" pitchFamily="18" charset="0"/>
+                                  <a:ea typeface="Cambria Math" panose="02040503050406030204" pitchFamily="18" charset="0"/>
+                                </a:rPr>
+                                <m:t>𝒅</m:t>
+                              </m:r>
+                            </m:e>
+                            <m:sup>
+                              <m:r>
+                                <a:rPr lang="fr-FR" sz="2400" b="1" i="1" smtClean="0">
+                                  <a:solidFill>
+                                    <a:schemeClr val="tx1">
+                                      <a:lumMod val="75000"/>
+                                      <a:lumOff val="25000"/>
+                                    </a:schemeClr>
+                                  </a:solidFill>
+                                  <a:latin typeface="Cambria Math" panose="02040503050406030204" pitchFamily="18" charset="0"/>
+                                  <a:ea typeface="Cambria Math" panose="02040503050406030204" pitchFamily="18" charset="0"/>
+                                </a:rPr>
+                                <m:t>𝟐</m:t>
+                              </m:r>
+                            </m:sup>
+                          </m:sSup>
+                          <m:sSub>
+                            <m:sSubPr>
+                              <m:ctrlPr>
+                                <a:rPr lang="fr-FR" sz="2400" b="1" i="1">
+                                  <a:solidFill>
+                                    <a:schemeClr val="tx1">
+                                      <a:lumMod val="75000"/>
+                                      <a:lumOff val="25000"/>
+                                    </a:schemeClr>
+                                  </a:solidFill>
+                                  <a:latin typeface="Cambria Math" panose="02040503050406030204" pitchFamily="18" charset="0"/>
+                                </a:rPr>
+                              </m:ctrlPr>
+                            </m:sSubPr>
+                            <m:e>
+                              <m:r>
+                                <a:rPr lang="fr-FR" sz="2400" b="1" i="1">
+                                  <a:solidFill>
+                                    <a:schemeClr val="tx1">
+                                      <a:lumMod val="75000"/>
+                                      <a:lumOff val="25000"/>
+                                    </a:schemeClr>
+                                  </a:solidFill>
+                                  <a:latin typeface="Cambria Math" panose="02040503050406030204" pitchFamily="18" charset="0"/>
+                                </a:rPr>
+                                <m:t>𝑽</m:t>
+                              </m:r>
+                            </m:e>
+                            <m:sub>
+                              <m:r>
+                                <a:rPr lang="fr-FR" sz="2400" b="1" i="1">
+                                  <a:solidFill>
+                                    <a:schemeClr val="tx1">
+                                      <a:lumMod val="75000"/>
+                                      <a:lumOff val="25000"/>
+                                    </a:schemeClr>
+                                  </a:solidFill>
+                                  <a:latin typeface="Cambria Math" panose="02040503050406030204" pitchFamily="18" charset="0"/>
+                                </a:rPr>
+                                <m:t>𝒔</m:t>
+                              </m:r>
+                            </m:sub>
+                          </m:sSub>
+                        </m:num>
+                        <m:den>
+                          <m:r>
+                            <a:rPr lang="fr-FR" sz="2400" b="1" i="1">
+                              <a:solidFill>
+                                <a:schemeClr val="tx1">
+                                  <a:lumMod val="75000"/>
+                                  <a:lumOff val="25000"/>
+                                </a:schemeClr>
+                              </a:solidFill>
+                              <a:latin typeface="Cambria Math" panose="02040503050406030204" pitchFamily="18" charset="0"/>
+                              <a:ea typeface="Cambria Math" panose="02040503050406030204" pitchFamily="18" charset="0"/>
+                            </a:rPr>
+                            <m:t>𝒅</m:t>
+                          </m:r>
+                          <m:sSup>
+                            <m:sSupPr>
+                              <m:ctrlPr>
+                                <a:rPr lang="fr-FR" sz="2400" b="1" i="1" smtClean="0">
+                                  <a:solidFill>
+                                    <a:schemeClr val="tx1">
+                                      <a:lumMod val="75000"/>
+                                      <a:lumOff val="25000"/>
+                                    </a:schemeClr>
+                                  </a:solidFill>
+                                  <a:latin typeface="Cambria Math" panose="02040503050406030204" pitchFamily="18" charset="0"/>
+                                  <a:ea typeface="Cambria Math" panose="02040503050406030204" pitchFamily="18" charset="0"/>
+                                </a:rPr>
+                              </m:ctrlPr>
+                            </m:sSupPr>
+                            <m:e>
+                              <m:r>
+                                <a:rPr lang="fr-FR" sz="2400" b="1" i="1">
+                                  <a:solidFill>
+                                    <a:schemeClr val="tx1">
+                                      <a:lumMod val="75000"/>
+                                      <a:lumOff val="25000"/>
+                                    </a:schemeClr>
+                                  </a:solidFill>
+                                  <a:latin typeface="Cambria Math" panose="02040503050406030204" pitchFamily="18" charset="0"/>
+                                  <a:ea typeface="Cambria Math" panose="02040503050406030204" pitchFamily="18" charset="0"/>
+                                </a:rPr>
+                                <m:t>𝒕</m:t>
+                              </m:r>
+                            </m:e>
+                            <m:sup>
+                              <m:r>
+                                <a:rPr lang="fr-FR" sz="2400" b="1" i="1" smtClean="0">
+                                  <a:solidFill>
+                                    <a:schemeClr val="tx1">
+                                      <a:lumMod val="75000"/>
+                                      <a:lumOff val="25000"/>
+                                    </a:schemeClr>
+                                  </a:solidFill>
+                                  <a:latin typeface="Cambria Math" panose="02040503050406030204" pitchFamily="18" charset="0"/>
+                                  <a:ea typeface="Cambria Math" panose="02040503050406030204" pitchFamily="18" charset="0"/>
+                                </a:rPr>
+                                <m:t>𝟐</m:t>
+                              </m:r>
+                            </m:sup>
+                          </m:sSup>
+                        </m:den>
+                      </m:f>
+                      <m:r>
+                        <a:rPr lang="fr-FR" sz="2400" b="1" i="1" smtClean="0">
+                          <a:solidFill>
+                            <a:schemeClr val="tx1">
+                              <a:lumMod val="75000"/>
+                              <a:lumOff val="25000"/>
+                            </a:schemeClr>
+                          </a:solidFill>
+                          <a:latin typeface="Cambria Math" panose="02040503050406030204" pitchFamily="18" charset="0"/>
+                          <a:ea typeface="Cambria Math" panose="02040503050406030204" pitchFamily="18" charset="0"/>
+                        </a:rPr>
+                        <m:t>+</m:t>
+                      </m:r>
+                      <m:sSub>
+                        <m:sSubPr>
+                          <m:ctrlPr>
+                            <a:rPr lang="fr-FR" sz="2400" b="1" i="1">
+                              <a:solidFill>
+                                <a:schemeClr val="tx1">
+                                  <a:lumMod val="75000"/>
+                                  <a:lumOff val="25000"/>
+                                </a:schemeClr>
+                              </a:solidFill>
+                              <a:latin typeface="Cambria Math" panose="02040503050406030204" pitchFamily="18" charset="0"/>
+                            </a:rPr>
+                          </m:ctrlPr>
+                        </m:sSubPr>
+                        <m:e>
+                          <m:r>
+                            <a:rPr lang="fr-FR" sz="2400" b="1" i="1" smtClean="0">
+                              <a:solidFill>
+                                <a:schemeClr val="tx1">
+                                  <a:lumMod val="75000"/>
+                                  <a:lumOff val="25000"/>
+                                </a:schemeClr>
+                              </a:solidFill>
+                              <a:latin typeface="Cambria Math" panose="02040503050406030204" pitchFamily="18" charset="0"/>
+                            </a:rPr>
+                            <m:t>𝑹</m:t>
+                          </m:r>
+                        </m:e>
+                        <m:sub>
+                          <m:r>
+                            <a:rPr lang="fr-FR" sz="2400" b="1" i="1">
+                              <a:solidFill>
+                                <a:schemeClr val="tx1">
+                                  <a:lumMod val="75000"/>
+                                  <a:lumOff val="25000"/>
+                                </a:schemeClr>
+                              </a:solidFill>
+                              <a:latin typeface="Cambria Math" panose="02040503050406030204" pitchFamily="18" charset="0"/>
+                            </a:rPr>
+                            <m:t>𝟏</m:t>
+                          </m:r>
+                        </m:sub>
+                      </m:sSub>
+                      <m:r>
+                        <a:rPr lang="fr-FR" sz="2400" b="1" i="1">
+                          <a:solidFill>
+                            <a:schemeClr val="tx1">
+                              <a:lumMod val="75000"/>
+                              <a:lumOff val="25000"/>
+                            </a:schemeClr>
+                          </a:solidFill>
+                          <a:latin typeface="Cambria Math" panose="02040503050406030204" pitchFamily="18" charset="0"/>
+                        </a:rPr>
+                        <m:t>.</m:t>
+                      </m:r>
+                      <m:sSub>
+                        <m:sSubPr>
+                          <m:ctrlPr>
+                            <a:rPr lang="fr-FR" sz="2400" b="1" i="1">
+                              <a:solidFill>
+                                <a:schemeClr val="tx1">
+                                  <a:lumMod val="75000"/>
+                                  <a:lumOff val="25000"/>
+                                </a:schemeClr>
+                              </a:solidFill>
+                              <a:latin typeface="Cambria Math" panose="02040503050406030204" pitchFamily="18" charset="0"/>
+                            </a:rPr>
+                          </m:ctrlPr>
+                        </m:sSubPr>
+                        <m:e>
+                          <m:r>
+                            <a:rPr lang="fr-FR" sz="2400" b="1" i="1">
+                              <a:solidFill>
+                                <a:schemeClr val="tx1">
+                                  <a:lumMod val="75000"/>
+                                  <a:lumOff val="25000"/>
+                                </a:schemeClr>
+                              </a:solidFill>
+                              <a:latin typeface="Cambria Math" panose="02040503050406030204" pitchFamily="18" charset="0"/>
+                            </a:rPr>
+                            <m:t>𝑪</m:t>
+                          </m:r>
+                        </m:e>
+                        <m:sub>
+                          <m:r>
+                            <a:rPr lang="fr-FR" sz="2400" b="1" i="1">
+                              <a:solidFill>
+                                <a:schemeClr val="tx1">
+                                  <a:lumMod val="75000"/>
+                                  <a:lumOff val="25000"/>
+                                </a:schemeClr>
+                              </a:solidFill>
+                              <a:latin typeface="Cambria Math" panose="02040503050406030204" pitchFamily="18" charset="0"/>
+                            </a:rPr>
+                            <m:t>𝟏</m:t>
+                          </m:r>
+                        </m:sub>
+                      </m:sSub>
+                      <m:r>
+                        <a:rPr lang="fr-FR" sz="2400" b="1" i="1">
+                          <a:solidFill>
+                            <a:schemeClr val="tx1">
+                              <a:lumMod val="75000"/>
+                              <a:lumOff val="25000"/>
+                            </a:schemeClr>
+                          </a:solidFill>
+                          <a:latin typeface="Cambria Math" panose="02040503050406030204" pitchFamily="18" charset="0"/>
+                        </a:rPr>
+                        <m:t> . </m:t>
+                      </m:r>
+                      <m:f>
+                        <m:fPr>
+                          <m:ctrlPr>
+                            <a:rPr lang="fr-FR" sz="2400" b="1" i="1">
+                              <a:solidFill>
+                                <a:schemeClr val="tx1">
+                                  <a:lumMod val="75000"/>
+                                  <a:lumOff val="25000"/>
+                                </a:schemeClr>
+                              </a:solidFill>
+                              <a:latin typeface="Cambria Math" panose="02040503050406030204" pitchFamily="18" charset="0"/>
+                              <a:ea typeface="Cambria Math" panose="02040503050406030204" pitchFamily="18" charset="0"/>
+                            </a:rPr>
+                          </m:ctrlPr>
+                        </m:fPr>
+                        <m:num>
+                          <m:r>
+                            <a:rPr lang="fr-FR" sz="2400" b="1" i="1">
+                              <a:solidFill>
+                                <a:schemeClr val="tx1">
+                                  <a:lumMod val="75000"/>
+                                  <a:lumOff val="25000"/>
+                                </a:schemeClr>
+                              </a:solidFill>
+                              <a:latin typeface="Cambria Math" panose="02040503050406030204" pitchFamily="18" charset="0"/>
+                              <a:ea typeface="Cambria Math" panose="02040503050406030204" pitchFamily="18" charset="0"/>
+                            </a:rPr>
+                            <m:t>𝒅</m:t>
+                          </m:r>
+                          <m:r>
+                            <a:rPr lang="fr-FR" sz="2400" b="1" i="1">
+                              <a:solidFill>
+                                <a:schemeClr val="tx1">
+                                  <a:lumMod val="75000"/>
+                                  <a:lumOff val="25000"/>
+                                </a:schemeClr>
+                              </a:solidFill>
+                              <a:latin typeface="Cambria Math" panose="02040503050406030204" pitchFamily="18" charset="0"/>
+                              <a:ea typeface="Cambria Math" panose="02040503050406030204" pitchFamily="18" charset="0"/>
+                            </a:rPr>
+                            <m:t> </m:t>
+                          </m:r>
+                          <m:sSub>
+                            <m:sSubPr>
+                              <m:ctrlPr>
+                                <a:rPr lang="fr-FR" sz="2400" b="1" i="1">
+                                  <a:solidFill>
+                                    <a:schemeClr val="tx1">
+                                      <a:lumMod val="75000"/>
+                                      <a:lumOff val="25000"/>
+                                    </a:schemeClr>
+                                  </a:solidFill>
+                                  <a:latin typeface="Cambria Math" panose="02040503050406030204" pitchFamily="18" charset="0"/>
+                                </a:rPr>
+                              </m:ctrlPr>
+                            </m:sSubPr>
+                            <m:e>
+                              <m:r>
+                                <a:rPr lang="fr-FR" sz="2400" b="1" i="1">
+                                  <a:solidFill>
+                                    <a:schemeClr val="tx1">
+                                      <a:lumMod val="75000"/>
+                                      <a:lumOff val="25000"/>
+                                    </a:schemeClr>
+                                  </a:solidFill>
+                                  <a:latin typeface="Cambria Math" panose="02040503050406030204" pitchFamily="18" charset="0"/>
+                                </a:rPr>
+                                <m:t>𝑽</m:t>
+                              </m:r>
+                            </m:e>
+                            <m:sub>
+                              <m:r>
+                                <a:rPr lang="fr-FR" sz="2400" b="1" i="1">
+                                  <a:solidFill>
+                                    <a:schemeClr val="tx1">
+                                      <a:lumMod val="75000"/>
+                                      <a:lumOff val="25000"/>
+                                    </a:schemeClr>
+                                  </a:solidFill>
+                                  <a:latin typeface="Cambria Math" panose="02040503050406030204" pitchFamily="18" charset="0"/>
+                                </a:rPr>
+                                <m:t>𝒔</m:t>
+                              </m:r>
+                            </m:sub>
+                          </m:sSub>
+                        </m:num>
+                        <m:den>
+                          <m:r>
+                            <a:rPr lang="fr-FR" sz="2400" b="1" i="1">
+                              <a:solidFill>
+                                <a:schemeClr val="tx1">
+                                  <a:lumMod val="75000"/>
+                                  <a:lumOff val="25000"/>
+                                </a:schemeClr>
+                              </a:solidFill>
+                              <a:latin typeface="Cambria Math" panose="02040503050406030204" pitchFamily="18" charset="0"/>
+                              <a:ea typeface="Cambria Math" panose="02040503050406030204" pitchFamily="18" charset="0"/>
+                            </a:rPr>
+                            <m:t>𝒅𝒕</m:t>
+                          </m:r>
+                        </m:den>
+                      </m:f>
+                      <m:r>
+                        <a:rPr lang="fr-FR" sz="2400" b="1" i="1" smtClean="0">
+                          <a:solidFill>
+                            <a:schemeClr val="tx1">
+                              <a:lumMod val="75000"/>
+                              <a:lumOff val="25000"/>
+                            </a:schemeClr>
+                          </a:solidFill>
+                          <a:latin typeface="Cambria Math" panose="02040503050406030204" pitchFamily="18" charset="0"/>
+                          <a:ea typeface="Cambria Math" panose="02040503050406030204" pitchFamily="18" charset="0"/>
+                        </a:rPr>
+                        <m:t>+</m:t>
+                      </m:r>
+                      <m:sSub>
+                        <m:sSubPr>
+                          <m:ctrlPr>
+                            <a:rPr lang="fr-FR" sz="2400" b="1" i="1">
+                              <a:solidFill>
+                                <a:schemeClr val="tx1">
+                                  <a:lumMod val="75000"/>
+                                  <a:lumOff val="25000"/>
+                                </a:schemeClr>
+                              </a:solidFill>
+                              <a:latin typeface="Cambria Math" panose="02040503050406030204" pitchFamily="18" charset="0"/>
+                            </a:rPr>
+                          </m:ctrlPr>
+                        </m:sSubPr>
+                        <m:e>
+                          <m:r>
+                            <a:rPr lang="fr-FR" sz="2400" b="1" i="1">
+                              <a:solidFill>
+                                <a:schemeClr val="tx1">
+                                  <a:lumMod val="75000"/>
+                                  <a:lumOff val="25000"/>
+                                </a:schemeClr>
+                              </a:solidFill>
+                              <a:latin typeface="Cambria Math" panose="02040503050406030204" pitchFamily="18" charset="0"/>
+                            </a:rPr>
+                            <m:t>𝑽</m:t>
+                          </m:r>
+                        </m:e>
+                        <m:sub>
+                          <m:r>
+                            <a:rPr lang="fr-FR" sz="2400" b="1" i="1">
+                              <a:solidFill>
+                                <a:schemeClr val="tx1">
+                                  <a:lumMod val="75000"/>
+                                  <a:lumOff val="25000"/>
+                                </a:schemeClr>
+                              </a:solidFill>
+                              <a:latin typeface="Cambria Math" panose="02040503050406030204" pitchFamily="18" charset="0"/>
+                            </a:rPr>
+                            <m:t>𝒔</m:t>
+                          </m:r>
+                        </m:sub>
+                      </m:sSub>
+                    </m:oMath>
+                  </m:oMathPara>
+                </a14:m>
+                <a:endParaRPr lang="fr-FR" sz="2400" b="1" dirty="0">
+                  <a:solidFill>
+                    <a:schemeClr val="tx1">
+                      <a:lumMod val="75000"/>
+                      <a:lumOff val="25000"/>
+                    </a:schemeClr>
+                  </a:solidFill>
+                </a:endParaRPr>
+              </a:p>
+            </p:txBody>
+          </p:sp>
+        </mc:Choice>
+        <mc:Fallback xmlns="">
+          <p:sp>
+            <p:nvSpPr>
+              <p:cNvPr id="23" name="ZoneTexte 22">
+                <a:extLst>
+                  <a:ext uri="{FF2B5EF4-FFF2-40B4-BE49-F238E27FC236}">
+                    <a16:creationId xmlns:a16="http://schemas.microsoft.com/office/drawing/2014/main" id="{11DCA237-8CB4-2F2F-8B41-0B67113846CC}"/>
+                  </a:ext>
+                </a:extLst>
+              </p:cNvPr>
+              <p:cNvSpPr txBox="1">
+                <a:spLocks noRot="1" noChangeAspect="1" noMove="1" noResize="1" noEditPoints="1" noAdjustHandles="1" noChangeArrowheads="1" noChangeShapeType="1" noTextEdit="1"/>
+              </p:cNvSpPr>
+              <p:nvPr/>
+            </p:nvSpPr>
+            <p:spPr>
+              <a:xfrm>
+                <a:off x="6395603" y="2529295"/>
+                <a:ext cx="5243551" cy="750590"/>
+              </a:xfrm>
+              <a:prstGeom prst="rect">
+                <a:avLst/>
+              </a:prstGeom>
+              <a:blipFill>
+                <a:blip r:embed="rId4"/>
+                <a:stretch>
+                  <a:fillRect/>
+                </a:stretch>
+              </a:blipFill>
+            </p:spPr>
+            <p:txBody>
+              <a:bodyPr/>
+              <a:lstStyle/>
+              <a:p>
+                <a:r>
+                  <a:rPr lang="fr-FR">
+                    <a:noFill/>
+                  </a:rPr>
+                  <a:t> </a:t>
+                </a:r>
+              </a:p>
+            </p:txBody>
+          </p:sp>
+        </mc:Fallback>
+      </mc:AlternateContent>
+      <p:pic>
+        <p:nvPicPr>
+          <p:cNvPr id="5" name="Image 4" descr="Une image contenant texte&#10;&#10;Description générée automatiquement">
+            <a:extLst>
+              <a:ext uri="{FF2B5EF4-FFF2-40B4-BE49-F238E27FC236}">
+                <a16:creationId xmlns:a16="http://schemas.microsoft.com/office/drawing/2014/main" id="{66D2630B-81F4-A4EB-21BA-8B90CF30BD92}"/>
+              </a:ext>
+            </a:extLst>
+          </p:cNvPr>
+          <p:cNvPicPr>
+            <a:picLocks noChangeAspect="1"/>
+          </p:cNvPicPr>
+          <p:nvPr/>
+        </p:nvPicPr>
+        <p:blipFill>
+          <a:blip r:embed="rId5">
+            <a:extLst>
+              <a:ext uri="{28A0092B-C50C-407E-A947-70E740481C1C}">
+                <a14:useLocalDpi xmlns:a14="http://schemas.microsoft.com/office/drawing/2010/main" val="0"/>
+              </a:ext>
+            </a:extLst>
+          </a:blip>
+          <a:stretch>
+            <a:fillRect/>
+          </a:stretch>
+        </p:blipFill>
+        <p:spPr>
+          <a:xfrm>
+            <a:off x="202922" y="5934456"/>
+            <a:ext cx="1825291" cy="749808"/>
+          </a:xfrm>
+          <a:prstGeom prst="rect">
+            <a:avLst/>
+          </a:prstGeom>
+        </p:spPr>
+      </p:pic>
+    </p:spTree>
+    <p:extLst>
+      <p:ext uri="{BB962C8B-B14F-4D97-AF65-F5344CB8AC3E}">
+        <p14:creationId xmlns:p14="http://schemas.microsoft.com/office/powerpoint/2010/main" val="3407578763"/>
+      </p:ext>
+    </p:extLst>
+  </p:cSld>
+  <p:clrMapOvr>
+    <a:masterClrMapping/>
+  </p:clrMapOvr>
+</p:sld>
+</file>
+
+<file path=ppt/slides/slide25.xml><?xml version="1.0" encoding="utf-8"?>
+<p:sld xmlns:a="http://schemas.openxmlformats.org/drawingml/2006/main" xmlns:r="http://schemas.openxmlformats.org/officeDocument/2006/relationships" xmlns:p="http://schemas.openxmlformats.org/presentationml/2006/main">
+  <p:cSld>
+    <p:spTree>
+      <p:nvGrpSpPr>
+        <p:cNvPr id="1" name=""/>
+        <p:cNvGrpSpPr/>
+        <p:nvPr/>
+      </p:nvGrpSpPr>
+      <p:grpSpPr>
+        <a:xfrm>
+          <a:off x="0" y="0"/>
+          <a:ext cx="0" cy="0"/>
+          <a:chOff x="0" y="0"/>
+          <a:chExt cx="0" cy="0"/>
+        </a:xfrm>
+      </p:grpSpPr>
+      <p:pic>
+        <p:nvPicPr>
+          <p:cNvPr id="25" name="Image 24">
+            <a:extLst>
+              <a:ext uri="{FF2B5EF4-FFF2-40B4-BE49-F238E27FC236}">
+                <a16:creationId xmlns:a16="http://schemas.microsoft.com/office/drawing/2014/main" id="{2E996E6E-3B8E-A6E6-5C72-3939B7FA2C56}"/>
+              </a:ext>
+            </a:extLst>
+          </p:cNvPr>
+          <p:cNvPicPr>
+            <a:picLocks noChangeAspect="1"/>
+          </p:cNvPicPr>
+          <p:nvPr/>
+        </p:nvPicPr>
+        <p:blipFill>
+          <a:blip r:embed="rId2"/>
+          <a:stretch>
+            <a:fillRect/>
+          </a:stretch>
+        </p:blipFill>
+        <p:spPr>
+          <a:xfrm>
+            <a:off x="5432859" y="5326176"/>
+            <a:ext cx="1838410" cy="1360713"/>
+          </a:xfrm>
+          <a:prstGeom prst="rect">
+            <a:avLst/>
+          </a:prstGeom>
+        </p:spPr>
+      </p:pic>
+      <p:pic>
+        <p:nvPicPr>
+          <p:cNvPr id="14" name="Image 13">
+            <a:extLst>
+              <a:ext uri="{FF2B5EF4-FFF2-40B4-BE49-F238E27FC236}">
+                <a16:creationId xmlns:a16="http://schemas.microsoft.com/office/drawing/2014/main" id="{006BA913-088D-DED7-7B8C-324DA1E0AF07}"/>
+              </a:ext>
+            </a:extLst>
+          </p:cNvPr>
+          <p:cNvPicPr>
+            <a:picLocks noChangeAspect="1"/>
+          </p:cNvPicPr>
+          <p:nvPr/>
+        </p:nvPicPr>
+        <p:blipFill>
+          <a:blip r:embed="rId3"/>
+          <a:stretch>
+            <a:fillRect/>
+          </a:stretch>
+        </p:blipFill>
+        <p:spPr>
+          <a:xfrm>
+            <a:off x="1217008" y="3326930"/>
+            <a:ext cx="3956106" cy="2671823"/>
+          </a:xfrm>
+          <a:prstGeom prst="rect">
+            <a:avLst/>
+          </a:prstGeom>
+        </p:spPr>
+      </p:pic>
+      <p:sp>
+        <p:nvSpPr>
+          <p:cNvPr id="2" name="Titre 1">
+            <a:extLst>
+              <a:ext uri="{FF2B5EF4-FFF2-40B4-BE49-F238E27FC236}">
+                <a16:creationId xmlns:a16="http://schemas.microsoft.com/office/drawing/2014/main" id="{90162AE8-C1B0-5C56-8313-DEE494F38273}"/>
+              </a:ext>
+            </a:extLst>
+          </p:cNvPr>
+          <p:cNvSpPr>
+            <a:spLocks noGrp="1"/>
+          </p:cNvSpPr>
+          <p:nvPr>
+            <p:ph type="title"/>
+          </p:nvPr>
+        </p:nvSpPr>
+        <p:spPr/>
+        <p:txBody>
+          <a:bodyPr>
+            <a:normAutofit/>
+          </a:bodyPr>
+          <a:lstStyle/>
+          <a:p>
+            <a:r>
+              <a:rPr lang="fr-FR" dirty="0"/>
+              <a:t>Autre cas / Equation du second ordre</a:t>
+            </a:r>
+          </a:p>
+        </p:txBody>
+      </p:sp>
+      <p:sp>
+        <p:nvSpPr>
+          <p:cNvPr id="3" name="Espace réservé du contenu 2">
+            <a:extLst>
+              <a:ext uri="{FF2B5EF4-FFF2-40B4-BE49-F238E27FC236}">
+                <a16:creationId xmlns:a16="http://schemas.microsoft.com/office/drawing/2014/main" id="{E0BBB9DE-019C-C741-F224-494739D4B752}"/>
+              </a:ext>
+            </a:extLst>
+          </p:cNvPr>
+          <p:cNvSpPr>
+            <a:spLocks noGrp="1"/>
+          </p:cNvSpPr>
+          <p:nvPr>
+            <p:ph sz="half" idx="1"/>
+          </p:nvPr>
+        </p:nvSpPr>
+        <p:spPr/>
+        <p:txBody>
+          <a:bodyPr/>
+          <a:lstStyle/>
+          <a:p>
+            <a:r>
+              <a:rPr lang="fr-FR" dirty="0"/>
+              <a:t>Circuit RLC</a:t>
+            </a:r>
+          </a:p>
+        </p:txBody>
+      </p:sp>
+      <p:sp>
+        <p:nvSpPr>
+          <p:cNvPr id="4" name="Espace réservé du numéro de diapositive 3">
+            <a:extLst>
+              <a:ext uri="{FF2B5EF4-FFF2-40B4-BE49-F238E27FC236}">
+                <a16:creationId xmlns:a16="http://schemas.microsoft.com/office/drawing/2014/main" id="{F08CDEFC-50F0-4C47-46AC-D28A2807E4F8}"/>
+              </a:ext>
+            </a:extLst>
+          </p:cNvPr>
+          <p:cNvSpPr>
+            <a:spLocks noGrp="1"/>
+          </p:cNvSpPr>
+          <p:nvPr>
+            <p:ph type="sldNum" sz="quarter" idx="12"/>
+          </p:nvPr>
+        </p:nvSpPr>
+        <p:spPr/>
+        <p:txBody>
+          <a:bodyPr/>
+          <a:lstStyle/>
+          <a:p>
+            <a:fld id="{B2DC25EE-239B-4C5F-AAD1-255A7D5F1EE2}" type="slidenum">
+              <a:rPr lang="en-US" smtClean="0"/>
+              <a:t>25</a:t>
+            </a:fld>
+            <a:endParaRPr lang="en-US"/>
+          </a:p>
+        </p:txBody>
+      </p:sp>
+      <p:cxnSp>
+        <p:nvCxnSpPr>
+          <p:cNvPr id="7" name="Connecteur droit avec flèche 6">
+            <a:extLst>
+              <a:ext uri="{FF2B5EF4-FFF2-40B4-BE49-F238E27FC236}">
+                <a16:creationId xmlns:a16="http://schemas.microsoft.com/office/drawing/2014/main" id="{BDC5F1B6-045B-093E-19A5-135162B7C574}"/>
+              </a:ext>
+            </a:extLst>
+          </p:cNvPr>
+          <p:cNvCxnSpPr/>
+          <p:nvPr/>
+        </p:nvCxnSpPr>
+        <p:spPr>
+          <a:xfrm flipV="1">
+            <a:off x="4948418" y="3832632"/>
+            <a:ext cx="0" cy="1437968"/>
+          </a:xfrm>
+          <a:prstGeom prst="straightConnector1">
+            <a:avLst/>
+          </a:prstGeom>
+          <a:ln w="47625">
+            <a:tailEnd type="arrow"/>
+          </a:ln>
+        </p:spPr>
+        <p:style>
+          <a:lnRef idx="1">
+            <a:schemeClr val="accent1"/>
+          </a:lnRef>
+          <a:fillRef idx="0">
+            <a:schemeClr val="accent1"/>
+          </a:fillRef>
+          <a:effectRef idx="0">
+            <a:schemeClr val="accent1"/>
+          </a:effectRef>
+          <a:fontRef idx="minor">
+            <a:schemeClr val="tx1"/>
+          </a:fontRef>
+        </p:style>
+      </p:cxnSp>
+      <p:sp>
+        <p:nvSpPr>
+          <p:cNvPr id="8" name="ZoneTexte 7">
+            <a:extLst>
+              <a:ext uri="{FF2B5EF4-FFF2-40B4-BE49-F238E27FC236}">
+                <a16:creationId xmlns:a16="http://schemas.microsoft.com/office/drawing/2014/main" id="{EE2BEBA4-55A1-8CF5-029E-71BA82FB8BAF}"/>
+              </a:ext>
+            </a:extLst>
+          </p:cNvPr>
+          <p:cNvSpPr txBox="1"/>
+          <p:nvPr/>
+        </p:nvSpPr>
+        <p:spPr>
+          <a:xfrm>
+            <a:off x="5031253" y="4340155"/>
+            <a:ext cx="648929" cy="461665"/>
+          </a:xfrm>
+          <a:prstGeom prst="rect">
+            <a:avLst/>
+          </a:prstGeom>
+          <a:noFill/>
+        </p:spPr>
+        <p:txBody>
+          <a:bodyPr wrap="square" rtlCol="0">
+            <a:spAutoFit/>
+          </a:bodyPr>
+          <a:lstStyle/>
+          <a:p>
+            <a:r>
+              <a:rPr lang="fr-FR" sz="2400" b="1" dirty="0">
+                <a:solidFill>
+                  <a:srgbClr val="C696A7"/>
+                </a:solidFill>
+              </a:rPr>
+              <a:t>V</a:t>
+            </a:r>
+            <a:r>
+              <a:rPr lang="fr-FR" sz="2400" b="1" baseline="-25000" dirty="0">
+                <a:solidFill>
+                  <a:srgbClr val="C696A7"/>
+                </a:solidFill>
+              </a:rPr>
+              <a:t>S</a:t>
+            </a:r>
+          </a:p>
+        </p:txBody>
+      </p:sp>
+      <p:cxnSp>
+        <p:nvCxnSpPr>
+          <p:cNvPr id="9" name="Connecteur droit avec flèche 8">
+            <a:extLst>
+              <a:ext uri="{FF2B5EF4-FFF2-40B4-BE49-F238E27FC236}">
+                <a16:creationId xmlns:a16="http://schemas.microsoft.com/office/drawing/2014/main" id="{27001290-E162-2201-C9A7-979D5C276403}"/>
+              </a:ext>
+            </a:extLst>
+          </p:cNvPr>
+          <p:cNvCxnSpPr>
+            <a:cxnSpLocks/>
+          </p:cNvCxnSpPr>
+          <p:nvPr/>
+        </p:nvCxnSpPr>
+        <p:spPr>
+          <a:xfrm>
+            <a:off x="3031125" y="3844855"/>
+            <a:ext cx="103239" cy="0"/>
+          </a:xfrm>
+          <a:prstGeom prst="straightConnector1">
+            <a:avLst/>
+          </a:prstGeom>
+          <a:ln w="47625">
+            <a:tailEnd type="arrow"/>
+          </a:ln>
+        </p:spPr>
+        <p:style>
+          <a:lnRef idx="1">
+            <a:schemeClr val="accent1"/>
+          </a:lnRef>
+          <a:fillRef idx="0">
+            <a:schemeClr val="accent1"/>
+          </a:fillRef>
+          <a:effectRef idx="0">
+            <a:schemeClr val="accent1"/>
+          </a:effectRef>
+          <a:fontRef idx="minor">
+            <a:schemeClr val="tx1"/>
+          </a:fontRef>
+        </p:style>
+      </p:cxnSp>
+      <p:sp>
+        <p:nvSpPr>
+          <p:cNvPr id="11" name="ZoneTexte 10">
+            <a:extLst>
+              <a:ext uri="{FF2B5EF4-FFF2-40B4-BE49-F238E27FC236}">
+                <a16:creationId xmlns:a16="http://schemas.microsoft.com/office/drawing/2014/main" id="{AD4813BF-00D4-9EA0-64D2-FC901A5431CC}"/>
+              </a:ext>
+            </a:extLst>
+          </p:cNvPr>
+          <p:cNvSpPr txBox="1"/>
+          <p:nvPr/>
+        </p:nvSpPr>
+        <p:spPr>
+          <a:xfrm>
+            <a:off x="3053579" y="3326930"/>
+            <a:ext cx="615657" cy="461665"/>
+          </a:xfrm>
+          <a:prstGeom prst="rect">
+            <a:avLst/>
+          </a:prstGeom>
+          <a:noFill/>
+        </p:spPr>
+        <p:txBody>
+          <a:bodyPr wrap="square" rtlCol="0">
+            <a:spAutoFit/>
+          </a:bodyPr>
+          <a:lstStyle/>
+          <a:p>
+            <a:r>
+              <a:rPr lang="fr-FR" sz="2400" b="1" dirty="0">
+                <a:solidFill>
+                  <a:srgbClr val="C696A7"/>
+                </a:solidFill>
+              </a:rPr>
+              <a:t>i</a:t>
+            </a:r>
+            <a:endParaRPr lang="fr-FR" sz="2400" b="1" baseline="-25000" dirty="0">
+              <a:solidFill>
+                <a:srgbClr val="C696A7"/>
+              </a:solidFill>
+            </a:endParaRPr>
+          </a:p>
+        </p:txBody>
+      </p:sp>
+      <p:sp>
+        <p:nvSpPr>
+          <p:cNvPr id="17" name="Flèche : droite 16">
+            <a:extLst>
+              <a:ext uri="{FF2B5EF4-FFF2-40B4-BE49-F238E27FC236}">
+                <a16:creationId xmlns:a16="http://schemas.microsoft.com/office/drawing/2014/main" id="{DD47F668-4F59-1199-9876-82210DAC3389}"/>
+              </a:ext>
+            </a:extLst>
+          </p:cNvPr>
+          <p:cNvSpPr/>
+          <p:nvPr/>
+        </p:nvSpPr>
+        <p:spPr>
+          <a:xfrm>
+            <a:off x="5871705" y="2758162"/>
+            <a:ext cx="211393" cy="348868"/>
+          </a:xfrm>
+          <a:prstGeom prst="rightArrow">
+            <a:avLst>
+              <a:gd name="adj1" fmla="val 28940"/>
+              <a:gd name="adj2" fmla="val 75733"/>
+            </a:avLst>
+          </a:prstGeom>
+          <a:solidFill>
+            <a:srgbClr val="404040"/>
+          </a:solidFill>
+          <a:ln>
+            <a:noFill/>
+          </a:ln>
+        </p:spPr>
+        <p:style>
+          <a:lnRef idx="2">
+            <a:schemeClr val="accent1">
+              <a:shade val="50000"/>
+            </a:schemeClr>
+          </a:lnRef>
+          <a:fillRef idx="1">
+            <a:schemeClr val="accent1"/>
+          </a:fillRef>
+          <a:effectRef idx="0">
+            <a:schemeClr val="accent1"/>
+          </a:effectRef>
+          <a:fontRef idx="minor">
+            <a:schemeClr val="lt1"/>
+          </a:fontRef>
+        </p:style>
+        <p:txBody>
+          <a:bodyPr rtlCol="0" anchor="ctr"/>
+          <a:lstStyle/>
+          <a:p>
+            <a:pPr algn="ctr"/>
+            <a:endParaRPr lang="fr-FR"/>
+          </a:p>
+        </p:txBody>
+      </p:sp>
+      <p:sp>
+        <p:nvSpPr>
+          <p:cNvPr id="19" name="ZoneTexte 18">
+            <a:extLst>
+              <a:ext uri="{FF2B5EF4-FFF2-40B4-BE49-F238E27FC236}">
+                <a16:creationId xmlns:a16="http://schemas.microsoft.com/office/drawing/2014/main" id="{9471CFFB-AA9E-65CB-CCCC-B8CFDE83C713}"/>
+              </a:ext>
+            </a:extLst>
+          </p:cNvPr>
+          <p:cNvSpPr txBox="1"/>
+          <p:nvPr/>
+        </p:nvSpPr>
+        <p:spPr>
+          <a:xfrm>
+            <a:off x="6418534" y="3326930"/>
+            <a:ext cx="4322952" cy="400110"/>
+          </a:xfrm>
+          <a:prstGeom prst="rect">
+            <a:avLst/>
+          </a:prstGeom>
+          <a:noFill/>
+        </p:spPr>
+        <p:txBody>
+          <a:bodyPr wrap="square">
+            <a:spAutoFit/>
+          </a:bodyPr>
+          <a:lstStyle/>
+          <a:p>
+            <a:r>
+              <a:rPr lang="fr-FR" sz="2000" i="1" dirty="0">
+                <a:solidFill>
+                  <a:schemeClr val="tx1">
+                    <a:lumMod val="75000"/>
+                    <a:lumOff val="25000"/>
+                  </a:schemeClr>
+                </a:solidFill>
+              </a:rPr>
+              <a:t>Equation différentielle d’ordre 2</a:t>
+            </a:r>
+          </a:p>
+        </p:txBody>
+      </p:sp>
+      <mc:AlternateContent xmlns:mc="http://schemas.openxmlformats.org/markup-compatibility/2006" xmlns:a14="http://schemas.microsoft.com/office/drawing/2010/main">
+        <mc:Choice Requires="a14">
+          <p:sp>
+            <p:nvSpPr>
+              <p:cNvPr id="23" name="ZoneTexte 22">
+                <a:extLst>
+                  <a:ext uri="{FF2B5EF4-FFF2-40B4-BE49-F238E27FC236}">
+                    <a16:creationId xmlns:a16="http://schemas.microsoft.com/office/drawing/2014/main" id="{11DCA237-8CB4-2F2F-8B41-0B67113846CC}"/>
+                  </a:ext>
+                </a:extLst>
+              </p:cNvPr>
+              <p:cNvSpPr txBox="1"/>
+              <p:nvPr/>
+            </p:nvSpPr>
+            <p:spPr>
+              <a:xfrm>
+                <a:off x="6395603" y="2529295"/>
+                <a:ext cx="5243551" cy="750590"/>
+              </a:xfrm>
+              <a:prstGeom prst="rect">
+                <a:avLst/>
+              </a:prstGeom>
+              <a:solidFill>
+                <a:schemeClr val="bg2"/>
+              </a:solidFill>
+            </p:spPr>
+            <p:txBody>
+              <a:bodyPr wrap="none" lIns="0" tIns="0" rIns="0" bIns="0" rtlCol="0">
+                <a:spAutoFit/>
+              </a:bodyPr>
+              <a:lstStyle/>
+              <a:p>
+                <a:pPr/>
+                <a14:m>
+                  <m:oMathPara xmlns:m="http://schemas.openxmlformats.org/officeDocument/2006/math">
+                    <m:oMathParaPr>
+                      <m:jc m:val="centerGroup"/>
+                    </m:oMathParaPr>
+                    <m:oMath xmlns:m="http://schemas.openxmlformats.org/officeDocument/2006/math">
+                      <m:sSub>
+                        <m:sSubPr>
+                          <m:ctrlPr>
+                            <a:rPr lang="fr-FR" sz="2400" b="1" i="1" smtClean="0">
+                              <a:solidFill>
+                                <a:schemeClr val="tx1">
+                                  <a:lumMod val="75000"/>
+                                  <a:lumOff val="25000"/>
+                                </a:schemeClr>
+                              </a:solidFill>
+                              <a:latin typeface="Cambria Math" panose="02040503050406030204" pitchFamily="18" charset="0"/>
+                            </a:rPr>
+                          </m:ctrlPr>
+                        </m:sSubPr>
+                        <m:e>
+                          <m:r>
+                            <a:rPr lang="fr-FR" sz="2400" b="1" i="1" smtClean="0">
+                              <a:solidFill>
+                                <a:schemeClr val="tx1">
+                                  <a:lumMod val="75000"/>
+                                  <a:lumOff val="25000"/>
+                                </a:schemeClr>
+                              </a:solidFill>
+                              <a:latin typeface="Cambria Math" panose="02040503050406030204" pitchFamily="18" charset="0"/>
+                            </a:rPr>
+                            <m:t>𝑽</m:t>
+                          </m:r>
+                        </m:e>
+                        <m:sub>
+                          <m:r>
+                            <a:rPr lang="fr-FR" sz="2400" b="1" i="1" smtClean="0">
+                              <a:solidFill>
+                                <a:schemeClr val="tx1">
+                                  <a:lumMod val="75000"/>
+                                  <a:lumOff val="25000"/>
+                                </a:schemeClr>
+                              </a:solidFill>
+                              <a:latin typeface="Cambria Math" panose="02040503050406030204" pitchFamily="18" charset="0"/>
+                            </a:rPr>
+                            <m:t>𝒆</m:t>
+                          </m:r>
+                        </m:sub>
+                      </m:sSub>
+                      <m:r>
+                        <a:rPr lang="fr-FR" sz="2400" b="1" i="1" smtClean="0">
+                          <a:solidFill>
+                            <a:schemeClr val="tx1">
+                              <a:lumMod val="75000"/>
+                              <a:lumOff val="25000"/>
+                            </a:schemeClr>
+                          </a:solidFill>
+                          <a:latin typeface="Cambria Math" panose="02040503050406030204" pitchFamily="18" charset="0"/>
+                        </a:rPr>
+                        <m:t>=</m:t>
+                      </m:r>
+                      <m:sSub>
+                        <m:sSubPr>
+                          <m:ctrlPr>
+                            <a:rPr lang="fr-FR" sz="2400" b="1" i="1" smtClean="0">
+                              <a:solidFill>
+                                <a:schemeClr val="tx1">
+                                  <a:lumMod val="75000"/>
+                                  <a:lumOff val="25000"/>
+                                </a:schemeClr>
+                              </a:solidFill>
+                              <a:latin typeface="Cambria Math" panose="02040503050406030204" pitchFamily="18" charset="0"/>
+                            </a:rPr>
+                          </m:ctrlPr>
+                        </m:sSubPr>
+                        <m:e>
+                          <m:r>
+                            <a:rPr lang="fr-FR" sz="2400" b="1" i="1" smtClean="0">
+                              <a:solidFill>
+                                <a:schemeClr val="tx1">
+                                  <a:lumMod val="75000"/>
+                                  <a:lumOff val="25000"/>
+                                </a:schemeClr>
+                              </a:solidFill>
+                              <a:latin typeface="Cambria Math" panose="02040503050406030204" pitchFamily="18" charset="0"/>
+                            </a:rPr>
+                            <m:t>𝑳</m:t>
+                          </m:r>
+                        </m:e>
+                        <m:sub>
+                          <m:r>
+                            <a:rPr lang="fr-FR" sz="2400" b="1" i="1" smtClean="0">
+                              <a:solidFill>
+                                <a:schemeClr val="tx1">
+                                  <a:lumMod val="75000"/>
+                                  <a:lumOff val="25000"/>
+                                </a:schemeClr>
+                              </a:solidFill>
+                              <a:latin typeface="Cambria Math" panose="02040503050406030204" pitchFamily="18" charset="0"/>
+                            </a:rPr>
+                            <m:t>𝟏</m:t>
+                          </m:r>
+                        </m:sub>
+                      </m:sSub>
+                      <m:r>
+                        <a:rPr lang="fr-FR" sz="2400" b="1" i="1" smtClean="0">
+                          <a:solidFill>
+                            <a:schemeClr val="tx1">
+                              <a:lumMod val="75000"/>
+                              <a:lumOff val="25000"/>
+                            </a:schemeClr>
+                          </a:solidFill>
+                          <a:latin typeface="Cambria Math" panose="02040503050406030204" pitchFamily="18" charset="0"/>
+                        </a:rPr>
+                        <m:t>.</m:t>
+                      </m:r>
+                      <m:sSub>
+                        <m:sSubPr>
+                          <m:ctrlPr>
+                            <a:rPr lang="fr-FR" sz="2400" b="1" i="1" smtClean="0">
+                              <a:solidFill>
+                                <a:schemeClr val="tx1">
+                                  <a:lumMod val="75000"/>
+                                  <a:lumOff val="25000"/>
+                                </a:schemeClr>
+                              </a:solidFill>
+                              <a:latin typeface="Cambria Math" panose="02040503050406030204" pitchFamily="18" charset="0"/>
+                            </a:rPr>
+                          </m:ctrlPr>
+                        </m:sSubPr>
+                        <m:e>
+                          <m:r>
+                            <a:rPr lang="fr-FR" sz="2400" b="1" i="1" smtClean="0">
+                              <a:solidFill>
+                                <a:schemeClr val="tx1">
+                                  <a:lumMod val="75000"/>
+                                  <a:lumOff val="25000"/>
+                                </a:schemeClr>
+                              </a:solidFill>
+                              <a:latin typeface="Cambria Math" panose="02040503050406030204" pitchFamily="18" charset="0"/>
+                            </a:rPr>
+                            <m:t>𝑪</m:t>
+                          </m:r>
+                        </m:e>
+                        <m:sub>
+                          <m:r>
+                            <a:rPr lang="fr-FR" sz="2400" b="1" i="1" smtClean="0">
+                              <a:solidFill>
+                                <a:schemeClr val="tx1">
+                                  <a:lumMod val="75000"/>
+                                  <a:lumOff val="25000"/>
+                                </a:schemeClr>
+                              </a:solidFill>
+                              <a:latin typeface="Cambria Math" panose="02040503050406030204" pitchFamily="18" charset="0"/>
+                            </a:rPr>
+                            <m:t>𝟏</m:t>
+                          </m:r>
+                        </m:sub>
+                      </m:sSub>
+                      <m:r>
+                        <a:rPr lang="fr-FR" sz="2400" b="1" i="1" smtClean="0">
+                          <a:solidFill>
+                            <a:schemeClr val="tx1">
+                              <a:lumMod val="75000"/>
+                              <a:lumOff val="25000"/>
+                            </a:schemeClr>
+                          </a:solidFill>
+                          <a:latin typeface="Cambria Math" panose="02040503050406030204" pitchFamily="18" charset="0"/>
+                        </a:rPr>
+                        <m:t> . </m:t>
+                      </m:r>
+                      <m:f>
+                        <m:fPr>
+                          <m:ctrlPr>
+                            <a:rPr lang="fr-FR" sz="2400" b="1" i="1">
+                              <a:solidFill>
+                                <a:schemeClr val="tx1">
+                                  <a:lumMod val="75000"/>
+                                  <a:lumOff val="25000"/>
+                                </a:schemeClr>
+                              </a:solidFill>
+                              <a:latin typeface="Cambria Math" panose="02040503050406030204" pitchFamily="18" charset="0"/>
+                              <a:ea typeface="Cambria Math" panose="02040503050406030204" pitchFamily="18" charset="0"/>
+                            </a:rPr>
+                          </m:ctrlPr>
+                        </m:fPr>
+                        <m:num>
+                          <m:sSup>
+                            <m:sSupPr>
+                              <m:ctrlPr>
+                                <a:rPr lang="fr-FR" sz="2400" b="1" i="1" smtClean="0">
+                                  <a:solidFill>
+                                    <a:schemeClr val="tx1">
+                                      <a:lumMod val="75000"/>
+                                      <a:lumOff val="25000"/>
+                                    </a:schemeClr>
+                                  </a:solidFill>
+                                  <a:latin typeface="Cambria Math" panose="02040503050406030204" pitchFamily="18" charset="0"/>
+                                  <a:ea typeface="Cambria Math" panose="02040503050406030204" pitchFamily="18" charset="0"/>
+                                </a:rPr>
+                              </m:ctrlPr>
+                            </m:sSupPr>
+                            <m:e>
+                              <m:r>
+                                <a:rPr lang="fr-FR" sz="2400" b="1" i="1">
+                                  <a:solidFill>
+                                    <a:schemeClr val="tx1">
+                                      <a:lumMod val="75000"/>
+                                      <a:lumOff val="25000"/>
+                                    </a:schemeClr>
+                                  </a:solidFill>
+                                  <a:latin typeface="Cambria Math" panose="02040503050406030204" pitchFamily="18" charset="0"/>
+                                  <a:ea typeface="Cambria Math" panose="02040503050406030204" pitchFamily="18" charset="0"/>
+                                </a:rPr>
+                                <m:t>𝒅</m:t>
+                              </m:r>
+                            </m:e>
+                            <m:sup>
+                              <m:r>
+                                <a:rPr lang="fr-FR" sz="2400" b="1" i="1" smtClean="0">
+                                  <a:solidFill>
+                                    <a:schemeClr val="tx1">
+                                      <a:lumMod val="75000"/>
+                                      <a:lumOff val="25000"/>
+                                    </a:schemeClr>
+                                  </a:solidFill>
+                                  <a:latin typeface="Cambria Math" panose="02040503050406030204" pitchFamily="18" charset="0"/>
+                                  <a:ea typeface="Cambria Math" panose="02040503050406030204" pitchFamily="18" charset="0"/>
+                                </a:rPr>
+                                <m:t>𝟐</m:t>
+                              </m:r>
+                            </m:sup>
+                          </m:sSup>
+                          <m:sSub>
+                            <m:sSubPr>
+                              <m:ctrlPr>
+                                <a:rPr lang="fr-FR" sz="2400" b="1" i="1">
+                                  <a:solidFill>
+                                    <a:schemeClr val="tx1">
+                                      <a:lumMod val="75000"/>
+                                      <a:lumOff val="25000"/>
+                                    </a:schemeClr>
+                                  </a:solidFill>
+                                  <a:latin typeface="Cambria Math" panose="02040503050406030204" pitchFamily="18" charset="0"/>
+                                </a:rPr>
+                              </m:ctrlPr>
+                            </m:sSubPr>
+                            <m:e>
+                              <m:r>
+                                <a:rPr lang="fr-FR" sz="2400" b="1" i="1">
+                                  <a:solidFill>
+                                    <a:schemeClr val="tx1">
+                                      <a:lumMod val="75000"/>
+                                      <a:lumOff val="25000"/>
+                                    </a:schemeClr>
+                                  </a:solidFill>
+                                  <a:latin typeface="Cambria Math" panose="02040503050406030204" pitchFamily="18" charset="0"/>
+                                </a:rPr>
+                                <m:t>𝑽</m:t>
+                              </m:r>
+                            </m:e>
+                            <m:sub>
+                              <m:r>
+                                <a:rPr lang="fr-FR" sz="2400" b="1" i="1">
+                                  <a:solidFill>
+                                    <a:schemeClr val="tx1">
+                                      <a:lumMod val="75000"/>
+                                      <a:lumOff val="25000"/>
+                                    </a:schemeClr>
+                                  </a:solidFill>
+                                  <a:latin typeface="Cambria Math" panose="02040503050406030204" pitchFamily="18" charset="0"/>
+                                </a:rPr>
+                                <m:t>𝒔</m:t>
+                              </m:r>
+                            </m:sub>
+                          </m:sSub>
+                        </m:num>
+                        <m:den>
+                          <m:r>
+                            <a:rPr lang="fr-FR" sz="2400" b="1" i="1">
+                              <a:solidFill>
+                                <a:schemeClr val="tx1">
+                                  <a:lumMod val="75000"/>
+                                  <a:lumOff val="25000"/>
+                                </a:schemeClr>
+                              </a:solidFill>
+                              <a:latin typeface="Cambria Math" panose="02040503050406030204" pitchFamily="18" charset="0"/>
+                              <a:ea typeface="Cambria Math" panose="02040503050406030204" pitchFamily="18" charset="0"/>
+                            </a:rPr>
+                            <m:t>𝒅</m:t>
+                          </m:r>
+                          <m:sSup>
+                            <m:sSupPr>
+                              <m:ctrlPr>
+                                <a:rPr lang="fr-FR" sz="2400" b="1" i="1" smtClean="0">
+                                  <a:solidFill>
+                                    <a:schemeClr val="tx1">
+                                      <a:lumMod val="75000"/>
+                                      <a:lumOff val="25000"/>
+                                    </a:schemeClr>
+                                  </a:solidFill>
+                                  <a:latin typeface="Cambria Math" panose="02040503050406030204" pitchFamily="18" charset="0"/>
+                                  <a:ea typeface="Cambria Math" panose="02040503050406030204" pitchFamily="18" charset="0"/>
+                                </a:rPr>
+                              </m:ctrlPr>
+                            </m:sSupPr>
+                            <m:e>
+                              <m:r>
+                                <a:rPr lang="fr-FR" sz="2400" b="1" i="1">
+                                  <a:solidFill>
+                                    <a:schemeClr val="tx1">
+                                      <a:lumMod val="75000"/>
+                                      <a:lumOff val="25000"/>
+                                    </a:schemeClr>
+                                  </a:solidFill>
+                                  <a:latin typeface="Cambria Math" panose="02040503050406030204" pitchFamily="18" charset="0"/>
+                                  <a:ea typeface="Cambria Math" panose="02040503050406030204" pitchFamily="18" charset="0"/>
+                                </a:rPr>
+                                <m:t>𝒕</m:t>
+                              </m:r>
+                            </m:e>
+                            <m:sup>
+                              <m:r>
+                                <a:rPr lang="fr-FR" sz="2400" b="1" i="1" smtClean="0">
+                                  <a:solidFill>
+                                    <a:schemeClr val="tx1">
+                                      <a:lumMod val="75000"/>
+                                      <a:lumOff val="25000"/>
+                                    </a:schemeClr>
+                                  </a:solidFill>
+                                  <a:latin typeface="Cambria Math" panose="02040503050406030204" pitchFamily="18" charset="0"/>
+                                  <a:ea typeface="Cambria Math" panose="02040503050406030204" pitchFamily="18" charset="0"/>
+                                </a:rPr>
+                                <m:t>𝟐</m:t>
+                              </m:r>
+                            </m:sup>
+                          </m:sSup>
+                        </m:den>
+                      </m:f>
+                      <m:r>
+                        <a:rPr lang="fr-FR" sz="2400" b="1" i="1" smtClean="0">
+                          <a:solidFill>
+                            <a:schemeClr val="tx1">
+                              <a:lumMod val="75000"/>
+                              <a:lumOff val="25000"/>
+                            </a:schemeClr>
+                          </a:solidFill>
+                          <a:latin typeface="Cambria Math" panose="02040503050406030204" pitchFamily="18" charset="0"/>
+                          <a:ea typeface="Cambria Math" panose="02040503050406030204" pitchFamily="18" charset="0"/>
+                        </a:rPr>
+                        <m:t>+</m:t>
+                      </m:r>
+                      <m:sSub>
+                        <m:sSubPr>
+                          <m:ctrlPr>
+                            <a:rPr lang="fr-FR" sz="2400" b="1" i="1">
+                              <a:solidFill>
+                                <a:schemeClr val="tx1">
+                                  <a:lumMod val="75000"/>
+                                  <a:lumOff val="25000"/>
+                                </a:schemeClr>
+                              </a:solidFill>
+                              <a:latin typeface="Cambria Math" panose="02040503050406030204" pitchFamily="18" charset="0"/>
+                            </a:rPr>
+                          </m:ctrlPr>
+                        </m:sSubPr>
+                        <m:e>
+                          <m:r>
+                            <a:rPr lang="fr-FR" sz="2400" b="1" i="1" smtClean="0">
+                              <a:solidFill>
+                                <a:schemeClr val="tx1">
+                                  <a:lumMod val="75000"/>
+                                  <a:lumOff val="25000"/>
+                                </a:schemeClr>
+                              </a:solidFill>
+                              <a:latin typeface="Cambria Math" panose="02040503050406030204" pitchFamily="18" charset="0"/>
+                            </a:rPr>
+                            <m:t>𝑹</m:t>
+                          </m:r>
+                        </m:e>
+                        <m:sub>
+                          <m:r>
+                            <a:rPr lang="fr-FR" sz="2400" b="1" i="1">
+                              <a:solidFill>
+                                <a:schemeClr val="tx1">
+                                  <a:lumMod val="75000"/>
+                                  <a:lumOff val="25000"/>
+                                </a:schemeClr>
+                              </a:solidFill>
+                              <a:latin typeface="Cambria Math" panose="02040503050406030204" pitchFamily="18" charset="0"/>
+                            </a:rPr>
+                            <m:t>𝟏</m:t>
+                          </m:r>
+                        </m:sub>
+                      </m:sSub>
+                      <m:r>
+                        <a:rPr lang="fr-FR" sz="2400" b="1" i="1">
+                          <a:solidFill>
+                            <a:schemeClr val="tx1">
+                              <a:lumMod val="75000"/>
+                              <a:lumOff val="25000"/>
+                            </a:schemeClr>
+                          </a:solidFill>
+                          <a:latin typeface="Cambria Math" panose="02040503050406030204" pitchFamily="18" charset="0"/>
+                        </a:rPr>
+                        <m:t>.</m:t>
+                      </m:r>
+                      <m:sSub>
+                        <m:sSubPr>
+                          <m:ctrlPr>
+                            <a:rPr lang="fr-FR" sz="2400" b="1" i="1">
+                              <a:solidFill>
+                                <a:schemeClr val="tx1">
+                                  <a:lumMod val="75000"/>
+                                  <a:lumOff val="25000"/>
+                                </a:schemeClr>
+                              </a:solidFill>
+                              <a:latin typeface="Cambria Math" panose="02040503050406030204" pitchFamily="18" charset="0"/>
+                            </a:rPr>
+                          </m:ctrlPr>
+                        </m:sSubPr>
+                        <m:e>
+                          <m:r>
+                            <a:rPr lang="fr-FR" sz="2400" b="1" i="1">
+                              <a:solidFill>
+                                <a:schemeClr val="tx1">
+                                  <a:lumMod val="75000"/>
+                                  <a:lumOff val="25000"/>
+                                </a:schemeClr>
+                              </a:solidFill>
+                              <a:latin typeface="Cambria Math" panose="02040503050406030204" pitchFamily="18" charset="0"/>
+                            </a:rPr>
+                            <m:t>𝑪</m:t>
+                          </m:r>
+                        </m:e>
+                        <m:sub>
+                          <m:r>
+                            <a:rPr lang="fr-FR" sz="2400" b="1" i="1">
+                              <a:solidFill>
+                                <a:schemeClr val="tx1">
+                                  <a:lumMod val="75000"/>
+                                  <a:lumOff val="25000"/>
+                                </a:schemeClr>
+                              </a:solidFill>
+                              <a:latin typeface="Cambria Math" panose="02040503050406030204" pitchFamily="18" charset="0"/>
+                            </a:rPr>
+                            <m:t>𝟏</m:t>
+                          </m:r>
+                        </m:sub>
+                      </m:sSub>
+                      <m:r>
+                        <a:rPr lang="fr-FR" sz="2400" b="1" i="1">
+                          <a:solidFill>
+                            <a:schemeClr val="tx1">
+                              <a:lumMod val="75000"/>
+                              <a:lumOff val="25000"/>
+                            </a:schemeClr>
+                          </a:solidFill>
+                          <a:latin typeface="Cambria Math" panose="02040503050406030204" pitchFamily="18" charset="0"/>
+                        </a:rPr>
+                        <m:t> . </m:t>
+                      </m:r>
+                      <m:f>
+                        <m:fPr>
+                          <m:ctrlPr>
+                            <a:rPr lang="fr-FR" sz="2400" b="1" i="1">
+                              <a:solidFill>
+                                <a:schemeClr val="tx1">
+                                  <a:lumMod val="75000"/>
+                                  <a:lumOff val="25000"/>
+                                </a:schemeClr>
+                              </a:solidFill>
+                              <a:latin typeface="Cambria Math" panose="02040503050406030204" pitchFamily="18" charset="0"/>
+                              <a:ea typeface="Cambria Math" panose="02040503050406030204" pitchFamily="18" charset="0"/>
+                            </a:rPr>
+                          </m:ctrlPr>
+                        </m:fPr>
+                        <m:num>
+                          <m:r>
+                            <a:rPr lang="fr-FR" sz="2400" b="1" i="1">
+                              <a:solidFill>
+                                <a:schemeClr val="tx1">
+                                  <a:lumMod val="75000"/>
+                                  <a:lumOff val="25000"/>
+                                </a:schemeClr>
+                              </a:solidFill>
+                              <a:latin typeface="Cambria Math" panose="02040503050406030204" pitchFamily="18" charset="0"/>
+                              <a:ea typeface="Cambria Math" panose="02040503050406030204" pitchFamily="18" charset="0"/>
+                            </a:rPr>
+                            <m:t>𝒅</m:t>
+                          </m:r>
+                          <m:r>
+                            <a:rPr lang="fr-FR" sz="2400" b="1" i="1">
+                              <a:solidFill>
+                                <a:schemeClr val="tx1">
+                                  <a:lumMod val="75000"/>
+                                  <a:lumOff val="25000"/>
+                                </a:schemeClr>
+                              </a:solidFill>
+                              <a:latin typeface="Cambria Math" panose="02040503050406030204" pitchFamily="18" charset="0"/>
+                              <a:ea typeface="Cambria Math" panose="02040503050406030204" pitchFamily="18" charset="0"/>
+                            </a:rPr>
+                            <m:t> </m:t>
+                          </m:r>
+                          <m:sSub>
+                            <m:sSubPr>
+                              <m:ctrlPr>
+                                <a:rPr lang="fr-FR" sz="2400" b="1" i="1">
+                                  <a:solidFill>
+                                    <a:schemeClr val="tx1">
+                                      <a:lumMod val="75000"/>
+                                      <a:lumOff val="25000"/>
+                                    </a:schemeClr>
+                                  </a:solidFill>
+                                  <a:latin typeface="Cambria Math" panose="02040503050406030204" pitchFamily="18" charset="0"/>
+                                </a:rPr>
+                              </m:ctrlPr>
+                            </m:sSubPr>
+                            <m:e>
+                              <m:r>
+                                <a:rPr lang="fr-FR" sz="2400" b="1" i="1">
+                                  <a:solidFill>
+                                    <a:schemeClr val="tx1">
+                                      <a:lumMod val="75000"/>
+                                      <a:lumOff val="25000"/>
+                                    </a:schemeClr>
+                                  </a:solidFill>
+                                  <a:latin typeface="Cambria Math" panose="02040503050406030204" pitchFamily="18" charset="0"/>
+                                </a:rPr>
+                                <m:t>𝑽</m:t>
+                              </m:r>
+                            </m:e>
+                            <m:sub>
+                              <m:r>
+                                <a:rPr lang="fr-FR" sz="2400" b="1" i="1">
+                                  <a:solidFill>
+                                    <a:schemeClr val="tx1">
+                                      <a:lumMod val="75000"/>
+                                      <a:lumOff val="25000"/>
+                                    </a:schemeClr>
+                                  </a:solidFill>
+                                  <a:latin typeface="Cambria Math" panose="02040503050406030204" pitchFamily="18" charset="0"/>
+                                </a:rPr>
+                                <m:t>𝒔</m:t>
+                              </m:r>
+                            </m:sub>
+                          </m:sSub>
+                        </m:num>
+                        <m:den>
+                          <m:r>
+                            <a:rPr lang="fr-FR" sz="2400" b="1" i="1">
+                              <a:solidFill>
+                                <a:schemeClr val="tx1">
+                                  <a:lumMod val="75000"/>
+                                  <a:lumOff val="25000"/>
+                                </a:schemeClr>
+                              </a:solidFill>
+                              <a:latin typeface="Cambria Math" panose="02040503050406030204" pitchFamily="18" charset="0"/>
+                              <a:ea typeface="Cambria Math" panose="02040503050406030204" pitchFamily="18" charset="0"/>
+                            </a:rPr>
+                            <m:t>𝒅𝒕</m:t>
+                          </m:r>
+                        </m:den>
+                      </m:f>
+                      <m:r>
+                        <a:rPr lang="fr-FR" sz="2400" b="1" i="1" smtClean="0">
+                          <a:solidFill>
+                            <a:schemeClr val="tx1">
+                              <a:lumMod val="75000"/>
+                              <a:lumOff val="25000"/>
+                            </a:schemeClr>
+                          </a:solidFill>
+                          <a:latin typeface="Cambria Math" panose="02040503050406030204" pitchFamily="18" charset="0"/>
+                          <a:ea typeface="Cambria Math" panose="02040503050406030204" pitchFamily="18" charset="0"/>
+                        </a:rPr>
+                        <m:t>+</m:t>
+                      </m:r>
+                      <m:sSub>
+                        <m:sSubPr>
+                          <m:ctrlPr>
+                            <a:rPr lang="fr-FR" sz="2400" b="1" i="1">
+                              <a:solidFill>
+                                <a:schemeClr val="tx1">
+                                  <a:lumMod val="75000"/>
+                                  <a:lumOff val="25000"/>
+                                </a:schemeClr>
+                              </a:solidFill>
+                              <a:latin typeface="Cambria Math" panose="02040503050406030204" pitchFamily="18" charset="0"/>
+                            </a:rPr>
+                          </m:ctrlPr>
+                        </m:sSubPr>
+                        <m:e>
+                          <m:r>
+                            <a:rPr lang="fr-FR" sz="2400" b="1" i="1">
+                              <a:solidFill>
+                                <a:schemeClr val="tx1">
+                                  <a:lumMod val="75000"/>
+                                  <a:lumOff val="25000"/>
+                                </a:schemeClr>
+                              </a:solidFill>
+                              <a:latin typeface="Cambria Math" panose="02040503050406030204" pitchFamily="18" charset="0"/>
+                            </a:rPr>
+                            <m:t>𝑽</m:t>
+                          </m:r>
+                        </m:e>
+                        <m:sub>
+                          <m:r>
+                            <a:rPr lang="fr-FR" sz="2400" b="1" i="1">
+                              <a:solidFill>
+                                <a:schemeClr val="tx1">
+                                  <a:lumMod val="75000"/>
+                                  <a:lumOff val="25000"/>
+                                </a:schemeClr>
+                              </a:solidFill>
+                              <a:latin typeface="Cambria Math" panose="02040503050406030204" pitchFamily="18" charset="0"/>
+                            </a:rPr>
+                            <m:t>𝒔</m:t>
+                          </m:r>
+                        </m:sub>
+                      </m:sSub>
+                    </m:oMath>
+                  </m:oMathPara>
+                </a14:m>
+                <a:endParaRPr lang="fr-FR" sz="2400" b="1" dirty="0">
+                  <a:solidFill>
+                    <a:schemeClr val="tx1">
+                      <a:lumMod val="75000"/>
+                      <a:lumOff val="25000"/>
+                    </a:schemeClr>
+                  </a:solidFill>
+                </a:endParaRPr>
+              </a:p>
+            </p:txBody>
+          </p:sp>
+        </mc:Choice>
+        <mc:Fallback xmlns="">
+          <p:sp>
+            <p:nvSpPr>
+              <p:cNvPr id="23" name="ZoneTexte 22">
+                <a:extLst>
+                  <a:ext uri="{FF2B5EF4-FFF2-40B4-BE49-F238E27FC236}">
+                    <a16:creationId xmlns:a16="http://schemas.microsoft.com/office/drawing/2014/main" id="{11DCA237-8CB4-2F2F-8B41-0B67113846CC}"/>
+                  </a:ext>
+                </a:extLst>
+              </p:cNvPr>
+              <p:cNvSpPr txBox="1">
+                <a:spLocks noRot="1" noChangeAspect="1" noMove="1" noResize="1" noEditPoints="1" noAdjustHandles="1" noChangeArrowheads="1" noChangeShapeType="1" noTextEdit="1"/>
+              </p:cNvSpPr>
+              <p:nvPr/>
+            </p:nvSpPr>
+            <p:spPr>
+              <a:xfrm>
+                <a:off x="6395603" y="2529295"/>
+                <a:ext cx="5243551" cy="750590"/>
+              </a:xfrm>
+              <a:prstGeom prst="rect">
+                <a:avLst/>
+              </a:prstGeom>
+              <a:blipFill>
+                <a:blip r:embed="rId4"/>
+                <a:stretch>
+                  <a:fillRect/>
+                </a:stretch>
+              </a:blipFill>
+            </p:spPr>
+            <p:txBody>
+              <a:bodyPr/>
+              <a:lstStyle/>
+              <a:p>
+                <a:r>
+                  <a:rPr lang="fr-FR">
+                    <a:noFill/>
+                  </a:rPr>
+                  <a:t> </a:t>
+                </a:r>
+              </a:p>
+            </p:txBody>
+          </p:sp>
+        </mc:Fallback>
+      </mc:AlternateContent>
+      <p:pic>
+        <p:nvPicPr>
+          <p:cNvPr id="5" name="Image 4" descr="Une image contenant texte&#10;&#10;Description générée automatiquement">
+            <a:extLst>
+              <a:ext uri="{FF2B5EF4-FFF2-40B4-BE49-F238E27FC236}">
+                <a16:creationId xmlns:a16="http://schemas.microsoft.com/office/drawing/2014/main" id="{66D2630B-81F4-A4EB-21BA-8B90CF30BD92}"/>
+              </a:ext>
+            </a:extLst>
+          </p:cNvPr>
+          <p:cNvPicPr>
+            <a:picLocks noChangeAspect="1"/>
+          </p:cNvPicPr>
+          <p:nvPr/>
+        </p:nvPicPr>
+        <p:blipFill>
+          <a:blip r:embed="rId5">
+            <a:extLst>
+              <a:ext uri="{28A0092B-C50C-407E-A947-70E740481C1C}">
+                <a14:useLocalDpi xmlns:a14="http://schemas.microsoft.com/office/drawing/2010/main" val="0"/>
+              </a:ext>
+            </a:extLst>
+          </a:blip>
+          <a:stretch>
+            <a:fillRect/>
+          </a:stretch>
+        </p:blipFill>
+        <p:spPr>
+          <a:xfrm>
+            <a:off x="202922" y="5934456"/>
+            <a:ext cx="1825291" cy="749808"/>
+          </a:xfrm>
+          <a:prstGeom prst="rect">
+            <a:avLst/>
+          </a:prstGeom>
+        </p:spPr>
+      </p:pic>
+      <p:pic>
+        <p:nvPicPr>
+          <p:cNvPr id="1026" name="Picture 2" descr="317,435 Panneau Attention Imágenes y Fotos - 123RF">
+            <a:extLst>
+              <a:ext uri="{FF2B5EF4-FFF2-40B4-BE49-F238E27FC236}">
+                <a16:creationId xmlns:a16="http://schemas.microsoft.com/office/drawing/2014/main" id="{3F6A4167-4C5F-FFA9-0DCF-A4FA3625AE7D}"/>
+              </a:ext>
+            </a:extLst>
+          </p:cNvPr>
+          <p:cNvPicPr>
+            <a:picLocks noChangeAspect="1" noChangeArrowheads="1"/>
+          </p:cNvPicPr>
+          <p:nvPr/>
+        </p:nvPicPr>
+        <p:blipFill>
+          <a:blip r:embed="rId6">
+            <a:extLst>
+              <a:ext uri="{28A0092B-C50C-407E-A947-70E740481C1C}">
+                <a14:useLocalDpi xmlns:a14="http://schemas.microsoft.com/office/drawing/2010/main" val="0"/>
+              </a:ext>
+            </a:extLst>
+          </a:blip>
+          <a:srcRect/>
+          <a:stretch>
+            <a:fillRect/>
+          </a:stretch>
+        </p:blipFill>
+        <p:spPr bwMode="auto">
+          <a:xfrm>
+            <a:off x="7135842" y="4142656"/>
+            <a:ext cx="1127944" cy="1127944"/>
+          </a:xfrm>
+          <a:prstGeom prst="rect">
+            <a:avLst/>
+          </a:prstGeom>
+          <a:noFill/>
+          <a:extLst>
+            <a:ext uri="{909E8E84-426E-40DD-AFC4-6F175D3DCCD1}">
+              <a14:hiddenFill xmlns:a14="http://schemas.microsoft.com/office/drawing/2010/main">
+                <a:solidFill>
+                  <a:srgbClr val="FFFFFF"/>
+                </a:solidFill>
+              </a14:hiddenFill>
+            </a:ext>
+          </a:extLst>
+        </p:spPr>
+      </p:pic>
+      <p:sp>
+        <p:nvSpPr>
+          <p:cNvPr id="10" name="ZoneTexte 9">
+            <a:extLst>
+              <a:ext uri="{FF2B5EF4-FFF2-40B4-BE49-F238E27FC236}">
+                <a16:creationId xmlns:a16="http://schemas.microsoft.com/office/drawing/2014/main" id="{43CFF7D8-4C53-295A-00F0-7AE4435FBE97}"/>
+              </a:ext>
+            </a:extLst>
+          </p:cNvPr>
+          <p:cNvSpPr txBox="1"/>
+          <p:nvPr/>
+        </p:nvSpPr>
+        <p:spPr>
+          <a:xfrm>
+            <a:off x="8459198" y="4325112"/>
+            <a:ext cx="2651080" cy="646331"/>
+          </a:xfrm>
+          <a:prstGeom prst="rect">
+            <a:avLst/>
+          </a:prstGeom>
+          <a:noFill/>
+        </p:spPr>
+        <p:txBody>
+          <a:bodyPr wrap="square">
+            <a:spAutoFit/>
+          </a:bodyPr>
+          <a:lstStyle/>
+          <a:p>
+            <a:r>
+              <a:rPr lang="fr-FR" b="1" dirty="0" err="1"/>
+              <a:t>s</a:t>
+            </a:r>
+            <a:r>
+              <a:rPr lang="fr-FR" sz="1800" b="1" dirty="0" err="1"/>
+              <a:t>olve_ivp</a:t>
+            </a:r>
+            <a:r>
+              <a:rPr lang="fr-FR" sz="1800" b="1" dirty="0"/>
+              <a:t> </a:t>
+            </a:r>
+            <a:r>
+              <a:rPr lang="fr-FR" sz="1800" dirty="0"/>
+              <a:t>uniquement pour </a:t>
+            </a:r>
+            <a:r>
+              <a:rPr lang="fr-FR" sz="1800" b="1" dirty="0"/>
+              <a:t>ordre 1</a:t>
+            </a:r>
+            <a:endParaRPr lang="fr-FR" b="1" dirty="0"/>
+          </a:p>
+        </p:txBody>
+      </p:sp>
+    </p:spTree>
+    <p:extLst>
+      <p:ext uri="{BB962C8B-B14F-4D97-AF65-F5344CB8AC3E}">
+        <p14:creationId xmlns:p14="http://schemas.microsoft.com/office/powerpoint/2010/main" val="2023785383"/>
+      </p:ext>
+    </p:extLst>
+  </p:cSld>
+  <p:clrMapOvr>
+    <a:masterClrMapping/>
+  </p:clrMapOvr>
+</p:sld>
+</file>
+
+<file path=ppt/slides/slide26.xml><?xml version="1.0" encoding="utf-8"?>
 <p:sld xmlns:a="http://schemas.openxmlformats.org/drawingml/2006/main" xmlns:r="http://schemas.openxmlformats.org/officeDocument/2006/relationships" xmlns:p="http://schemas.openxmlformats.org/presentationml/2006/main">
   <p:cSld>
     <p:spTree>
@@ -21108,7 +24182,7 @@
           <a:p>
             <a:fld id="{B2DC25EE-239B-4C5F-AAD1-255A7D5F1EE2}" type="slidenum">
               <a:rPr lang="en-US" smtClean="0"/>
-              <a:t>23</a:t>
+              <a:t>26</a:t>
             </a:fld>
             <a:endParaRPr lang="en-US"/>
           </a:p>
@@ -21152,10 +24226,2307 @@
       </p:pic>
       <p:sp>
         <p:nvSpPr>
-          <p:cNvPr id="15" name="ZoneTexte 14">
+          <p:cNvPr id="6" name="Flèche : droite 5">
             <a:extLst>
               <a:ext uri="{FF2B5EF4-FFF2-40B4-BE49-F238E27FC236}">
-                <a16:creationId xmlns:a16="http://schemas.microsoft.com/office/drawing/2014/main" id="{DED4E1B6-8C73-1D2C-9A76-A1EC4BB2277C}"/>
+                <a16:creationId xmlns:a16="http://schemas.microsoft.com/office/drawing/2014/main" id="{5790CFB1-6990-71F9-65FE-9146AD624AFF}"/>
+              </a:ext>
+            </a:extLst>
+          </p:cNvPr>
+          <p:cNvSpPr/>
+          <p:nvPr/>
+        </p:nvSpPr>
+        <p:spPr>
+          <a:xfrm>
+            <a:off x="5871705" y="2758162"/>
+            <a:ext cx="211393" cy="348868"/>
+          </a:xfrm>
+          <a:prstGeom prst="rightArrow">
+            <a:avLst>
+              <a:gd name="adj1" fmla="val 28940"/>
+              <a:gd name="adj2" fmla="val 75733"/>
+            </a:avLst>
+          </a:prstGeom>
+          <a:solidFill>
+            <a:srgbClr val="404040"/>
+          </a:solidFill>
+          <a:ln>
+            <a:noFill/>
+          </a:ln>
+        </p:spPr>
+        <p:style>
+          <a:lnRef idx="2">
+            <a:schemeClr val="accent1">
+              <a:shade val="50000"/>
+            </a:schemeClr>
+          </a:lnRef>
+          <a:fillRef idx="1">
+            <a:schemeClr val="accent1"/>
+          </a:fillRef>
+          <a:effectRef idx="0">
+            <a:schemeClr val="accent1"/>
+          </a:effectRef>
+          <a:fontRef idx="minor">
+            <a:schemeClr val="lt1"/>
+          </a:fontRef>
+        </p:style>
+        <p:txBody>
+          <a:bodyPr rtlCol="0" anchor="ctr"/>
+          <a:lstStyle/>
+          <a:p>
+            <a:pPr algn="ctr"/>
+            <a:endParaRPr lang="fr-FR"/>
+          </a:p>
+        </p:txBody>
+      </p:sp>
+      <mc:AlternateContent xmlns:mc="http://schemas.openxmlformats.org/markup-compatibility/2006" xmlns:a14="http://schemas.microsoft.com/office/drawing/2010/main">
+        <mc:Choice Requires="a14">
+          <p:sp>
+            <p:nvSpPr>
+              <p:cNvPr id="7" name="ZoneTexte 6">
+                <a:extLst>
+                  <a:ext uri="{FF2B5EF4-FFF2-40B4-BE49-F238E27FC236}">
+                    <a16:creationId xmlns:a16="http://schemas.microsoft.com/office/drawing/2014/main" id="{50FE226B-AF24-D0ED-783B-E6F14B82782C}"/>
+                  </a:ext>
+                </a:extLst>
+              </p:cNvPr>
+              <p:cNvSpPr txBox="1"/>
+              <p:nvPr/>
+            </p:nvSpPr>
+            <p:spPr>
+              <a:xfrm>
+                <a:off x="6395603" y="2529295"/>
+                <a:ext cx="5243551" cy="750590"/>
+              </a:xfrm>
+              <a:prstGeom prst="rect">
+                <a:avLst/>
+              </a:prstGeom>
+              <a:solidFill>
+                <a:schemeClr val="bg2"/>
+              </a:solidFill>
+            </p:spPr>
+            <p:txBody>
+              <a:bodyPr wrap="none" lIns="0" tIns="0" rIns="0" bIns="0" rtlCol="0">
+                <a:spAutoFit/>
+              </a:bodyPr>
+              <a:lstStyle/>
+              <a:p>
+                <a:pPr/>
+                <a14:m>
+                  <m:oMathPara xmlns:m="http://schemas.openxmlformats.org/officeDocument/2006/math">
+                    <m:oMathParaPr>
+                      <m:jc m:val="centerGroup"/>
+                    </m:oMathParaPr>
+                    <m:oMath xmlns:m="http://schemas.openxmlformats.org/officeDocument/2006/math">
+                      <m:sSub>
+                        <m:sSubPr>
+                          <m:ctrlPr>
+                            <a:rPr lang="fr-FR" sz="2400" b="1" i="1" smtClean="0">
+                              <a:solidFill>
+                                <a:schemeClr val="tx1">
+                                  <a:lumMod val="75000"/>
+                                  <a:lumOff val="25000"/>
+                                </a:schemeClr>
+                              </a:solidFill>
+                              <a:latin typeface="Cambria Math" panose="02040503050406030204" pitchFamily="18" charset="0"/>
+                            </a:rPr>
+                          </m:ctrlPr>
+                        </m:sSubPr>
+                        <m:e>
+                          <m:r>
+                            <a:rPr lang="fr-FR" sz="2400" b="1" i="1" smtClean="0">
+                              <a:solidFill>
+                                <a:schemeClr val="tx1">
+                                  <a:lumMod val="75000"/>
+                                  <a:lumOff val="25000"/>
+                                </a:schemeClr>
+                              </a:solidFill>
+                              <a:latin typeface="Cambria Math" panose="02040503050406030204" pitchFamily="18" charset="0"/>
+                            </a:rPr>
+                            <m:t>𝑽</m:t>
+                          </m:r>
+                        </m:e>
+                        <m:sub>
+                          <m:r>
+                            <a:rPr lang="fr-FR" sz="2400" b="1" i="1" smtClean="0">
+                              <a:solidFill>
+                                <a:schemeClr val="tx1">
+                                  <a:lumMod val="75000"/>
+                                  <a:lumOff val="25000"/>
+                                </a:schemeClr>
+                              </a:solidFill>
+                              <a:latin typeface="Cambria Math" panose="02040503050406030204" pitchFamily="18" charset="0"/>
+                            </a:rPr>
+                            <m:t>𝒆</m:t>
+                          </m:r>
+                        </m:sub>
+                      </m:sSub>
+                      <m:r>
+                        <a:rPr lang="fr-FR" sz="2400" b="1" i="1" smtClean="0">
+                          <a:solidFill>
+                            <a:schemeClr val="tx1">
+                              <a:lumMod val="75000"/>
+                              <a:lumOff val="25000"/>
+                            </a:schemeClr>
+                          </a:solidFill>
+                          <a:latin typeface="Cambria Math" panose="02040503050406030204" pitchFamily="18" charset="0"/>
+                        </a:rPr>
+                        <m:t>=</m:t>
+                      </m:r>
+                      <m:sSub>
+                        <m:sSubPr>
+                          <m:ctrlPr>
+                            <a:rPr lang="fr-FR" sz="2400" b="1" i="1" smtClean="0">
+                              <a:solidFill>
+                                <a:schemeClr val="tx1">
+                                  <a:lumMod val="75000"/>
+                                  <a:lumOff val="25000"/>
+                                </a:schemeClr>
+                              </a:solidFill>
+                              <a:latin typeface="Cambria Math" panose="02040503050406030204" pitchFamily="18" charset="0"/>
+                            </a:rPr>
+                          </m:ctrlPr>
+                        </m:sSubPr>
+                        <m:e>
+                          <m:r>
+                            <a:rPr lang="fr-FR" sz="2400" b="1" i="1" smtClean="0">
+                              <a:solidFill>
+                                <a:schemeClr val="tx1">
+                                  <a:lumMod val="75000"/>
+                                  <a:lumOff val="25000"/>
+                                </a:schemeClr>
+                              </a:solidFill>
+                              <a:latin typeface="Cambria Math" panose="02040503050406030204" pitchFamily="18" charset="0"/>
+                            </a:rPr>
+                            <m:t>𝑳</m:t>
+                          </m:r>
+                        </m:e>
+                        <m:sub>
+                          <m:r>
+                            <a:rPr lang="fr-FR" sz="2400" b="1" i="1" smtClean="0">
+                              <a:solidFill>
+                                <a:schemeClr val="tx1">
+                                  <a:lumMod val="75000"/>
+                                  <a:lumOff val="25000"/>
+                                </a:schemeClr>
+                              </a:solidFill>
+                              <a:latin typeface="Cambria Math" panose="02040503050406030204" pitchFamily="18" charset="0"/>
+                            </a:rPr>
+                            <m:t>𝟏</m:t>
+                          </m:r>
+                        </m:sub>
+                      </m:sSub>
+                      <m:r>
+                        <a:rPr lang="fr-FR" sz="2400" b="1" i="1" smtClean="0">
+                          <a:solidFill>
+                            <a:schemeClr val="tx1">
+                              <a:lumMod val="75000"/>
+                              <a:lumOff val="25000"/>
+                            </a:schemeClr>
+                          </a:solidFill>
+                          <a:latin typeface="Cambria Math" panose="02040503050406030204" pitchFamily="18" charset="0"/>
+                        </a:rPr>
+                        <m:t>.</m:t>
+                      </m:r>
+                      <m:sSub>
+                        <m:sSubPr>
+                          <m:ctrlPr>
+                            <a:rPr lang="fr-FR" sz="2400" b="1" i="1" smtClean="0">
+                              <a:solidFill>
+                                <a:schemeClr val="tx1">
+                                  <a:lumMod val="75000"/>
+                                  <a:lumOff val="25000"/>
+                                </a:schemeClr>
+                              </a:solidFill>
+                              <a:latin typeface="Cambria Math" panose="02040503050406030204" pitchFamily="18" charset="0"/>
+                            </a:rPr>
+                          </m:ctrlPr>
+                        </m:sSubPr>
+                        <m:e>
+                          <m:r>
+                            <a:rPr lang="fr-FR" sz="2400" b="1" i="1" smtClean="0">
+                              <a:solidFill>
+                                <a:schemeClr val="tx1">
+                                  <a:lumMod val="75000"/>
+                                  <a:lumOff val="25000"/>
+                                </a:schemeClr>
+                              </a:solidFill>
+                              <a:latin typeface="Cambria Math" panose="02040503050406030204" pitchFamily="18" charset="0"/>
+                            </a:rPr>
+                            <m:t>𝑪</m:t>
+                          </m:r>
+                        </m:e>
+                        <m:sub>
+                          <m:r>
+                            <a:rPr lang="fr-FR" sz="2400" b="1" i="1" smtClean="0">
+                              <a:solidFill>
+                                <a:schemeClr val="tx1">
+                                  <a:lumMod val="75000"/>
+                                  <a:lumOff val="25000"/>
+                                </a:schemeClr>
+                              </a:solidFill>
+                              <a:latin typeface="Cambria Math" panose="02040503050406030204" pitchFamily="18" charset="0"/>
+                            </a:rPr>
+                            <m:t>𝟏</m:t>
+                          </m:r>
+                        </m:sub>
+                      </m:sSub>
+                      <m:r>
+                        <a:rPr lang="fr-FR" sz="2400" b="1" i="1" smtClean="0">
+                          <a:solidFill>
+                            <a:schemeClr val="tx1">
+                              <a:lumMod val="75000"/>
+                              <a:lumOff val="25000"/>
+                            </a:schemeClr>
+                          </a:solidFill>
+                          <a:latin typeface="Cambria Math" panose="02040503050406030204" pitchFamily="18" charset="0"/>
+                        </a:rPr>
+                        <m:t> . </m:t>
+                      </m:r>
+                      <m:f>
+                        <m:fPr>
+                          <m:ctrlPr>
+                            <a:rPr lang="fr-FR" sz="2400" b="1" i="1">
+                              <a:solidFill>
+                                <a:schemeClr val="tx1">
+                                  <a:lumMod val="75000"/>
+                                  <a:lumOff val="25000"/>
+                                </a:schemeClr>
+                              </a:solidFill>
+                              <a:latin typeface="Cambria Math" panose="02040503050406030204" pitchFamily="18" charset="0"/>
+                              <a:ea typeface="Cambria Math" panose="02040503050406030204" pitchFamily="18" charset="0"/>
+                            </a:rPr>
+                          </m:ctrlPr>
+                        </m:fPr>
+                        <m:num>
+                          <m:sSup>
+                            <m:sSupPr>
+                              <m:ctrlPr>
+                                <a:rPr lang="fr-FR" sz="2400" b="1" i="1" smtClean="0">
+                                  <a:solidFill>
+                                    <a:schemeClr val="tx1">
+                                      <a:lumMod val="75000"/>
+                                      <a:lumOff val="25000"/>
+                                    </a:schemeClr>
+                                  </a:solidFill>
+                                  <a:latin typeface="Cambria Math" panose="02040503050406030204" pitchFamily="18" charset="0"/>
+                                  <a:ea typeface="Cambria Math" panose="02040503050406030204" pitchFamily="18" charset="0"/>
+                                </a:rPr>
+                              </m:ctrlPr>
+                            </m:sSupPr>
+                            <m:e>
+                              <m:r>
+                                <a:rPr lang="fr-FR" sz="2400" b="1" i="1">
+                                  <a:solidFill>
+                                    <a:schemeClr val="tx1">
+                                      <a:lumMod val="75000"/>
+                                      <a:lumOff val="25000"/>
+                                    </a:schemeClr>
+                                  </a:solidFill>
+                                  <a:latin typeface="Cambria Math" panose="02040503050406030204" pitchFamily="18" charset="0"/>
+                                  <a:ea typeface="Cambria Math" panose="02040503050406030204" pitchFamily="18" charset="0"/>
+                                </a:rPr>
+                                <m:t>𝒅</m:t>
+                              </m:r>
+                            </m:e>
+                            <m:sup>
+                              <m:r>
+                                <a:rPr lang="fr-FR" sz="2400" b="1" i="1" smtClean="0">
+                                  <a:solidFill>
+                                    <a:schemeClr val="tx1">
+                                      <a:lumMod val="75000"/>
+                                      <a:lumOff val="25000"/>
+                                    </a:schemeClr>
+                                  </a:solidFill>
+                                  <a:latin typeface="Cambria Math" panose="02040503050406030204" pitchFamily="18" charset="0"/>
+                                  <a:ea typeface="Cambria Math" panose="02040503050406030204" pitchFamily="18" charset="0"/>
+                                </a:rPr>
+                                <m:t>𝟐</m:t>
+                              </m:r>
+                            </m:sup>
+                          </m:sSup>
+                          <m:sSub>
+                            <m:sSubPr>
+                              <m:ctrlPr>
+                                <a:rPr lang="fr-FR" sz="2400" b="1" i="1">
+                                  <a:solidFill>
+                                    <a:schemeClr val="tx1">
+                                      <a:lumMod val="75000"/>
+                                      <a:lumOff val="25000"/>
+                                    </a:schemeClr>
+                                  </a:solidFill>
+                                  <a:latin typeface="Cambria Math" panose="02040503050406030204" pitchFamily="18" charset="0"/>
+                                </a:rPr>
+                              </m:ctrlPr>
+                            </m:sSubPr>
+                            <m:e>
+                              <m:r>
+                                <a:rPr lang="fr-FR" sz="2400" b="1" i="1">
+                                  <a:solidFill>
+                                    <a:schemeClr val="tx1">
+                                      <a:lumMod val="75000"/>
+                                      <a:lumOff val="25000"/>
+                                    </a:schemeClr>
+                                  </a:solidFill>
+                                  <a:latin typeface="Cambria Math" panose="02040503050406030204" pitchFamily="18" charset="0"/>
+                                </a:rPr>
+                                <m:t>𝑽</m:t>
+                              </m:r>
+                            </m:e>
+                            <m:sub>
+                              <m:r>
+                                <a:rPr lang="fr-FR" sz="2400" b="1" i="1">
+                                  <a:solidFill>
+                                    <a:schemeClr val="tx1">
+                                      <a:lumMod val="75000"/>
+                                      <a:lumOff val="25000"/>
+                                    </a:schemeClr>
+                                  </a:solidFill>
+                                  <a:latin typeface="Cambria Math" panose="02040503050406030204" pitchFamily="18" charset="0"/>
+                                </a:rPr>
+                                <m:t>𝒔</m:t>
+                              </m:r>
+                            </m:sub>
+                          </m:sSub>
+                        </m:num>
+                        <m:den>
+                          <m:r>
+                            <a:rPr lang="fr-FR" sz="2400" b="1" i="1">
+                              <a:solidFill>
+                                <a:schemeClr val="tx1">
+                                  <a:lumMod val="75000"/>
+                                  <a:lumOff val="25000"/>
+                                </a:schemeClr>
+                              </a:solidFill>
+                              <a:latin typeface="Cambria Math" panose="02040503050406030204" pitchFamily="18" charset="0"/>
+                              <a:ea typeface="Cambria Math" panose="02040503050406030204" pitchFamily="18" charset="0"/>
+                            </a:rPr>
+                            <m:t>𝒅</m:t>
+                          </m:r>
+                          <m:sSup>
+                            <m:sSupPr>
+                              <m:ctrlPr>
+                                <a:rPr lang="fr-FR" sz="2400" b="1" i="1" smtClean="0">
+                                  <a:solidFill>
+                                    <a:schemeClr val="tx1">
+                                      <a:lumMod val="75000"/>
+                                      <a:lumOff val="25000"/>
+                                    </a:schemeClr>
+                                  </a:solidFill>
+                                  <a:latin typeface="Cambria Math" panose="02040503050406030204" pitchFamily="18" charset="0"/>
+                                  <a:ea typeface="Cambria Math" panose="02040503050406030204" pitchFamily="18" charset="0"/>
+                                </a:rPr>
+                              </m:ctrlPr>
+                            </m:sSupPr>
+                            <m:e>
+                              <m:r>
+                                <a:rPr lang="fr-FR" sz="2400" b="1" i="1">
+                                  <a:solidFill>
+                                    <a:schemeClr val="tx1">
+                                      <a:lumMod val="75000"/>
+                                      <a:lumOff val="25000"/>
+                                    </a:schemeClr>
+                                  </a:solidFill>
+                                  <a:latin typeface="Cambria Math" panose="02040503050406030204" pitchFamily="18" charset="0"/>
+                                  <a:ea typeface="Cambria Math" panose="02040503050406030204" pitchFamily="18" charset="0"/>
+                                </a:rPr>
+                                <m:t>𝒕</m:t>
+                              </m:r>
+                            </m:e>
+                            <m:sup>
+                              <m:r>
+                                <a:rPr lang="fr-FR" sz="2400" b="1" i="1" smtClean="0">
+                                  <a:solidFill>
+                                    <a:schemeClr val="tx1">
+                                      <a:lumMod val="75000"/>
+                                      <a:lumOff val="25000"/>
+                                    </a:schemeClr>
+                                  </a:solidFill>
+                                  <a:latin typeface="Cambria Math" panose="02040503050406030204" pitchFamily="18" charset="0"/>
+                                  <a:ea typeface="Cambria Math" panose="02040503050406030204" pitchFamily="18" charset="0"/>
+                                </a:rPr>
+                                <m:t>𝟐</m:t>
+                              </m:r>
+                            </m:sup>
+                          </m:sSup>
+                        </m:den>
+                      </m:f>
+                      <m:r>
+                        <a:rPr lang="fr-FR" sz="2400" b="1" i="1" smtClean="0">
+                          <a:solidFill>
+                            <a:schemeClr val="tx1">
+                              <a:lumMod val="75000"/>
+                              <a:lumOff val="25000"/>
+                            </a:schemeClr>
+                          </a:solidFill>
+                          <a:latin typeface="Cambria Math" panose="02040503050406030204" pitchFamily="18" charset="0"/>
+                          <a:ea typeface="Cambria Math" panose="02040503050406030204" pitchFamily="18" charset="0"/>
+                        </a:rPr>
+                        <m:t>+</m:t>
+                      </m:r>
+                      <m:sSub>
+                        <m:sSubPr>
+                          <m:ctrlPr>
+                            <a:rPr lang="fr-FR" sz="2400" b="1" i="1">
+                              <a:solidFill>
+                                <a:schemeClr val="tx1">
+                                  <a:lumMod val="75000"/>
+                                  <a:lumOff val="25000"/>
+                                </a:schemeClr>
+                              </a:solidFill>
+                              <a:latin typeface="Cambria Math" panose="02040503050406030204" pitchFamily="18" charset="0"/>
+                            </a:rPr>
+                          </m:ctrlPr>
+                        </m:sSubPr>
+                        <m:e>
+                          <m:r>
+                            <a:rPr lang="fr-FR" sz="2400" b="1" i="1" smtClean="0">
+                              <a:solidFill>
+                                <a:schemeClr val="tx1">
+                                  <a:lumMod val="75000"/>
+                                  <a:lumOff val="25000"/>
+                                </a:schemeClr>
+                              </a:solidFill>
+                              <a:latin typeface="Cambria Math" panose="02040503050406030204" pitchFamily="18" charset="0"/>
+                            </a:rPr>
+                            <m:t>𝑹</m:t>
+                          </m:r>
+                        </m:e>
+                        <m:sub>
+                          <m:r>
+                            <a:rPr lang="fr-FR" sz="2400" b="1" i="1">
+                              <a:solidFill>
+                                <a:schemeClr val="tx1">
+                                  <a:lumMod val="75000"/>
+                                  <a:lumOff val="25000"/>
+                                </a:schemeClr>
+                              </a:solidFill>
+                              <a:latin typeface="Cambria Math" panose="02040503050406030204" pitchFamily="18" charset="0"/>
+                            </a:rPr>
+                            <m:t>𝟏</m:t>
+                          </m:r>
+                        </m:sub>
+                      </m:sSub>
+                      <m:r>
+                        <a:rPr lang="fr-FR" sz="2400" b="1" i="1">
+                          <a:solidFill>
+                            <a:schemeClr val="tx1">
+                              <a:lumMod val="75000"/>
+                              <a:lumOff val="25000"/>
+                            </a:schemeClr>
+                          </a:solidFill>
+                          <a:latin typeface="Cambria Math" panose="02040503050406030204" pitchFamily="18" charset="0"/>
+                        </a:rPr>
+                        <m:t>.</m:t>
+                      </m:r>
+                      <m:sSub>
+                        <m:sSubPr>
+                          <m:ctrlPr>
+                            <a:rPr lang="fr-FR" sz="2400" b="1" i="1">
+                              <a:solidFill>
+                                <a:schemeClr val="tx1">
+                                  <a:lumMod val="75000"/>
+                                  <a:lumOff val="25000"/>
+                                </a:schemeClr>
+                              </a:solidFill>
+                              <a:latin typeface="Cambria Math" panose="02040503050406030204" pitchFamily="18" charset="0"/>
+                            </a:rPr>
+                          </m:ctrlPr>
+                        </m:sSubPr>
+                        <m:e>
+                          <m:r>
+                            <a:rPr lang="fr-FR" sz="2400" b="1" i="1">
+                              <a:solidFill>
+                                <a:schemeClr val="tx1">
+                                  <a:lumMod val="75000"/>
+                                  <a:lumOff val="25000"/>
+                                </a:schemeClr>
+                              </a:solidFill>
+                              <a:latin typeface="Cambria Math" panose="02040503050406030204" pitchFamily="18" charset="0"/>
+                            </a:rPr>
+                            <m:t>𝑪</m:t>
+                          </m:r>
+                        </m:e>
+                        <m:sub>
+                          <m:r>
+                            <a:rPr lang="fr-FR" sz="2400" b="1" i="1">
+                              <a:solidFill>
+                                <a:schemeClr val="tx1">
+                                  <a:lumMod val="75000"/>
+                                  <a:lumOff val="25000"/>
+                                </a:schemeClr>
+                              </a:solidFill>
+                              <a:latin typeface="Cambria Math" panose="02040503050406030204" pitchFamily="18" charset="0"/>
+                            </a:rPr>
+                            <m:t>𝟏</m:t>
+                          </m:r>
+                        </m:sub>
+                      </m:sSub>
+                      <m:r>
+                        <a:rPr lang="fr-FR" sz="2400" b="1" i="1">
+                          <a:solidFill>
+                            <a:schemeClr val="tx1">
+                              <a:lumMod val="75000"/>
+                              <a:lumOff val="25000"/>
+                            </a:schemeClr>
+                          </a:solidFill>
+                          <a:latin typeface="Cambria Math" panose="02040503050406030204" pitchFamily="18" charset="0"/>
+                        </a:rPr>
+                        <m:t> . </m:t>
+                      </m:r>
+                      <m:f>
+                        <m:fPr>
+                          <m:ctrlPr>
+                            <a:rPr lang="fr-FR" sz="2400" b="1" i="1">
+                              <a:solidFill>
+                                <a:schemeClr val="tx1">
+                                  <a:lumMod val="75000"/>
+                                  <a:lumOff val="25000"/>
+                                </a:schemeClr>
+                              </a:solidFill>
+                              <a:latin typeface="Cambria Math" panose="02040503050406030204" pitchFamily="18" charset="0"/>
+                              <a:ea typeface="Cambria Math" panose="02040503050406030204" pitchFamily="18" charset="0"/>
+                            </a:rPr>
+                          </m:ctrlPr>
+                        </m:fPr>
+                        <m:num>
+                          <m:r>
+                            <a:rPr lang="fr-FR" sz="2400" b="1" i="1">
+                              <a:solidFill>
+                                <a:schemeClr val="tx1">
+                                  <a:lumMod val="75000"/>
+                                  <a:lumOff val="25000"/>
+                                </a:schemeClr>
+                              </a:solidFill>
+                              <a:latin typeface="Cambria Math" panose="02040503050406030204" pitchFamily="18" charset="0"/>
+                              <a:ea typeface="Cambria Math" panose="02040503050406030204" pitchFamily="18" charset="0"/>
+                            </a:rPr>
+                            <m:t>𝒅</m:t>
+                          </m:r>
+                          <m:r>
+                            <a:rPr lang="fr-FR" sz="2400" b="1" i="1">
+                              <a:solidFill>
+                                <a:schemeClr val="tx1">
+                                  <a:lumMod val="75000"/>
+                                  <a:lumOff val="25000"/>
+                                </a:schemeClr>
+                              </a:solidFill>
+                              <a:latin typeface="Cambria Math" panose="02040503050406030204" pitchFamily="18" charset="0"/>
+                              <a:ea typeface="Cambria Math" panose="02040503050406030204" pitchFamily="18" charset="0"/>
+                            </a:rPr>
+                            <m:t> </m:t>
+                          </m:r>
+                          <m:sSub>
+                            <m:sSubPr>
+                              <m:ctrlPr>
+                                <a:rPr lang="fr-FR" sz="2400" b="1" i="1">
+                                  <a:solidFill>
+                                    <a:schemeClr val="tx1">
+                                      <a:lumMod val="75000"/>
+                                      <a:lumOff val="25000"/>
+                                    </a:schemeClr>
+                                  </a:solidFill>
+                                  <a:latin typeface="Cambria Math" panose="02040503050406030204" pitchFamily="18" charset="0"/>
+                                </a:rPr>
+                              </m:ctrlPr>
+                            </m:sSubPr>
+                            <m:e>
+                              <m:r>
+                                <a:rPr lang="fr-FR" sz="2400" b="1" i="1">
+                                  <a:solidFill>
+                                    <a:schemeClr val="tx1">
+                                      <a:lumMod val="75000"/>
+                                      <a:lumOff val="25000"/>
+                                    </a:schemeClr>
+                                  </a:solidFill>
+                                  <a:latin typeface="Cambria Math" panose="02040503050406030204" pitchFamily="18" charset="0"/>
+                                </a:rPr>
+                                <m:t>𝑽</m:t>
+                              </m:r>
+                            </m:e>
+                            <m:sub>
+                              <m:r>
+                                <a:rPr lang="fr-FR" sz="2400" b="1" i="1">
+                                  <a:solidFill>
+                                    <a:schemeClr val="tx1">
+                                      <a:lumMod val="75000"/>
+                                      <a:lumOff val="25000"/>
+                                    </a:schemeClr>
+                                  </a:solidFill>
+                                  <a:latin typeface="Cambria Math" panose="02040503050406030204" pitchFamily="18" charset="0"/>
+                                </a:rPr>
+                                <m:t>𝒔</m:t>
+                              </m:r>
+                            </m:sub>
+                          </m:sSub>
+                        </m:num>
+                        <m:den>
+                          <m:r>
+                            <a:rPr lang="fr-FR" sz="2400" b="1" i="1">
+                              <a:solidFill>
+                                <a:schemeClr val="tx1">
+                                  <a:lumMod val="75000"/>
+                                  <a:lumOff val="25000"/>
+                                </a:schemeClr>
+                              </a:solidFill>
+                              <a:latin typeface="Cambria Math" panose="02040503050406030204" pitchFamily="18" charset="0"/>
+                              <a:ea typeface="Cambria Math" panose="02040503050406030204" pitchFamily="18" charset="0"/>
+                            </a:rPr>
+                            <m:t>𝒅𝒕</m:t>
+                          </m:r>
+                        </m:den>
+                      </m:f>
+                      <m:r>
+                        <a:rPr lang="fr-FR" sz="2400" b="1" i="1" smtClean="0">
+                          <a:solidFill>
+                            <a:schemeClr val="tx1">
+                              <a:lumMod val="75000"/>
+                              <a:lumOff val="25000"/>
+                            </a:schemeClr>
+                          </a:solidFill>
+                          <a:latin typeface="Cambria Math" panose="02040503050406030204" pitchFamily="18" charset="0"/>
+                          <a:ea typeface="Cambria Math" panose="02040503050406030204" pitchFamily="18" charset="0"/>
+                        </a:rPr>
+                        <m:t>+</m:t>
+                      </m:r>
+                      <m:sSub>
+                        <m:sSubPr>
+                          <m:ctrlPr>
+                            <a:rPr lang="fr-FR" sz="2400" b="1" i="1">
+                              <a:solidFill>
+                                <a:schemeClr val="tx1">
+                                  <a:lumMod val="75000"/>
+                                  <a:lumOff val="25000"/>
+                                </a:schemeClr>
+                              </a:solidFill>
+                              <a:latin typeface="Cambria Math" panose="02040503050406030204" pitchFamily="18" charset="0"/>
+                            </a:rPr>
+                          </m:ctrlPr>
+                        </m:sSubPr>
+                        <m:e>
+                          <m:r>
+                            <a:rPr lang="fr-FR" sz="2400" b="1" i="1">
+                              <a:solidFill>
+                                <a:schemeClr val="tx1">
+                                  <a:lumMod val="75000"/>
+                                  <a:lumOff val="25000"/>
+                                </a:schemeClr>
+                              </a:solidFill>
+                              <a:latin typeface="Cambria Math" panose="02040503050406030204" pitchFamily="18" charset="0"/>
+                            </a:rPr>
+                            <m:t>𝑽</m:t>
+                          </m:r>
+                        </m:e>
+                        <m:sub>
+                          <m:r>
+                            <a:rPr lang="fr-FR" sz="2400" b="1" i="1">
+                              <a:solidFill>
+                                <a:schemeClr val="tx1">
+                                  <a:lumMod val="75000"/>
+                                  <a:lumOff val="25000"/>
+                                </a:schemeClr>
+                              </a:solidFill>
+                              <a:latin typeface="Cambria Math" panose="02040503050406030204" pitchFamily="18" charset="0"/>
+                            </a:rPr>
+                            <m:t>𝒔</m:t>
+                          </m:r>
+                        </m:sub>
+                      </m:sSub>
+                    </m:oMath>
+                  </m:oMathPara>
+                </a14:m>
+                <a:endParaRPr lang="fr-FR" sz="2400" b="1" dirty="0">
+                  <a:solidFill>
+                    <a:schemeClr val="tx1">
+                      <a:lumMod val="75000"/>
+                      <a:lumOff val="25000"/>
+                    </a:schemeClr>
+                  </a:solidFill>
+                </a:endParaRPr>
+              </a:p>
+            </p:txBody>
+          </p:sp>
+        </mc:Choice>
+        <mc:Fallback xmlns="">
+          <p:sp>
+            <p:nvSpPr>
+              <p:cNvPr id="7" name="ZoneTexte 6">
+                <a:extLst>
+                  <a:ext uri="{FF2B5EF4-FFF2-40B4-BE49-F238E27FC236}">
+                    <a16:creationId xmlns:a16="http://schemas.microsoft.com/office/drawing/2014/main" id="{50FE226B-AF24-D0ED-783B-E6F14B82782C}"/>
+                  </a:ext>
+                </a:extLst>
+              </p:cNvPr>
+              <p:cNvSpPr txBox="1">
+                <a:spLocks noRot="1" noChangeAspect="1" noMove="1" noResize="1" noEditPoints="1" noAdjustHandles="1" noChangeArrowheads="1" noChangeShapeType="1" noTextEdit="1"/>
+              </p:cNvSpPr>
+              <p:nvPr/>
+            </p:nvSpPr>
+            <p:spPr>
+              <a:xfrm>
+                <a:off x="6395603" y="2529295"/>
+                <a:ext cx="5243551" cy="750590"/>
+              </a:xfrm>
+              <a:prstGeom prst="rect">
+                <a:avLst/>
+              </a:prstGeom>
+              <a:blipFill>
+                <a:blip r:embed="rId3"/>
+                <a:stretch>
+                  <a:fillRect/>
+                </a:stretch>
+              </a:blipFill>
+            </p:spPr>
+            <p:txBody>
+              <a:bodyPr/>
+              <a:lstStyle/>
+              <a:p>
+                <a:r>
+                  <a:rPr lang="fr-FR">
+                    <a:noFill/>
+                  </a:rPr>
+                  <a:t> </a:t>
+                </a:r>
+              </a:p>
+            </p:txBody>
+          </p:sp>
+        </mc:Fallback>
+      </mc:AlternateContent>
+      <mc:AlternateContent xmlns:mc="http://schemas.openxmlformats.org/markup-compatibility/2006" xmlns:a14="http://schemas.microsoft.com/office/drawing/2010/main">
+        <mc:Choice Requires="a14">
+          <p:sp>
+            <p:nvSpPr>
+              <p:cNvPr id="8" name="ZoneTexte 7">
+                <a:extLst>
+                  <a:ext uri="{FF2B5EF4-FFF2-40B4-BE49-F238E27FC236}">
+                    <a16:creationId xmlns:a16="http://schemas.microsoft.com/office/drawing/2014/main" id="{F1AD8139-D919-B8A3-F715-12382BACD5AD}"/>
+                  </a:ext>
+                </a:extLst>
+              </p:cNvPr>
+              <p:cNvSpPr txBox="1"/>
+              <p:nvPr/>
+            </p:nvSpPr>
+            <p:spPr>
+              <a:xfrm>
+                <a:off x="6712484" y="3758689"/>
+                <a:ext cx="4926670" cy="738023"/>
+              </a:xfrm>
+              <a:prstGeom prst="rect">
+                <a:avLst/>
+              </a:prstGeom>
+              <a:solidFill>
+                <a:schemeClr val="bg2"/>
+              </a:solidFill>
+            </p:spPr>
+            <p:txBody>
+              <a:bodyPr wrap="none" lIns="0" tIns="0" rIns="0" bIns="0" rtlCol="0">
+                <a:spAutoFit/>
+              </a:bodyPr>
+              <a:lstStyle/>
+              <a:p>
+                <a14:m>
+                  <m:oMath xmlns:m="http://schemas.openxmlformats.org/officeDocument/2006/math">
+                    <m:r>
+                      <a:rPr lang="fr-FR" sz="2800" b="1" i="1" smtClean="0">
+                        <a:solidFill>
+                          <a:schemeClr val="tx1">
+                            <a:lumMod val="75000"/>
+                            <a:lumOff val="25000"/>
+                          </a:schemeClr>
+                        </a:solidFill>
+                        <a:latin typeface="Cambria Math" panose="02040503050406030204" pitchFamily="18" charset="0"/>
+                      </a:rPr>
+                      <m:t> </m:t>
+                    </m:r>
+                    <m:f>
+                      <m:fPr>
+                        <m:ctrlPr>
+                          <a:rPr lang="fr-FR" sz="2800" b="1" i="1">
+                            <a:solidFill>
+                              <a:schemeClr val="tx1">
+                                <a:lumMod val="75000"/>
+                                <a:lumOff val="25000"/>
+                              </a:schemeClr>
+                            </a:solidFill>
+                            <a:latin typeface="Cambria Math" panose="02040503050406030204" pitchFamily="18" charset="0"/>
+                            <a:ea typeface="Cambria Math" panose="02040503050406030204" pitchFamily="18" charset="0"/>
+                          </a:rPr>
+                        </m:ctrlPr>
+                      </m:fPr>
+                      <m:num>
+                        <m:sSup>
+                          <m:sSupPr>
+                            <m:ctrlPr>
+                              <a:rPr lang="fr-FR" sz="2800" b="1" i="1" smtClean="0">
+                                <a:solidFill>
+                                  <a:schemeClr val="tx1">
+                                    <a:lumMod val="75000"/>
+                                    <a:lumOff val="25000"/>
+                                  </a:schemeClr>
+                                </a:solidFill>
+                                <a:latin typeface="Cambria Math" panose="02040503050406030204" pitchFamily="18" charset="0"/>
+                                <a:ea typeface="Cambria Math" panose="02040503050406030204" pitchFamily="18" charset="0"/>
+                              </a:rPr>
+                            </m:ctrlPr>
+                          </m:sSupPr>
+                          <m:e>
+                            <m:r>
+                              <a:rPr lang="fr-FR" sz="2800" b="1" i="1">
+                                <a:solidFill>
+                                  <a:schemeClr val="tx1">
+                                    <a:lumMod val="75000"/>
+                                    <a:lumOff val="25000"/>
+                                  </a:schemeClr>
+                                </a:solidFill>
+                                <a:latin typeface="Cambria Math" panose="02040503050406030204" pitchFamily="18" charset="0"/>
+                                <a:ea typeface="Cambria Math" panose="02040503050406030204" pitchFamily="18" charset="0"/>
+                              </a:rPr>
+                              <m:t>𝒅</m:t>
+                            </m:r>
+                          </m:e>
+                          <m:sup>
+                            <m:r>
+                              <a:rPr lang="fr-FR" sz="2800" b="1" i="1" smtClean="0">
+                                <a:solidFill>
+                                  <a:schemeClr val="tx1">
+                                    <a:lumMod val="75000"/>
+                                    <a:lumOff val="25000"/>
+                                  </a:schemeClr>
+                                </a:solidFill>
+                                <a:latin typeface="Cambria Math" panose="02040503050406030204" pitchFamily="18" charset="0"/>
+                                <a:ea typeface="Cambria Math" panose="02040503050406030204" pitchFamily="18" charset="0"/>
+                              </a:rPr>
+                              <m:t>𝟐</m:t>
+                            </m:r>
+                          </m:sup>
+                        </m:sSup>
+                        <m:sSub>
+                          <m:sSubPr>
+                            <m:ctrlPr>
+                              <a:rPr lang="fr-FR" sz="2800" b="1" i="1">
+                                <a:solidFill>
+                                  <a:schemeClr val="tx1">
+                                    <a:lumMod val="75000"/>
+                                    <a:lumOff val="25000"/>
+                                  </a:schemeClr>
+                                </a:solidFill>
+                                <a:latin typeface="Cambria Math" panose="02040503050406030204" pitchFamily="18" charset="0"/>
+                              </a:rPr>
+                            </m:ctrlPr>
+                          </m:sSubPr>
+                          <m:e>
+                            <m:r>
+                              <a:rPr lang="fr-FR" sz="2800" b="1" i="1">
+                                <a:solidFill>
+                                  <a:schemeClr val="tx1">
+                                    <a:lumMod val="75000"/>
+                                    <a:lumOff val="25000"/>
+                                  </a:schemeClr>
+                                </a:solidFill>
+                                <a:latin typeface="Cambria Math" panose="02040503050406030204" pitchFamily="18" charset="0"/>
+                              </a:rPr>
+                              <m:t>𝑽</m:t>
+                            </m:r>
+                          </m:e>
+                          <m:sub>
+                            <m:r>
+                              <a:rPr lang="fr-FR" sz="2800" b="1" i="1">
+                                <a:solidFill>
+                                  <a:schemeClr val="tx1">
+                                    <a:lumMod val="75000"/>
+                                    <a:lumOff val="25000"/>
+                                  </a:schemeClr>
+                                </a:solidFill>
+                                <a:latin typeface="Cambria Math" panose="02040503050406030204" pitchFamily="18" charset="0"/>
+                              </a:rPr>
+                              <m:t>𝒔</m:t>
+                            </m:r>
+                          </m:sub>
+                        </m:sSub>
+                      </m:num>
+                      <m:den>
+                        <m:r>
+                          <a:rPr lang="fr-FR" sz="2800" b="1" i="1">
+                            <a:solidFill>
+                              <a:schemeClr val="tx1">
+                                <a:lumMod val="75000"/>
+                                <a:lumOff val="25000"/>
+                              </a:schemeClr>
+                            </a:solidFill>
+                            <a:latin typeface="Cambria Math" panose="02040503050406030204" pitchFamily="18" charset="0"/>
+                            <a:ea typeface="Cambria Math" panose="02040503050406030204" pitchFamily="18" charset="0"/>
+                          </a:rPr>
+                          <m:t>𝒅</m:t>
+                        </m:r>
+                        <m:sSup>
+                          <m:sSupPr>
+                            <m:ctrlPr>
+                              <a:rPr lang="fr-FR" sz="2800" b="1" i="1" smtClean="0">
+                                <a:solidFill>
+                                  <a:schemeClr val="tx1">
+                                    <a:lumMod val="75000"/>
+                                    <a:lumOff val="25000"/>
+                                  </a:schemeClr>
+                                </a:solidFill>
+                                <a:latin typeface="Cambria Math" panose="02040503050406030204" pitchFamily="18" charset="0"/>
+                                <a:ea typeface="Cambria Math" panose="02040503050406030204" pitchFamily="18" charset="0"/>
+                              </a:rPr>
+                            </m:ctrlPr>
+                          </m:sSupPr>
+                          <m:e>
+                            <m:r>
+                              <a:rPr lang="fr-FR" sz="2800" b="1" i="1">
+                                <a:solidFill>
+                                  <a:schemeClr val="tx1">
+                                    <a:lumMod val="75000"/>
+                                    <a:lumOff val="25000"/>
+                                  </a:schemeClr>
+                                </a:solidFill>
+                                <a:latin typeface="Cambria Math" panose="02040503050406030204" pitchFamily="18" charset="0"/>
+                                <a:ea typeface="Cambria Math" panose="02040503050406030204" pitchFamily="18" charset="0"/>
+                              </a:rPr>
+                              <m:t>𝒕</m:t>
+                            </m:r>
+                          </m:e>
+                          <m:sup>
+                            <m:r>
+                              <a:rPr lang="fr-FR" sz="2800" b="1" i="1" smtClean="0">
+                                <a:solidFill>
+                                  <a:schemeClr val="tx1">
+                                    <a:lumMod val="75000"/>
+                                    <a:lumOff val="25000"/>
+                                  </a:schemeClr>
+                                </a:solidFill>
+                                <a:latin typeface="Cambria Math" panose="02040503050406030204" pitchFamily="18" charset="0"/>
+                                <a:ea typeface="Cambria Math" panose="02040503050406030204" pitchFamily="18" charset="0"/>
+                              </a:rPr>
+                              <m:t>𝟐</m:t>
+                            </m:r>
+                          </m:sup>
+                        </m:sSup>
+                      </m:den>
+                    </m:f>
+                    <m:r>
+                      <a:rPr lang="fr-FR" sz="2800" b="1" i="1" smtClean="0">
+                        <a:solidFill>
+                          <a:schemeClr val="tx1">
+                            <a:lumMod val="75000"/>
+                            <a:lumOff val="25000"/>
+                          </a:schemeClr>
+                        </a:solidFill>
+                        <a:latin typeface="Cambria Math" panose="02040503050406030204" pitchFamily="18" charset="0"/>
+                        <a:ea typeface="Cambria Math" panose="02040503050406030204" pitchFamily="18" charset="0"/>
+                      </a:rPr>
+                      <m:t>=−</m:t>
+                    </m:r>
+                    <m:f>
+                      <m:fPr>
+                        <m:ctrlPr>
+                          <a:rPr lang="fr-FR" sz="2800" b="1" i="1" smtClean="0">
+                            <a:solidFill>
+                              <a:schemeClr val="tx1">
+                                <a:lumMod val="75000"/>
+                                <a:lumOff val="25000"/>
+                              </a:schemeClr>
+                            </a:solidFill>
+                            <a:latin typeface="Cambria Math" panose="02040503050406030204" pitchFamily="18" charset="0"/>
+                            <a:ea typeface="Cambria Math" panose="02040503050406030204" pitchFamily="18" charset="0"/>
+                          </a:rPr>
+                        </m:ctrlPr>
+                      </m:fPr>
+                      <m:num>
+                        <m:sSub>
+                          <m:sSubPr>
+                            <m:ctrlPr>
+                              <a:rPr lang="fr-FR" sz="2800" b="1" i="1">
+                                <a:solidFill>
+                                  <a:schemeClr val="tx1">
+                                    <a:lumMod val="75000"/>
+                                    <a:lumOff val="25000"/>
+                                  </a:schemeClr>
+                                </a:solidFill>
+                                <a:latin typeface="Cambria Math" panose="02040503050406030204" pitchFamily="18" charset="0"/>
+                              </a:rPr>
+                            </m:ctrlPr>
+                          </m:sSubPr>
+                          <m:e>
+                            <m:r>
+                              <a:rPr lang="fr-FR" sz="2800" b="1" i="1">
+                                <a:solidFill>
+                                  <a:schemeClr val="tx1">
+                                    <a:lumMod val="75000"/>
+                                    <a:lumOff val="25000"/>
+                                  </a:schemeClr>
+                                </a:solidFill>
+                                <a:latin typeface="Cambria Math" panose="02040503050406030204" pitchFamily="18" charset="0"/>
+                              </a:rPr>
+                              <m:t>𝑹</m:t>
+                            </m:r>
+                          </m:e>
+                          <m:sub>
+                            <m:r>
+                              <a:rPr lang="fr-FR" sz="2800" b="1" i="1">
+                                <a:solidFill>
+                                  <a:schemeClr val="tx1">
+                                    <a:lumMod val="75000"/>
+                                    <a:lumOff val="25000"/>
+                                  </a:schemeClr>
+                                </a:solidFill>
+                                <a:latin typeface="Cambria Math" panose="02040503050406030204" pitchFamily="18" charset="0"/>
+                              </a:rPr>
+                              <m:t>𝟏</m:t>
+                            </m:r>
+                          </m:sub>
+                        </m:sSub>
+                      </m:num>
+                      <m:den>
+                        <m:sSub>
+                          <m:sSubPr>
+                            <m:ctrlPr>
+                              <a:rPr lang="fr-FR" sz="2800" b="1" i="1">
+                                <a:solidFill>
+                                  <a:schemeClr val="tx1">
+                                    <a:lumMod val="75000"/>
+                                    <a:lumOff val="25000"/>
+                                  </a:schemeClr>
+                                </a:solidFill>
+                                <a:latin typeface="Cambria Math" panose="02040503050406030204" pitchFamily="18" charset="0"/>
+                              </a:rPr>
+                            </m:ctrlPr>
+                          </m:sSubPr>
+                          <m:e>
+                            <m:r>
+                              <a:rPr lang="fr-FR" sz="2800" b="1" i="1">
+                                <a:solidFill>
+                                  <a:schemeClr val="tx1">
+                                    <a:lumMod val="75000"/>
+                                    <a:lumOff val="25000"/>
+                                  </a:schemeClr>
+                                </a:solidFill>
+                                <a:latin typeface="Cambria Math" panose="02040503050406030204" pitchFamily="18" charset="0"/>
+                              </a:rPr>
+                              <m:t>𝑳</m:t>
+                            </m:r>
+                          </m:e>
+                          <m:sub>
+                            <m:r>
+                              <a:rPr lang="fr-FR" sz="2800" b="1" i="1">
+                                <a:solidFill>
+                                  <a:schemeClr val="tx1">
+                                    <a:lumMod val="75000"/>
+                                    <a:lumOff val="25000"/>
+                                  </a:schemeClr>
+                                </a:solidFill>
+                                <a:latin typeface="Cambria Math" panose="02040503050406030204" pitchFamily="18" charset="0"/>
+                              </a:rPr>
+                              <m:t>𝟏</m:t>
+                            </m:r>
+                          </m:sub>
+                        </m:sSub>
+                      </m:den>
+                    </m:f>
+                    <m:r>
+                      <a:rPr lang="fr-FR" sz="2800" b="1" i="1">
+                        <a:solidFill>
+                          <a:schemeClr val="tx1">
+                            <a:lumMod val="75000"/>
+                            <a:lumOff val="25000"/>
+                          </a:schemeClr>
+                        </a:solidFill>
+                        <a:latin typeface="Cambria Math" panose="02040503050406030204" pitchFamily="18" charset="0"/>
+                      </a:rPr>
+                      <m:t>. </m:t>
+                    </m:r>
+                    <m:f>
+                      <m:fPr>
+                        <m:ctrlPr>
+                          <a:rPr lang="fr-FR" sz="2800" b="1" i="1">
+                            <a:solidFill>
+                              <a:schemeClr val="tx1">
+                                <a:lumMod val="75000"/>
+                                <a:lumOff val="25000"/>
+                              </a:schemeClr>
+                            </a:solidFill>
+                            <a:latin typeface="Cambria Math" panose="02040503050406030204" pitchFamily="18" charset="0"/>
+                            <a:ea typeface="Cambria Math" panose="02040503050406030204" pitchFamily="18" charset="0"/>
+                          </a:rPr>
+                        </m:ctrlPr>
+                      </m:fPr>
+                      <m:num>
+                        <m:r>
+                          <a:rPr lang="fr-FR" sz="2800" b="1" i="1">
+                            <a:solidFill>
+                              <a:schemeClr val="tx1">
+                                <a:lumMod val="75000"/>
+                                <a:lumOff val="25000"/>
+                              </a:schemeClr>
+                            </a:solidFill>
+                            <a:latin typeface="Cambria Math" panose="02040503050406030204" pitchFamily="18" charset="0"/>
+                            <a:ea typeface="Cambria Math" panose="02040503050406030204" pitchFamily="18" charset="0"/>
+                          </a:rPr>
+                          <m:t>𝒅</m:t>
+                        </m:r>
+                        <m:r>
+                          <a:rPr lang="fr-FR" sz="2800" b="1" i="1">
+                            <a:solidFill>
+                              <a:schemeClr val="tx1">
+                                <a:lumMod val="75000"/>
+                                <a:lumOff val="25000"/>
+                              </a:schemeClr>
+                            </a:solidFill>
+                            <a:latin typeface="Cambria Math" panose="02040503050406030204" pitchFamily="18" charset="0"/>
+                            <a:ea typeface="Cambria Math" panose="02040503050406030204" pitchFamily="18" charset="0"/>
+                          </a:rPr>
+                          <m:t> </m:t>
+                        </m:r>
+                        <m:sSub>
+                          <m:sSubPr>
+                            <m:ctrlPr>
+                              <a:rPr lang="fr-FR" sz="2800" b="1" i="1">
+                                <a:solidFill>
+                                  <a:schemeClr val="tx1">
+                                    <a:lumMod val="75000"/>
+                                    <a:lumOff val="25000"/>
+                                  </a:schemeClr>
+                                </a:solidFill>
+                                <a:latin typeface="Cambria Math" panose="02040503050406030204" pitchFamily="18" charset="0"/>
+                              </a:rPr>
+                            </m:ctrlPr>
+                          </m:sSubPr>
+                          <m:e>
+                            <m:r>
+                              <a:rPr lang="fr-FR" sz="2800" b="1" i="1">
+                                <a:solidFill>
+                                  <a:schemeClr val="tx1">
+                                    <a:lumMod val="75000"/>
+                                    <a:lumOff val="25000"/>
+                                  </a:schemeClr>
+                                </a:solidFill>
+                                <a:latin typeface="Cambria Math" panose="02040503050406030204" pitchFamily="18" charset="0"/>
+                              </a:rPr>
+                              <m:t>𝑽</m:t>
+                            </m:r>
+                          </m:e>
+                          <m:sub>
+                            <m:r>
+                              <a:rPr lang="fr-FR" sz="2800" b="1" i="1">
+                                <a:solidFill>
+                                  <a:schemeClr val="tx1">
+                                    <a:lumMod val="75000"/>
+                                    <a:lumOff val="25000"/>
+                                  </a:schemeClr>
+                                </a:solidFill>
+                                <a:latin typeface="Cambria Math" panose="02040503050406030204" pitchFamily="18" charset="0"/>
+                              </a:rPr>
+                              <m:t>𝒔</m:t>
+                            </m:r>
+                          </m:sub>
+                        </m:sSub>
+                      </m:num>
+                      <m:den>
+                        <m:r>
+                          <a:rPr lang="fr-FR" sz="2800" b="1" i="1">
+                            <a:solidFill>
+                              <a:schemeClr val="tx1">
+                                <a:lumMod val="75000"/>
+                                <a:lumOff val="25000"/>
+                              </a:schemeClr>
+                            </a:solidFill>
+                            <a:latin typeface="Cambria Math" panose="02040503050406030204" pitchFamily="18" charset="0"/>
+                            <a:ea typeface="Cambria Math" panose="02040503050406030204" pitchFamily="18" charset="0"/>
+                          </a:rPr>
+                          <m:t>𝒅𝒕</m:t>
+                        </m:r>
+                      </m:den>
+                    </m:f>
+                    <m:r>
+                      <a:rPr lang="fr-FR" sz="2800" b="1" i="1" smtClean="0">
+                        <a:solidFill>
+                          <a:schemeClr val="tx1">
+                            <a:lumMod val="75000"/>
+                            <a:lumOff val="25000"/>
+                          </a:schemeClr>
+                        </a:solidFill>
+                        <a:latin typeface="Cambria Math" panose="02040503050406030204" pitchFamily="18" charset="0"/>
+                        <a:ea typeface="Cambria Math" panose="02040503050406030204" pitchFamily="18" charset="0"/>
+                      </a:rPr>
+                      <m:t>−</m:t>
+                    </m:r>
+                    <m:f>
+                      <m:fPr>
+                        <m:ctrlPr>
+                          <a:rPr lang="fr-FR" sz="2800" b="1" i="1" smtClean="0">
+                            <a:solidFill>
+                              <a:schemeClr val="tx1">
+                                <a:lumMod val="75000"/>
+                                <a:lumOff val="25000"/>
+                              </a:schemeClr>
+                            </a:solidFill>
+                            <a:latin typeface="Cambria Math" panose="02040503050406030204" pitchFamily="18" charset="0"/>
+                            <a:ea typeface="Cambria Math" panose="02040503050406030204" pitchFamily="18" charset="0"/>
+                          </a:rPr>
+                        </m:ctrlPr>
+                      </m:fPr>
+                      <m:num>
+                        <m:r>
+                          <a:rPr lang="fr-FR" sz="2800" b="1" i="1" smtClean="0">
+                            <a:solidFill>
+                              <a:schemeClr val="tx1">
+                                <a:lumMod val="75000"/>
+                                <a:lumOff val="25000"/>
+                              </a:schemeClr>
+                            </a:solidFill>
+                            <a:latin typeface="Cambria Math" panose="02040503050406030204" pitchFamily="18" charset="0"/>
+                            <a:ea typeface="Cambria Math" panose="02040503050406030204" pitchFamily="18" charset="0"/>
+                          </a:rPr>
+                          <m:t>𝟏</m:t>
+                        </m:r>
+                      </m:num>
+                      <m:den>
+                        <m:sSub>
+                          <m:sSubPr>
+                            <m:ctrlPr>
+                              <a:rPr lang="fr-FR" sz="2800" b="1" i="1">
+                                <a:solidFill>
+                                  <a:schemeClr val="tx1">
+                                    <a:lumMod val="75000"/>
+                                    <a:lumOff val="25000"/>
+                                  </a:schemeClr>
+                                </a:solidFill>
+                                <a:latin typeface="Cambria Math" panose="02040503050406030204" pitchFamily="18" charset="0"/>
+                              </a:rPr>
+                            </m:ctrlPr>
+                          </m:sSubPr>
+                          <m:e>
+                            <m:r>
+                              <a:rPr lang="fr-FR" sz="2800" b="1" i="1">
+                                <a:solidFill>
+                                  <a:schemeClr val="tx1">
+                                    <a:lumMod val="75000"/>
+                                    <a:lumOff val="25000"/>
+                                  </a:schemeClr>
+                                </a:solidFill>
+                                <a:latin typeface="Cambria Math" panose="02040503050406030204" pitchFamily="18" charset="0"/>
+                              </a:rPr>
+                              <m:t>𝑳</m:t>
+                            </m:r>
+                          </m:e>
+                          <m:sub>
+                            <m:r>
+                              <a:rPr lang="fr-FR" sz="2800" b="1" i="1">
+                                <a:solidFill>
+                                  <a:schemeClr val="tx1">
+                                    <a:lumMod val="75000"/>
+                                    <a:lumOff val="25000"/>
+                                  </a:schemeClr>
+                                </a:solidFill>
+                                <a:latin typeface="Cambria Math" panose="02040503050406030204" pitchFamily="18" charset="0"/>
+                              </a:rPr>
+                              <m:t>𝟏</m:t>
+                            </m:r>
+                          </m:sub>
+                        </m:sSub>
+                        <m:r>
+                          <a:rPr lang="fr-FR" sz="2800" b="1" i="1">
+                            <a:solidFill>
+                              <a:schemeClr val="tx1">
+                                <a:lumMod val="75000"/>
+                                <a:lumOff val="25000"/>
+                              </a:schemeClr>
+                            </a:solidFill>
+                            <a:latin typeface="Cambria Math" panose="02040503050406030204" pitchFamily="18" charset="0"/>
+                          </a:rPr>
+                          <m:t>.</m:t>
+                        </m:r>
+                        <m:sSub>
+                          <m:sSubPr>
+                            <m:ctrlPr>
+                              <a:rPr lang="fr-FR" sz="2800" b="1" i="1">
+                                <a:solidFill>
+                                  <a:schemeClr val="tx1">
+                                    <a:lumMod val="75000"/>
+                                    <a:lumOff val="25000"/>
+                                  </a:schemeClr>
+                                </a:solidFill>
+                                <a:latin typeface="Cambria Math" panose="02040503050406030204" pitchFamily="18" charset="0"/>
+                              </a:rPr>
+                            </m:ctrlPr>
+                          </m:sSubPr>
+                          <m:e>
+                            <m:r>
+                              <a:rPr lang="fr-FR" sz="2800" b="1" i="1">
+                                <a:solidFill>
+                                  <a:schemeClr val="tx1">
+                                    <a:lumMod val="75000"/>
+                                    <a:lumOff val="25000"/>
+                                  </a:schemeClr>
+                                </a:solidFill>
+                                <a:latin typeface="Cambria Math" panose="02040503050406030204" pitchFamily="18" charset="0"/>
+                              </a:rPr>
+                              <m:t>𝑪</m:t>
+                            </m:r>
+                          </m:e>
+                          <m:sub>
+                            <m:r>
+                              <a:rPr lang="fr-FR" sz="2800" b="1" i="1">
+                                <a:solidFill>
+                                  <a:schemeClr val="tx1">
+                                    <a:lumMod val="75000"/>
+                                    <a:lumOff val="25000"/>
+                                  </a:schemeClr>
+                                </a:solidFill>
+                                <a:latin typeface="Cambria Math" panose="02040503050406030204" pitchFamily="18" charset="0"/>
+                              </a:rPr>
+                              <m:t>𝟏</m:t>
+                            </m:r>
+                          </m:sub>
+                        </m:sSub>
+                      </m:den>
+                    </m:f>
+                    <m:sSub>
+                      <m:sSubPr>
+                        <m:ctrlPr>
+                          <a:rPr lang="fr-FR" sz="2800" b="1" i="1">
+                            <a:solidFill>
+                              <a:schemeClr val="tx1">
+                                <a:lumMod val="75000"/>
+                                <a:lumOff val="25000"/>
+                              </a:schemeClr>
+                            </a:solidFill>
+                            <a:latin typeface="Cambria Math" panose="02040503050406030204" pitchFamily="18" charset="0"/>
+                          </a:rPr>
+                        </m:ctrlPr>
+                      </m:sSubPr>
+                      <m:e>
+                        <m:r>
+                          <a:rPr lang="fr-FR" sz="2800" b="1" i="1" smtClean="0">
+                            <a:solidFill>
+                              <a:schemeClr val="tx1">
+                                <a:lumMod val="75000"/>
+                                <a:lumOff val="25000"/>
+                              </a:schemeClr>
+                            </a:solidFill>
+                            <a:latin typeface="Cambria Math" panose="02040503050406030204" pitchFamily="18" charset="0"/>
+                          </a:rPr>
+                          <m:t>(</m:t>
+                        </m:r>
+                        <m:r>
+                          <a:rPr lang="fr-FR" sz="2800" b="1" i="1">
+                            <a:solidFill>
+                              <a:schemeClr val="tx1">
+                                <a:lumMod val="75000"/>
+                                <a:lumOff val="25000"/>
+                              </a:schemeClr>
+                            </a:solidFill>
+                            <a:latin typeface="Cambria Math" panose="02040503050406030204" pitchFamily="18" charset="0"/>
+                          </a:rPr>
+                          <m:t>𝑽</m:t>
+                        </m:r>
+                      </m:e>
+                      <m:sub>
+                        <m:r>
+                          <a:rPr lang="fr-FR" sz="2800" b="1" i="1">
+                            <a:solidFill>
+                              <a:schemeClr val="tx1">
+                                <a:lumMod val="75000"/>
+                                <a:lumOff val="25000"/>
+                              </a:schemeClr>
+                            </a:solidFill>
+                            <a:latin typeface="Cambria Math" panose="02040503050406030204" pitchFamily="18" charset="0"/>
+                          </a:rPr>
+                          <m:t>𝒔</m:t>
+                        </m:r>
+                      </m:sub>
+                    </m:sSub>
+                    <m:r>
+                      <a:rPr lang="fr-FR" sz="2800" b="1" i="1" smtClean="0">
+                        <a:solidFill>
+                          <a:schemeClr val="tx1">
+                            <a:lumMod val="75000"/>
+                            <a:lumOff val="25000"/>
+                          </a:schemeClr>
+                        </a:solidFill>
+                        <a:latin typeface="Cambria Math" panose="02040503050406030204" pitchFamily="18" charset="0"/>
+                      </a:rPr>
+                      <m:t>−</m:t>
+                    </m:r>
+                    <m:sSub>
+                      <m:sSubPr>
+                        <m:ctrlPr>
+                          <a:rPr lang="fr-FR" sz="2800" b="1" i="1">
+                            <a:solidFill>
+                              <a:schemeClr val="tx1">
+                                <a:lumMod val="75000"/>
+                                <a:lumOff val="25000"/>
+                              </a:schemeClr>
+                            </a:solidFill>
+                            <a:latin typeface="Cambria Math" panose="02040503050406030204" pitchFamily="18" charset="0"/>
+                          </a:rPr>
+                        </m:ctrlPr>
+                      </m:sSubPr>
+                      <m:e>
+                        <m:r>
+                          <a:rPr lang="fr-FR" sz="2800" b="1" i="1">
+                            <a:solidFill>
+                              <a:schemeClr val="tx1">
+                                <a:lumMod val="75000"/>
+                                <a:lumOff val="25000"/>
+                              </a:schemeClr>
+                            </a:solidFill>
+                            <a:latin typeface="Cambria Math" panose="02040503050406030204" pitchFamily="18" charset="0"/>
+                          </a:rPr>
+                          <m:t>𝑽</m:t>
+                        </m:r>
+                      </m:e>
+                      <m:sub>
+                        <m:r>
+                          <a:rPr lang="fr-FR" sz="2800" b="1" i="1">
+                            <a:solidFill>
+                              <a:schemeClr val="tx1">
+                                <a:lumMod val="75000"/>
+                                <a:lumOff val="25000"/>
+                              </a:schemeClr>
+                            </a:solidFill>
+                            <a:latin typeface="Cambria Math" panose="02040503050406030204" pitchFamily="18" charset="0"/>
+                          </a:rPr>
+                          <m:t>𝒆</m:t>
+                        </m:r>
+                      </m:sub>
+                    </m:sSub>
+                  </m:oMath>
+                </a14:m>
+                <a:r>
+                  <a:rPr lang="fr-FR" sz="2800" dirty="0">
+                    <a:solidFill>
+                      <a:schemeClr val="tx1">
+                        <a:lumMod val="75000"/>
+                        <a:lumOff val="25000"/>
+                      </a:schemeClr>
+                    </a:solidFill>
+                  </a:rPr>
+                  <a:t>)</a:t>
+                </a:r>
+              </a:p>
+            </p:txBody>
+          </p:sp>
+        </mc:Choice>
+        <mc:Fallback xmlns="">
+          <p:sp>
+            <p:nvSpPr>
+              <p:cNvPr id="8" name="ZoneTexte 7">
+                <a:extLst>
+                  <a:ext uri="{FF2B5EF4-FFF2-40B4-BE49-F238E27FC236}">
+                    <a16:creationId xmlns:a16="http://schemas.microsoft.com/office/drawing/2014/main" id="{F1AD8139-D919-B8A3-F715-12382BACD5AD}"/>
+                  </a:ext>
+                </a:extLst>
+              </p:cNvPr>
+              <p:cNvSpPr txBox="1">
+                <a:spLocks noRot="1" noChangeAspect="1" noMove="1" noResize="1" noEditPoints="1" noAdjustHandles="1" noChangeArrowheads="1" noChangeShapeType="1" noTextEdit="1"/>
+              </p:cNvSpPr>
+              <p:nvPr/>
+            </p:nvSpPr>
+            <p:spPr>
+              <a:xfrm>
+                <a:off x="6712484" y="3758689"/>
+                <a:ext cx="4926670" cy="738023"/>
+              </a:xfrm>
+              <a:prstGeom prst="rect">
+                <a:avLst/>
+              </a:prstGeom>
+              <a:blipFill>
+                <a:blip r:embed="rId4"/>
+                <a:stretch>
+                  <a:fillRect r="-3465" b="-9091"/>
+                </a:stretch>
+              </a:blipFill>
+            </p:spPr>
+            <p:txBody>
+              <a:bodyPr/>
+              <a:lstStyle/>
+              <a:p>
+                <a:r>
+                  <a:rPr lang="fr-FR">
+                    <a:noFill/>
+                  </a:rPr>
+                  <a:t> </a:t>
+                </a:r>
+              </a:p>
+            </p:txBody>
+          </p:sp>
+        </mc:Fallback>
+      </mc:AlternateContent>
+      <p:sp>
+        <p:nvSpPr>
+          <p:cNvPr id="9" name="Flèche : droite 8">
+            <a:extLst>
+              <a:ext uri="{FF2B5EF4-FFF2-40B4-BE49-F238E27FC236}">
+                <a16:creationId xmlns:a16="http://schemas.microsoft.com/office/drawing/2014/main" id="{E612A395-A8B8-8E09-7296-004C13DECC50}"/>
+              </a:ext>
+            </a:extLst>
+          </p:cNvPr>
+          <p:cNvSpPr/>
+          <p:nvPr/>
+        </p:nvSpPr>
+        <p:spPr>
+          <a:xfrm>
+            <a:off x="6289906" y="3953266"/>
+            <a:ext cx="211393" cy="348868"/>
+          </a:xfrm>
+          <a:prstGeom prst="rightArrow">
+            <a:avLst>
+              <a:gd name="adj1" fmla="val 28940"/>
+              <a:gd name="adj2" fmla="val 75733"/>
+            </a:avLst>
+          </a:prstGeom>
+          <a:solidFill>
+            <a:srgbClr val="404040"/>
+          </a:solidFill>
+          <a:ln>
+            <a:noFill/>
+          </a:ln>
+        </p:spPr>
+        <p:style>
+          <a:lnRef idx="2">
+            <a:schemeClr val="accent1">
+              <a:shade val="50000"/>
+            </a:schemeClr>
+          </a:lnRef>
+          <a:fillRef idx="1">
+            <a:schemeClr val="accent1"/>
+          </a:fillRef>
+          <a:effectRef idx="0">
+            <a:schemeClr val="accent1"/>
+          </a:effectRef>
+          <a:fontRef idx="minor">
+            <a:schemeClr val="lt1"/>
+          </a:fontRef>
+        </p:style>
+        <p:txBody>
+          <a:bodyPr rtlCol="0" anchor="ctr"/>
+          <a:lstStyle/>
+          <a:p>
+            <a:pPr algn="ctr"/>
+            <a:endParaRPr lang="fr-FR"/>
+          </a:p>
+        </p:txBody>
+      </p:sp>
+      <mc:AlternateContent xmlns:mc="http://schemas.openxmlformats.org/markup-compatibility/2006" xmlns:a14="http://schemas.microsoft.com/office/drawing/2010/main">
+        <mc:Choice Requires="a14">
+          <p:sp>
+            <p:nvSpPr>
+              <p:cNvPr id="10" name="ZoneTexte 9">
+                <a:extLst>
+                  <a:ext uri="{FF2B5EF4-FFF2-40B4-BE49-F238E27FC236}">
+                    <a16:creationId xmlns:a16="http://schemas.microsoft.com/office/drawing/2014/main" id="{3CDB3155-B18E-E7DC-04AA-4FEF7D492932}"/>
+                  </a:ext>
+                </a:extLst>
+              </p:cNvPr>
+              <p:cNvSpPr txBox="1"/>
+              <p:nvPr/>
+            </p:nvSpPr>
+            <p:spPr>
+              <a:xfrm>
+                <a:off x="3474747" y="5016902"/>
+                <a:ext cx="4309065" cy="1634102"/>
+              </a:xfrm>
+              <a:prstGeom prst="rect">
+                <a:avLst/>
+              </a:prstGeom>
+              <a:solidFill>
+                <a:schemeClr val="bg2"/>
+              </a:solidFill>
+            </p:spPr>
+            <p:txBody>
+              <a:bodyPr wrap="none" lIns="0" tIns="0" rIns="0" bIns="0" rtlCol="0">
+                <a:spAutoFit/>
+              </a:bodyPr>
+              <a:lstStyle/>
+              <a:p>
+                <a:pPr/>
+                <a14:m>
+                  <m:oMathPara xmlns:m="http://schemas.openxmlformats.org/officeDocument/2006/math">
+                    <m:oMathParaPr>
+                      <m:jc m:val="left"/>
+                    </m:oMathParaPr>
+                    <m:oMath xmlns:m="http://schemas.openxmlformats.org/officeDocument/2006/math">
+                      <m:f>
+                        <m:fPr>
+                          <m:ctrlPr>
+                            <a:rPr lang="fr-FR" sz="2000" b="1" i="1" smtClean="0">
+                              <a:solidFill>
+                                <a:schemeClr val="tx1">
+                                  <a:lumMod val="75000"/>
+                                  <a:lumOff val="25000"/>
+                                </a:schemeClr>
+                              </a:solidFill>
+                              <a:latin typeface="Cambria Math" panose="02040503050406030204" pitchFamily="18" charset="0"/>
+                              <a:ea typeface="Cambria Math" panose="02040503050406030204" pitchFamily="18" charset="0"/>
+                            </a:rPr>
+                          </m:ctrlPr>
+                        </m:fPr>
+                        <m:num>
+                          <m:r>
+                            <a:rPr lang="fr-FR" sz="2000" b="1" i="1">
+                              <a:solidFill>
+                                <a:schemeClr val="tx1">
+                                  <a:lumMod val="75000"/>
+                                  <a:lumOff val="25000"/>
+                                </a:schemeClr>
+                              </a:solidFill>
+                              <a:latin typeface="Cambria Math" panose="02040503050406030204" pitchFamily="18" charset="0"/>
+                              <a:ea typeface="Cambria Math" panose="02040503050406030204" pitchFamily="18" charset="0"/>
+                            </a:rPr>
+                            <m:t>𝒅</m:t>
+                          </m:r>
+                          <m:r>
+                            <a:rPr lang="fr-FR" sz="2000" b="1" i="1">
+                              <a:solidFill>
+                                <a:schemeClr val="tx1">
+                                  <a:lumMod val="75000"/>
+                                  <a:lumOff val="25000"/>
+                                </a:schemeClr>
+                              </a:solidFill>
+                              <a:latin typeface="Cambria Math" panose="02040503050406030204" pitchFamily="18" charset="0"/>
+                              <a:ea typeface="Cambria Math" panose="02040503050406030204" pitchFamily="18" charset="0"/>
+                            </a:rPr>
+                            <m:t> </m:t>
+                          </m:r>
+                          <m:sSub>
+                            <m:sSubPr>
+                              <m:ctrlPr>
+                                <a:rPr lang="fr-FR" sz="2000" b="1" i="1">
+                                  <a:solidFill>
+                                    <a:schemeClr val="tx1">
+                                      <a:lumMod val="75000"/>
+                                      <a:lumOff val="25000"/>
+                                    </a:schemeClr>
+                                  </a:solidFill>
+                                  <a:latin typeface="Cambria Math" panose="02040503050406030204" pitchFamily="18" charset="0"/>
+                                </a:rPr>
+                              </m:ctrlPr>
+                            </m:sSubPr>
+                            <m:e>
+                              <m:r>
+                                <a:rPr lang="fr-FR" sz="2000" b="1" i="1">
+                                  <a:solidFill>
+                                    <a:schemeClr val="tx1">
+                                      <a:lumMod val="75000"/>
+                                      <a:lumOff val="25000"/>
+                                    </a:schemeClr>
+                                  </a:solidFill>
+                                  <a:latin typeface="Cambria Math" panose="02040503050406030204" pitchFamily="18" charset="0"/>
+                                </a:rPr>
+                                <m:t>𝑽</m:t>
+                              </m:r>
+                            </m:e>
+                            <m:sub>
+                              <m:r>
+                                <a:rPr lang="fr-FR" sz="2000" b="1" i="1">
+                                  <a:solidFill>
+                                    <a:schemeClr val="tx1">
+                                      <a:lumMod val="75000"/>
+                                      <a:lumOff val="25000"/>
+                                    </a:schemeClr>
+                                  </a:solidFill>
+                                  <a:latin typeface="Cambria Math" panose="02040503050406030204" pitchFamily="18" charset="0"/>
+                                </a:rPr>
+                                <m:t>𝒔</m:t>
+                              </m:r>
+                            </m:sub>
+                          </m:sSub>
+                        </m:num>
+                        <m:den>
+                          <m:r>
+                            <a:rPr lang="fr-FR" sz="2000" b="1" i="1">
+                              <a:solidFill>
+                                <a:schemeClr val="tx1">
+                                  <a:lumMod val="75000"/>
+                                  <a:lumOff val="25000"/>
+                                </a:schemeClr>
+                              </a:solidFill>
+                              <a:latin typeface="Cambria Math" panose="02040503050406030204" pitchFamily="18" charset="0"/>
+                              <a:ea typeface="Cambria Math" panose="02040503050406030204" pitchFamily="18" charset="0"/>
+                            </a:rPr>
+                            <m:t>𝒅𝒕</m:t>
+                          </m:r>
+                        </m:den>
+                      </m:f>
+                      <m:r>
+                        <a:rPr lang="fr-FR" sz="2000" b="1" i="1" smtClean="0">
+                          <a:solidFill>
+                            <a:schemeClr val="tx1">
+                              <a:lumMod val="75000"/>
+                              <a:lumOff val="25000"/>
+                            </a:schemeClr>
+                          </a:solidFill>
+                          <a:latin typeface="Cambria Math" panose="02040503050406030204" pitchFamily="18" charset="0"/>
+                          <a:ea typeface="Cambria Math" panose="02040503050406030204" pitchFamily="18" charset="0"/>
+                        </a:rPr>
+                        <m:t>=</m:t>
+                      </m:r>
+                      <m:r>
+                        <a:rPr lang="fr-FR" sz="2000" b="1" i="1" smtClean="0">
+                          <a:solidFill>
+                            <a:schemeClr val="tx1">
+                              <a:lumMod val="75000"/>
+                              <a:lumOff val="25000"/>
+                            </a:schemeClr>
+                          </a:solidFill>
+                          <a:latin typeface="Cambria Math" panose="02040503050406030204" pitchFamily="18" charset="0"/>
+                          <a:ea typeface="Cambria Math" panose="02040503050406030204" pitchFamily="18" charset="0"/>
+                        </a:rPr>
+                        <m:t>𝒖</m:t>
+                      </m:r>
+                    </m:oMath>
+                  </m:oMathPara>
+                </a14:m>
+                <a:endParaRPr lang="fr-FR" sz="2000" dirty="0">
+                  <a:solidFill>
+                    <a:schemeClr val="tx1">
+                      <a:lumMod val="75000"/>
+                      <a:lumOff val="25000"/>
+                    </a:schemeClr>
+                  </a:solidFill>
+                </a:endParaRPr>
+              </a:p>
+              <a:p>
+                <a:endParaRPr lang="fr-FR" sz="2400" dirty="0">
+                  <a:solidFill>
+                    <a:schemeClr val="tx1">
+                      <a:lumMod val="75000"/>
+                      <a:lumOff val="25000"/>
+                    </a:schemeClr>
+                  </a:solidFill>
+                </a:endParaRPr>
+              </a:p>
+              <a:p>
+                <a14:m>
+                  <m:oMath xmlns:m="http://schemas.openxmlformats.org/officeDocument/2006/math">
+                    <m:f>
+                      <m:fPr>
+                        <m:ctrlPr>
+                          <a:rPr lang="fr-FR" sz="2800" b="1" i="1" smtClean="0">
+                            <a:solidFill>
+                              <a:schemeClr val="tx1">
+                                <a:lumMod val="75000"/>
+                                <a:lumOff val="25000"/>
+                              </a:schemeClr>
+                            </a:solidFill>
+                            <a:latin typeface="Cambria Math" panose="02040503050406030204" pitchFamily="18" charset="0"/>
+                            <a:ea typeface="Cambria Math" panose="02040503050406030204" pitchFamily="18" charset="0"/>
+                          </a:rPr>
+                        </m:ctrlPr>
+                      </m:fPr>
+                      <m:num>
+                        <m:r>
+                          <a:rPr lang="fr-FR" sz="2800" b="1" i="1" smtClean="0">
+                            <a:solidFill>
+                              <a:schemeClr val="tx1">
+                                <a:lumMod val="75000"/>
+                                <a:lumOff val="25000"/>
+                              </a:schemeClr>
+                            </a:solidFill>
+                            <a:latin typeface="Cambria Math" panose="02040503050406030204" pitchFamily="18" charset="0"/>
+                            <a:ea typeface="Cambria Math" panose="02040503050406030204" pitchFamily="18" charset="0"/>
+                          </a:rPr>
+                          <m:t>𝒅𝒖</m:t>
+                        </m:r>
+                      </m:num>
+                      <m:den>
+                        <m:r>
+                          <a:rPr lang="fr-FR" sz="2800" b="1" i="1">
+                            <a:solidFill>
+                              <a:schemeClr val="tx1">
+                                <a:lumMod val="75000"/>
+                                <a:lumOff val="25000"/>
+                              </a:schemeClr>
+                            </a:solidFill>
+                            <a:latin typeface="Cambria Math" panose="02040503050406030204" pitchFamily="18" charset="0"/>
+                            <a:ea typeface="Cambria Math" panose="02040503050406030204" pitchFamily="18" charset="0"/>
+                          </a:rPr>
+                          <m:t>𝒅</m:t>
+                        </m:r>
+                        <m:r>
+                          <a:rPr lang="fr-FR" sz="2800" b="1" i="1" smtClean="0">
+                            <a:solidFill>
+                              <a:schemeClr val="tx1">
+                                <a:lumMod val="75000"/>
+                                <a:lumOff val="25000"/>
+                              </a:schemeClr>
+                            </a:solidFill>
+                            <a:latin typeface="Cambria Math" panose="02040503050406030204" pitchFamily="18" charset="0"/>
+                            <a:ea typeface="Cambria Math" panose="02040503050406030204" pitchFamily="18" charset="0"/>
+                          </a:rPr>
+                          <m:t>𝒕</m:t>
+                        </m:r>
+                      </m:den>
+                    </m:f>
+                    <m:r>
+                      <a:rPr lang="fr-FR" sz="2800" b="1" i="1" smtClean="0">
+                        <a:solidFill>
+                          <a:schemeClr val="tx1">
+                            <a:lumMod val="75000"/>
+                            <a:lumOff val="25000"/>
+                          </a:schemeClr>
+                        </a:solidFill>
+                        <a:latin typeface="Cambria Math" panose="02040503050406030204" pitchFamily="18" charset="0"/>
+                        <a:ea typeface="Cambria Math" panose="02040503050406030204" pitchFamily="18" charset="0"/>
+                      </a:rPr>
+                      <m:t>=−</m:t>
+                    </m:r>
+                    <m:f>
+                      <m:fPr>
+                        <m:ctrlPr>
+                          <a:rPr lang="fr-FR" sz="2800" b="1" i="1" smtClean="0">
+                            <a:solidFill>
+                              <a:schemeClr val="tx1">
+                                <a:lumMod val="75000"/>
+                                <a:lumOff val="25000"/>
+                              </a:schemeClr>
+                            </a:solidFill>
+                            <a:latin typeface="Cambria Math" panose="02040503050406030204" pitchFamily="18" charset="0"/>
+                            <a:ea typeface="Cambria Math" panose="02040503050406030204" pitchFamily="18" charset="0"/>
+                          </a:rPr>
+                        </m:ctrlPr>
+                      </m:fPr>
+                      <m:num>
+                        <m:sSub>
+                          <m:sSubPr>
+                            <m:ctrlPr>
+                              <a:rPr lang="fr-FR" sz="2800" b="1" i="1">
+                                <a:solidFill>
+                                  <a:schemeClr val="tx1">
+                                    <a:lumMod val="75000"/>
+                                    <a:lumOff val="25000"/>
+                                  </a:schemeClr>
+                                </a:solidFill>
+                                <a:latin typeface="Cambria Math" panose="02040503050406030204" pitchFamily="18" charset="0"/>
+                              </a:rPr>
+                            </m:ctrlPr>
+                          </m:sSubPr>
+                          <m:e>
+                            <m:r>
+                              <a:rPr lang="fr-FR" sz="2800" b="1" i="1">
+                                <a:solidFill>
+                                  <a:schemeClr val="tx1">
+                                    <a:lumMod val="75000"/>
+                                    <a:lumOff val="25000"/>
+                                  </a:schemeClr>
+                                </a:solidFill>
+                                <a:latin typeface="Cambria Math" panose="02040503050406030204" pitchFamily="18" charset="0"/>
+                              </a:rPr>
+                              <m:t>𝑹</m:t>
+                            </m:r>
+                          </m:e>
+                          <m:sub>
+                            <m:r>
+                              <a:rPr lang="fr-FR" sz="2800" b="1" i="1">
+                                <a:solidFill>
+                                  <a:schemeClr val="tx1">
+                                    <a:lumMod val="75000"/>
+                                    <a:lumOff val="25000"/>
+                                  </a:schemeClr>
+                                </a:solidFill>
+                                <a:latin typeface="Cambria Math" panose="02040503050406030204" pitchFamily="18" charset="0"/>
+                              </a:rPr>
+                              <m:t>𝟏</m:t>
+                            </m:r>
+                          </m:sub>
+                        </m:sSub>
+                      </m:num>
+                      <m:den>
+                        <m:sSub>
+                          <m:sSubPr>
+                            <m:ctrlPr>
+                              <a:rPr lang="fr-FR" sz="2800" b="1" i="1">
+                                <a:solidFill>
+                                  <a:schemeClr val="tx1">
+                                    <a:lumMod val="75000"/>
+                                    <a:lumOff val="25000"/>
+                                  </a:schemeClr>
+                                </a:solidFill>
+                                <a:latin typeface="Cambria Math" panose="02040503050406030204" pitchFamily="18" charset="0"/>
+                              </a:rPr>
+                            </m:ctrlPr>
+                          </m:sSubPr>
+                          <m:e>
+                            <m:r>
+                              <a:rPr lang="fr-FR" sz="2800" b="1" i="1">
+                                <a:solidFill>
+                                  <a:schemeClr val="tx1">
+                                    <a:lumMod val="75000"/>
+                                    <a:lumOff val="25000"/>
+                                  </a:schemeClr>
+                                </a:solidFill>
+                                <a:latin typeface="Cambria Math" panose="02040503050406030204" pitchFamily="18" charset="0"/>
+                              </a:rPr>
+                              <m:t>𝑳</m:t>
+                            </m:r>
+                          </m:e>
+                          <m:sub>
+                            <m:r>
+                              <a:rPr lang="fr-FR" sz="2800" b="1" i="1">
+                                <a:solidFill>
+                                  <a:schemeClr val="tx1">
+                                    <a:lumMod val="75000"/>
+                                    <a:lumOff val="25000"/>
+                                  </a:schemeClr>
+                                </a:solidFill>
+                                <a:latin typeface="Cambria Math" panose="02040503050406030204" pitchFamily="18" charset="0"/>
+                              </a:rPr>
+                              <m:t>𝟏</m:t>
+                            </m:r>
+                          </m:sub>
+                        </m:sSub>
+                      </m:den>
+                    </m:f>
+                    <m:r>
+                      <a:rPr lang="fr-FR" sz="2800" b="1" i="1">
+                        <a:solidFill>
+                          <a:schemeClr val="tx1">
+                            <a:lumMod val="75000"/>
+                            <a:lumOff val="25000"/>
+                          </a:schemeClr>
+                        </a:solidFill>
+                        <a:latin typeface="Cambria Math" panose="02040503050406030204" pitchFamily="18" charset="0"/>
+                      </a:rPr>
+                      <m:t>. </m:t>
+                    </m:r>
+                    <m:r>
+                      <a:rPr lang="fr-FR" sz="2800" b="1" i="1" smtClean="0">
+                        <a:solidFill>
+                          <a:schemeClr val="tx1">
+                            <a:lumMod val="75000"/>
+                            <a:lumOff val="25000"/>
+                          </a:schemeClr>
+                        </a:solidFill>
+                        <a:latin typeface="Cambria Math" panose="02040503050406030204" pitchFamily="18" charset="0"/>
+                        <a:ea typeface="Cambria Math" panose="02040503050406030204" pitchFamily="18" charset="0"/>
+                      </a:rPr>
+                      <m:t>𝒖</m:t>
+                    </m:r>
+                    <m:r>
+                      <a:rPr lang="fr-FR" sz="2800" b="1" i="1" smtClean="0">
+                        <a:solidFill>
+                          <a:schemeClr val="tx1">
+                            <a:lumMod val="75000"/>
+                            <a:lumOff val="25000"/>
+                          </a:schemeClr>
+                        </a:solidFill>
+                        <a:latin typeface="Cambria Math" panose="02040503050406030204" pitchFamily="18" charset="0"/>
+                        <a:ea typeface="Cambria Math" panose="02040503050406030204" pitchFamily="18" charset="0"/>
+                      </a:rPr>
+                      <m:t>−</m:t>
+                    </m:r>
+                    <m:f>
+                      <m:fPr>
+                        <m:ctrlPr>
+                          <a:rPr lang="fr-FR" sz="2800" b="1" i="1" smtClean="0">
+                            <a:solidFill>
+                              <a:schemeClr val="tx1">
+                                <a:lumMod val="75000"/>
+                                <a:lumOff val="25000"/>
+                              </a:schemeClr>
+                            </a:solidFill>
+                            <a:latin typeface="Cambria Math" panose="02040503050406030204" pitchFamily="18" charset="0"/>
+                            <a:ea typeface="Cambria Math" panose="02040503050406030204" pitchFamily="18" charset="0"/>
+                          </a:rPr>
+                        </m:ctrlPr>
+                      </m:fPr>
+                      <m:num>
+                        <m:r>
+                          <a:rPr lang="fr-FR" sz="2800" b="1" i="1" smtClean="0">
+                            <a:solidFill>
+                              <a:schemeClr val="tx1">
+                                <a:lumMod val="75000"/>
+                                <a:lumOff val="25000"/>
+                              </a:schemeClr>
+                            </a:solidFill>
+                            <a:latin typeface="Cambria Math" panose="02040503050406030204" pitchFamily="18" charset="0"/>
+                            <a:ea typeface="Cambria Math" panose="02040503050406030204" pitchFamily="18" charset="0"/>
+                          </a:rPr>
+                          <m:t>𝟏</m:t>
+                        </m:r>
+                      </m:num>
+                      <m:den>
+                        <m:sSub>
+                          <m:sSubPr>
+                            <m:ctrlPr>
+                              <a:rPr lang="fr-FR" sz="2800" b="1" i="1">
+                                <a:solidFill>
+                                  <a:schemeClr val="tx1">
+                                    <a:lumMod val="75000"/>
+                                    <a:lumOff val="25000"/>
+                                  </a:schemeClr>
+                                </a:solidFill>
+                                <a:latin typeface="Cambria Math" panose="02040503050406030204" pitchFamily="18" charset="0"/>
+                              </a:rPr>
+                            </m:ctrlPr>
+                          </m:sSubPr>
+                          <m:e>
+                            <m:r>
+                              <a:rPr lang="fr-FR" sz="2800" b="1" i="1">
+                                <a:solidFill>
+                                  <a:schemeClr val="tx1">
+                                    <a:lumMod val="75000"/>
+                                    <a:lumOff val="25000"/>
+                                  </a:schemeClr>
+                                </a:solidFill>
+                                <a:latin typeface="Cambria Math" panose="02040503050406030204" pitchFamily="18" charset="0"/>
+                              </a:rPr>
+                              <m:t>𝑳</m:t>
+                            </m:r>
+                          </m:e>
+                          <m:sub>
+                            <m:r>
+                              <a:rPr lang="fr-FR" sz="2800" b="1" i="1">
+                                <a:solidFill>
+                                  <a:schemeClr val="tx1">
+                                    <a:lumMod val="75000"/>
+                                    <a:lumOff val="25000"/>
+                                  </a:schemeClr>
+                                </a:solidFill>
+                                <a:latin typeface="Cambria Math" panose="02040503050406030204" pitchFamily="18" charset="0"/>
+                              </a:rPr>
+                              <m:t>𝟏</m:t>
+                            </m:r>
+                          </m:sub>
+                        </m:sSub>
+                        <m:r>
+                          <a:rPr lang="fr-FR" sz="2800" b="1" i="1">
+                            <a:solidFill>
+                              <a:schemeClr val="tx1">
+                                <a:lumMod val="75000"/>
+                                <a:lumOff val="25000"/>
+                              </a:schemeClr>
+                            </a:solidFill>
+                            <a:latin typeface="Cambria Math" panose="02040503050406030204" pitchFamily="18" charset="0"/>
+                          </a:rPr>
+                          <m:t>.</m:t>
+                        </m:r>
+                        <m:sSub>
+                          <m:sSubPr>
+                            <m:ctrlPr>
+                              <a:rPr lang="fr-FR" sz="2800" b="1" i="1">
+                                <a:solidFill>
+                                  <a:schemeClr val="tx1">
+                                    <a:lumMod val="75000"/>
+                                    <a:lumOff val="25000"/>
+                                  </a:schemeClr>
+                                </a:solidFill>
+                                <a:latin typeface="Cambria Math" panose="02040503050406030204" pitchFamily="18" charset="0"/>
+                              </a:rPr>
+                            </m:ctrlPr>
+                          </m:sSubPr>
+                          <m:e>
+                            <m:r>
+                              <a:rPr lang="fr-FR" sz="2800" b="1" i="1">
+                                <a:solidFill>
+                                  <a:schemeClr val="tx1">
+                                    <a:lumMod val="75000"/>
+                                    <a:lumOff val="25000"/>
+                                  </a:schemeClr>
+                                </a:solidFill>
+                                <a:latin typeface="Cambria Math" panose="02040503050406030204" pitchFamily="18" charset="0"/>
+                              </a:rPr>
+                              <m:t>𝑪</m:t>
+                            </m:r>
+                          </m:e>
+                          <m:sub>
+                            <m:r>
+                              <a:rPr lang="fr-FR" sz="2800" b="1" i="1">
+                                <a:solidFill>
+                                  <a:schemeClr val="tx1">
+                                    <a:lumMod val="75000"/>
+                                    <a:lumOff val="25000"/>
+                                  </a:schemeClr>
+                                </a:solidFill>
+                                <a:latin typeface="Cambria Math" panose="02040503050406030204" pitchFamily="18" charset="0"/>
+                              </a:rPr>
+                              <m:t>𝟏</m:t>
+                            </m:r>
+                          </m:sub>
+                        </m:sSub>
+                      </m:den>
+                    </m:f>
+                    <m:sSub>
+                      <m:sSubPr>
+                        <m:ctrlPr>
+                          <a:rPr lang="fr-FR" sz="2800" b="1" i="1">
+                            <a:solidFill>
+                              <a:schemeClr val="tx1">
+                                <a:lumMod val="75000"/>
+                                <a:lumOff val="25000"/>
+                              </a:schemeClr>
+                            </a:solidFill>
+                            <a:latin typeface="Cambria Math" panose="02040503050406030204" pitchFamily="18" charset="0"/>
+                          </a:rPr>
+                        </m:ctrlPr>
+                      </m:sSubPr>
+                      <m:e>
+                        <m:r>
+                          <a:rPr lang="fr-FR" sz="2800" b="1" i="1" smtClean="0">
+                            <a:solidFill>
+                              <a:schemeClr val="tx1">
+                                <a:lumMod val="75000"/>
+                                <a:lumOff val="25000"/>
+                              </a:schemeClr>
+                            </a:solidFill>
+                            <a:latin typeface="Cambria Math" panose="02040503050406030204" pitchFamily="18" charset="0"/>
+                          </a:rPr>
+                          <m:t>(</m:t>
+                        </m:r>
+                        <m:r>
+                          <a:rPr lang="fr-FR" sz="2800" b="1" i="1">
+                            <a:solidFill>
+                              <a:schemeClr val="tx1">
+                                <a:lumMod val="75000"/>
+                                <a:lumOff val="25000"/>
+                              </a:schemeClr>
+                            </a:solidFill>
+                            <a:latin typeface="Cambria Math" panose="02040503050406030204" pitchFamily="18" charset="0"/>
+                          </a:rPr>
+                          <m:t>𝑽</m:t>
+                        </m:r>
+                      </m:e>
+                      <m:sub>
+                        <m:r>
+                          <a:rPr lang="fr-FR" sz="2800" b="1" i="1">
+                            <a:solidFill>
+                              <a:schemeClr val="tx1">
+                                <a:lumMod val="75000"/>
+                                <a:lumOff val="25000"/>
+                              </a:schemeClr>
+                            </a:solidFill>
+                            <a:latin typeface="Cambria Math" panose="02040503050406030204" pitchFamily="18" charset="0"/>
+                          </a:rPr>
+                          <m:t>𝒔</m:t>
+                        </m:r>
+                      </m:sub>
+                    </m:sSub>
+                    <m:r>
+                      <a:rPr lang="fr-FR" sz="2800" b="1" i="1" smtClean="0">
+                        <a:solidFill>
+                          <a:schemeClr val="tx1">
+                            <a:lumMod val="75000"/>
+                            <a:lumOff val="25000"/>
+                          </a:schemeClr>
+                        </a:solidFill>
+                        <a:latin typeface="Cambria Math" panose="02040503050406030204" pitchFamily="18" charset="0"/>
+                      </a:rPr>
+                      <m:t>−</m:t>
+                    </m:r>
+                    <m:sSub>
+                      <m:sSubPr>
+                        <m:ctrlPr>
+                          <a:rPr lang="fr-FR" sz="2800" b="1" i="1">
+                            <a:solidFill>
+                              <a:schemeClr val="tx1">
+                                <a:lumMod val="75000"/>
+                                <a:lumOff val="25000"/>
+                              </a:schemeClr>
+                            </a:solidFill>
+                            <a:latin typeface="Cambria Math" panose="02040503050406030204" pitchFamily="18" charset="0"/>
+                          </a:rPr>
+                        </m:ctrlPr>
+                      </m:sSubPr>
+                      <m:e>
+                        <m:r>
+                          <a:rPr lang="fr-FR" sz="2800" b="1" i="1">
+                            <a:solidFill>
+                              <a:schemeClr val="tx1">
+                                <a:lumMod val="75000"/>
+                                <a:lumOff val="25000"/>
+                              </a:schemeClr>
+                            </a:solidFill>
+                            <a:latin typeface="Cambria Math" panose="02040503050406030204" pitchFamily="18" charset="0"/>
+                          </a:rPr>
+                          <m:t>𝑽</m:t>
+                        </m:r>
+                      </m:e>
+                      <m:sub>
+                        <m:r>
+                          <a:rPr lang="fr-FR" sz="2800" b="1" i="1">
+                            <a:solidFill>
+                              <a:schemeClr val="tx1">
+                                <a:lumMod val="75000"/>
+                                <a:lumOff val="25000"/>
+                              </a:schemeClr>
+                            </a:solidFill>
+                            <a:latin typeface="Cambria Math" panose="02040503050406030204" pitchFamily="18" charset="0"/>
+                          </a:rPr>
+                          <m:t>𝒆</m:t>
+                        </m:r>
+                      </m:sub>
+                    </m:sSub>
+                  </m:oMath>
+                </a14:m>
+                <a:r>
+                  <a:rPr lang="fr-FR" sz="2800" dirty="0">
+                    <a:solidFill>
+                      <a:schemeClr val="tx1">
+                        <a:lumMod val="75000"/>
+                        <a:lumOff val="25000"/>
+                      </a:schemeClr>
+                    </a:solidFill>
+                  </a:rPr>
+                  <a:t>)</a:t>
+                </a:r>
+              </a:p>
+            </p:txBody>
+          </p:sp>
+        </mc:Choice>
+        <mc:Fallback xmlns="">
+          <p:sp>
+            <p:nvSpPr>
+              <p:cNvPr id="10" name="ZoneTexte 9">
+                <a:extLst>
+                  <a:ext uri="{FF2B5EF4-FFF2-40B4-BE49-F238E27FC236}">
+                    <a16:creationId xmlns:a16="http://schemas.microsoft.com/office/drawing/2014/main" id="{3CDB3155-B18E-E7DC-04AA-4FEF7D492932}"/>
+                  </a:ext>
+                </a:extLst>
+              </p:cNvPr>
+              <p:cNvSpPr txBox="1">
+                <a:spLocks noRot="1" noChangeAspect="1" noMove="1" noResize="1" noEditPoints="1" noAdjustHandles="1" noChangeArrowheads="1" noChangeShapeType="1" noTextEdit="1"/>
+              </p:cNvSpPr>
+              <p:nvPr/>
+            </p:nvSpPr>
+            <p:spPr>
+              <a:xfrm>
+                <a:off x="3474747" y="5016902"/>
+                <a:ext cx="4309065" cy="1634102"/>
+              </a:xfrm>
+              <a:prstGeom prst="rect">
+                <a:avLst/>
+              </a:prstGeom>
+              <a:blipFill>
+                <a:blip r:embed="rId5"/>
+                <a:stretch>
+                  <a:fillRect r="-4102" b="-3358"/>
+                </a:stretch>
+              </a:blipFill>
+            </p:spPr>
+            <p:txBody>
+              <a:bodyPr/>
+              <a:lstStyle/>
+              <a:p>
+                <a:r>
+                  <a:rPr lang="fr-FR">
+                    <a:noFill/>
+                  </a:rPr>
+                  <a:t> </a:t>
+                </a:r>
+              </a:p>
+            </p:txBody>
+          </p:sp>
+        </mc:Fallback>
+      </mc:AlternateContent>
+      <p:sp>
+        <p:nvSpPr>
+          <p:cNvPr id="11" name="ZoneTexte 10">
+            <a:extLst>
+              <a:ext uri="{FF2B5EF4-FFF2-40B4-BE49-F238E27FC236}">
+                <a16:creationId xmlns:a16="http://schemas.microsoft.com/office/drawing/2014/main" id="{9EC64098-3BE3-B51C-4B3A-28D6D77D2D5E}"/>
               </a:ext>
             </a:extLst>
           </p:cNvPr>
@@ -21164,8 +26535,8 @@
         </p:nvSpPr>
         <p:spPr>
           <a:xfrm>
-            <a:off x="4188542" y="4206455"/>
-            <a:ext cx="6096000" cy="923330"/>
+            <a:off x="1112511" y="4142769"/>
+            <a:ext cx="4322952" cy="707886"/>
           </a:xfrm>
           <a:prstGeom prst="rect">
             <a:avLst/>
@@ -21179,8 +26550,15 @@
           <a:lstStyle/>
           <a:p>
             <a:r>
-              <a:rPr lang="fr-FR" dirty="0"/>
-              <a:t>https://media.ed.ac.uk/media/Solving+Differential+Equations+in+PythonA+Higher+order+ODEs+with+solve_ivp/1_c8g7fwhw</a:t>
+              <a:rPr lang="fr-FR" sz="2000" i="1" dirty="0">
+                <a:solidFill>
+                  <a:schemeClr val="tx1">
+                    <a:lumMod val="75000"/>
+                    <a:lumOff val="25000"/>
+                  </a:schemeClr>
+                </a:solidFill>
+              </a:rPr>
+              <a:t>Système de deux équations différentielles d’ordre 1</a:t>
             </a:r>
           </a:p>
         </p:txBody>
@@ -21198,7 +26576,2254 @@
 </p:sld>
 </file>
 
-<file path=ppt/slides/slide24.xml><?xml version="1.0" encoding="utf-8"?>
+<file path=ppt/slides/slide27.xml><?xml version="1.0" encoding="utf-8"?>
+<p:sld xmlns:a="http://schemas.openxmlformats.org/drawingml/2006/main" xmlns:r="http://schemas.openxmlformats.org/officeDocument/2006/relationships" xmlns:p="http://schemas.openxmlformats.org/presentationml/2006/main">
+  <p:cSld>
+    <p:spTree>
+      <p:nvGrpSpPr>
+        <p:cNvPr id="1" name=""/>
+        <p:cNvGrpSpPr/>
+        <p:nvPr/>
+      </p:nvGrpSpPr>
+      <p:grpSpPr>
+        <a:xfrm>
+          <a:off x="0" y="0"/>
+          <a:ext cx="0" cy="0"/>
+          <a:chOff x="0" y="0"/>
+          <a:chExt cx="0" cy="0"/>
+        </a:xfrm>
+      </p:grpSpPr>
+      <p:sp>
+        <p:nvSpPr>
+          <p:cNvPr id="2" name="Titre 1">
+            <a:extLst>
+              <a:ext uri="{FF2B5EF4-FFF2-40B4-BE49-F238E27FC236}">
+                <a16:creationId xmlns:a16="http://schemas.microsoft.com/office/drawing/2014/main" id="{90162AE8-C1B0-5C56-8313-DEE494F38273}"/>
+              </a:ext>
+            </a:extLst>
+          </p:cNvPr>
+          <p:cNvSpPr>
+            <a:spLocks noGrp="1"/>
+          </p:cNvSpPr>
+          <p:nvPr>
+            <p:ph type="title"/>
+          </p:nvPr>
+        </p:nvSpPr>
+        <p:spPr/>
+        <p:txBody>
+          <a:bodyPr>
+            <a:normAutofit/>
+          </a:bodyPr>
+          <a:lstStyle/>
+          <a:p>
+            <a:r>
+              <a:rPr lang="fr-FR" dirty="0"/>
+              <a:t>Cas d’une équation différentielle d’ordre 2</a:t>
+            </a:r>
+          </a:p>
+        </p:txBody>
+      </p:sp>
+      <p:sp>
+        <p:nvSpPr>
+          <p:cNvPr id="3" name="Espace réservé du contenu 2">
+            <a:extLst>
+              <a:ext uri="{FF2B5EF4-FFF2-40B4-BE49-F238E27FC236}">
+                <a16:creationId xmlns:a16="http://schemas.microsoft.com/office/drawing/2014/main" id="{E0BBB9DE-019C-C741-F224-494739D4B752}"/>
+              </a:ext>
+            </a:extLst>
+          </p:cNvPr>
+          <p:cNvSpPr>
+            <a:spLocks noGrp="1"/>
+          </p:cNvSpPr>
+          <p:nvPr>
+            <p:ph sz="half" idx="1"/>
+          </p:nvPr>
+        </p:nvSpPr>
+        <p:spPr/>
+        <p:txBody>
+          <a:bodyPr/>
+          <a:lstStyle/>
+          <a:p>
+            <a:r>
+              <a:rPr lang="fr-FR" dirty="0"/>
+              <a:t>Mise en équation</a:t>
+            </a:r>
+          </a:p>
+        </p:txBody>
+      </p:sp>
+      <p:sp>
+        <p:nvSpPr>
+          <p:cNvPr id="4" name="Espace réservé du numéro de diapositive 3">
+            <a:extLst>
+              <a:ext uri="{FF2B5EF4-FFF2-40B4-BE49-F238E27FC236}">
+                <a16:creationId xmlns:a16="http://schemas.microsoft.com/office/drawing/2014/main" id="{F08CDEFC-50F0-4C47-46AC-D28A2807E4F8}"/>
+              </a:ext>
+            </a:extLst>
+          </p:cNvPr>
+          <p:cNvSpPr>
+            <a:spLocks noGrp="1"/>
+          </p:cNvSpPr>
+          <p:nvPr>
+            <p:ph type="sldNum" sz="quarter" idx="12"/>
+          </p:nvPr>
+        </p:nvSpPr>
+        <p:spPr/>
+        <p:txBody>
+          <a:bodyPr/>
+          <a:lstStyle/>
+          <a:p>
+            <a:fld id="{B2DC25EE-239B-4C5F-AAD1-255A7D5F1EE2}" type="slidenum">
+              <a:rPr lang="en-US" smtClean="0"/>
+              <a:t>27</a:t>
+            </a:fld>
+            <a:endParaRPr lang="en-US"/>
+          </a:p>
+        </p:txBody>
+      </p:sp>
+      <p:pic>
+        <p:nvPicPr>
+          <p:cNvPr id="5" name="Image 4" descr="Une image contenant texte&#10;&#10;Description générée automatiquement">
+            <a:extLst>
+              <a:ext uri="{FF2B5EF4-FFF2-40B4-BE49-F238E27FC236}">
+                <a16:creationId xmlns:a16="http://schemas.microsoft.com/office/drawing/2014/main" id="{66D2630B-81F4-A4EB-21BA-8B90CF30BD92}"/>
+              </a:ext>
+            </a:extLst>
+          </p:cNvPr>
+          <p:cNvPicPr>
+            <a:picLocks noChangeAspect="1"/>
+          </p:cNvPicPr>
+          <p:nvPr/>
+        </p:nvPicPr>
+        <p:blipFill>
+          <a:blip r:embed="rId2">
+            <a:extLst>
+              <a:ext uri="{28A0092B-C50C-407E-A947-70E740481C1C}">
+                <a14:useLocalDpi xmlns:a14="http://schemas.microsoft.com/office/drawing/2010/main" val="0"/>
+              </a:ext>
+            </a:extLst>
+          </a:blip>
+          <a:stretch>
+            <a:fillRect/>
+          </a:stretch>
+        </p:blipFill>
+        <p:spPr>
+          <a:xfrm>
+            <a:off x="202922" y="5934456"/>
+            <a:ext cx="1825291" cy="749808"/>
+          </a:xfrm>
+          <a:prstGeom prst="rect">
+            <a:avLst/>
+          </a:prstGeom>
+        </p:spPr>
+      </p:pic>
+      <p:sp>
+        <p:nvSpPr>
+          <p:cNvPr id="12" name="ZoneTexte 11">
+            <a:extLst>
+              <a:ext uri="{FF2B5EF4-FFF2-40B4-BE49-F238E27FC236}">
+                <a16:creationId xmlns:a16="http://schemas.microsoft.com/office/drawing/2014/main" id="{EAA7FCF3-D525-4BC6-5EE7-28BED80093A4}"/>
+              </a:ext>
+            </a:extLst>
+          </p:cNvPr>
+          <p:cNvSpPr txBox="1"/>
+          <p:nvPr/>
+        </p:nvSpPr>
+        <p:spPr>
+          <a:xfrm>
+            <a:off x="822960" y="3302376"/>
+            <a:ext cx="4765173" cy="2031325"/>
+          </a:xfrm>
+          <a:prstGeom prst="rect">
+            <a:avLst/>
+          </a:prstGeom>
+          <a:solidFill>
+            <a:schemeClr val="accent1">
+              <a:lumMod val="40000"/>
+              <a:lumOff val="60000"/>
+            </a:schemeClr>
+          </a:solidFill>
+        </p:spPr>
+        <p:txBody>
+          <a:bodyPr wrap="square" rtlCol="0">
+            <a:spAutoFit/>
+          </a:bodyPr>
+          <a:lstStyle/>
+          <a:p>
+            <a:r>
+              <a:rPr lang="fr-FR" b="1" dirty="0"/>
+              <a:t>class </a:t>
+            </a:r>
+            <a:r>
+              <a:rPr lang="fr-FR" dirty="0" err="1"/>
+              <a:t>RLC_forced</a:t>
+            </a:r>
+            <a:r>
+              <a:rPr lang="fr-FR" b="1" dirty="0"/>
+              <a:t>:</a:t>
+            </a:r>
+          </a:p>
+          <a:p>
+            <a:r>
+              <a:rPr lang="fr-FR" b="1" dirty="0"/>
+              <a:t>    </a:t>
+            </a:r>
+            <a:r>
+              <a:rPr lang="fr-FR" b="1" dirty="0" err="1"/>
+              <a:t>def</a:t>
+            </a:r>
+            <a:r>
+              <a:rPr lang="fr-FR" b="1" dirty="0"/>
+              <a:t> </a:t>
+            </a:r>
+            <a:r>
+              <a:rPr lang="fr-FR" dirty="0"/>
+              <a:t>__init__(</a:t>
+            </a:r>
+            <a:r>
+              <a:rPr lang="fr-FR" b="1" dirty="0"/>
+              <a:t>self</a:t>
+            </a:r>
+            <a:r>
+              <a:rPr lang="fr-FR" dirty="0"/>
+              <a:t>, R, L, C, Ve)</a:t>
+            </a:r>
+            <a:r>
+              <a:rPr lang="fr-FR" b="1" dirty="0"/>
+              <a:t>:</a:t>
+            </a:r>
+          </a:p>
+          <a:p>
+            <a:r>
+              <a:rPr lang="fr-FR" b="1" dirty="0"/>
+              <a:t>        </a:t>
+            </a:r>
+            <a:r>
+              <a:rPr lang="fr-FR" dirty="0"/>
+              <a:t>[…]</a:t>
+            </a:r>
+          </a:p>
+          <a:p>
+            <a:r>
+              <a:rPr lang="fr-FR" b="1" dirty="0"/>
+              <a:t>    </a:t>
+            </a:r>
+            <a:r>
+              <a:rPr lang="fr-FR" b="1" dirty="0" err="1"/>
+              <a:t>def</a:t>
+            </a:r>
+            <a:r>
+              <a:rPr lang="fr-FR" b="1" dirty="0"/>
+              <a:t> </a:t>
+            </a:r>
+            <a:r>
+              <a:rPr lang="fr-FR" dirty="0"/>
+              <a:t>__call__(</a:t>
+            </a:r>
+            <a:r>
+              <a:rPr lang="fr-FR" b="1" dirty="0"/>
+              <a:t>self</a:t>
+            </a:r>
+            <a:r>
+              <a:rPr lang="fr-FR" dirty="0"/>
+              <a:t>, t,  y  )</a:t>
+            </a:r>
+            <a:r>
+              <a:rPr lang="fr-FR" b="1" dirty="0"/>
+              <a:t>:</a:t>
+            </a:r>
+          </a:p>
+          <a:p>
+            <a:r>
+              <a:rPr lang="fr-FR" b="1" dirty="0"/>
+              <a:t>        </a:t>
+            </a:r>
+            <a:r>
+              <a:rPr lang="fr-FR" dirty="0"/>
+              <a:t>Vs</a:t>
+            </a:r>
+            <a:r>
+              <a:rPr lang="fr-FR" b="1" dirty="0"/>
+              <a:t> = </a:t>
+            </a:r>
+            <a:r>
+              <a:rPr lang="fr-FR" dirty="0"/>
+              <a:t>y[0]</a:t>
+            </a:r>
+          </a:p>
+          <a:p>
+            <a:r>
+              <a:rPr lang="fr-FR" b="1" dirty="0"/>
+              <a:t>        </a:t>
+            </a:r>
+            <a:r>
+              <a:rPr lang="fr-FR" dirty="0"/>
+              <a:t>u</a:t>
+            </a:r>
+            <a:r>
+              <a:rPr lang="fr-FR" b="1" dirty="0"/>
+              <a:t> = </a:t>
+            </a:r>
+            <a:r>
+              <a:rPr lang="fr-FR" dirty="0"/>
+              <a:t>y[1]</a:t>
+            </a:r>
+          </a:p>
+          <a:p>
+            <a:r>
+              <a:rPr lang="fr-FR" b="1" dirty="0"/>
+              <a:t>        return   </a:t>
+            </a:r>
+            <a:r>
+              <a:rPr lang="fr-FR" dirty="0"/>
+              <a:t>[u, -R/L*u - (Vs - Ve(t)) / (L*C)]</a:t>
+            </a:r>
+          </a:p>
+        </p:txBody>
+      </p:sp>
+      <p:sp>
+        <p:nvSpPr>
+          <p:cNvPr id="13" name="Flèche : droite 12">
+            <a:extLst>
+              <a:ext uri="{FF2B5EF4-FFF2-40B4-BE49-F238E27FC236}">
+                <a16:creationId xmlns:a16="http://schemas.microsoft.com/office/drawing/2014/main" id="{F5B4E5BD-D946-309C-6F39-D3D0FCC07409}"/>
+              </a:ext>
+            </a:extLst>
+          </p:cNvPr>
+          <p:cNvSpPr/>
+          <p:nvPr/>
+        </p:nvSpPr>
+        <p:spPr>
+          <a:xfrm>
+            <a:off x="5871705" y="2758162"/>
+            <a:ext cx="211393" cy="348868"/>
+          </a:xfrm>
+          <a:prstGeom prst="rightArrow">
+            <a:avLst>
+              <a:gd name="adj1" fmla="val 28940"/>
+              <a:gd name="adj2" fmla="val 75733"/>
+            </a:avLst>
+          </a:prstGeom>
+          <a:solidFill>
+            <a:srgbClr val="404040"/>
+          </a:solidFill>
+          <a:ln>
+            <a:noFill/>
+          </a:ln>
+        </p:spPr>
+        <p:style>
+          <a:lnRef idx="2">
+            <a:schemeClr val="accent1">
+              <a:shade val="50000"/>
+            </a:schemeClr>
+          </a:lnRef>
+          <a:fillRef idx="1">
+            <a:schemeClr val="accent1"/>
+          </a:fillRef>
+          <a:effectRef idx="0">
+            <a:schemeClr val="accent1"/>
+          </a:effectRef>
+          <a:fontRef idx="minor">
+            <a:schemeClr val="lt1"/>
+          </a:fontRef>
+        </p:style>
+        <p:txBody>
+          <a:bodyPr rtlCol="0" anchor="ctr"/>
+          <a:lstStyle/>
+          <a:p>
+            <a:pPr algn="ctr"/>
+            <a:endParaRPr lang="fr-FR"/>
+          </a:p>
+        </p:txBody>
+      </p:sp>
+      <mc:AlternateContent xmlns:mc="http://schemas.openxmlformats.org/markup-compatibility/2006" xmlns:a14="http://schemas.microsoft.com/office/drawing/2010/main">
+        <mc:Choice Requires="a14">
+          <p:sp>
+            <p:nvSpPr>
+              <p:cNvPr id="14" name="ZoneTexte 13">
+                <a:extLst>
+                  <a:ext uri="{FF2B5EF4-FFF2-40B4-BE49-F238E27FC236}">
+                    <a16:creationId xmlns:a16="http://schemas.microsoft.com/office/drawing/2014/main" id="{06156A33-9E6A-BD42-4F65-BBEEEF04C7BF}"/>
+                  </a:ext>
+                </a:extLst>
+              </p:cNvPr>
+              <p:cNvSpPr txBox="1"/>
+              <p:nvPr/>
+            </p:nvSpPr>
+            <p:spPr>
+              <a:xfrm>
+                <a:off x="6767367" y="2485325"/>
+                <a:ext cx="4309065" cy="1634102"/>
+              </a:xfrm>
+              <a:prstGeom prst="rect">
+                <a:avLst/>
+              </a:prstGeom>
+              <a:solidFill>
+                <a:schemeClr val="bg2"/>
+              </a:solidFill>
+            </p:spPr>
+            <p:txBody>
+              <a:bodyPr wrap="none" lIns="0" tIns="0" rIns="0" bIns="0" rtlCol="0">
+                <a:spAutoFit/>
+              </a:bodyPr>
+              <a:lstStyle/>
+              <a:p>
+                <a:pPr/>
+                <a14:m>
+                  <m:oMathPara xmlns:m="http://schemas.openxmlformats.org/officeDocument/2006/math">
+                    <m:oMathParaPr>
+                      <m:jc m:val="left"/>
+                    </m:oMathParaPr>
+                    <m:oMath xmlns:m="http://schemas.openxmlformats.org/officeDocument/2006/math">
+                      <m:f>
+                        <m:fPr>
+                          <m:ctrlPr>
+                            <a:rPr lang="fr-FR" sz="2000" b="1" i="1" smtClean="0">
+                              <a:solidFill>
+                                <a:schemeClr val="tx1">
+                                  <a:lumMod val="75000"/>
+                                  <a:lumOff val="25000"/>
+                                </a:schemeClr>
+                              </a:solidFill>
+                              <a:latin typeface="Cambria Math" panose="02040503050406030204" pitchFamily="18" charset="0"/>
+                              <a:ea typeface="Cambria Math" panose="02040503050406030204" pitchFamily="18" charset="0"/>
+                            </a:rPr>
+                          </m:ctrlPr>
+                        </m:fPr>
+                        <m:num>
+                          <m:r>
+                            <a:rPr lang="fr-FR" sz="2000" b="1" i="1">
+                              <a:solidFill>
+                                <a:schemeClr val="tx1">
+                                  <a:lumMod val="75000"/>
+                                  <a:lumOff val="25000"/>
+                                </a:schemeClr>
+                              </a:solidFill>
+                              <a:latin typeface="Cambria Math" panose="02040503050406030204" pitchFamily="18" charset="0"/>
+                              <a:ea typeface="Cambria Math" panose="02040503050406030204" pitchFamily="18" charset="0"/>
+                            </a:rPr>
+                            <m:t>𝒅</m:t>
+                          </m:r>
+                          <m:r>
+                            <a:rPr lang="fr-FR" sz="2000" b="1" i="1">
+                              <a:solidFill>
+                                <a:schemeClr val="tx1">
+                                  <a:lumMod val="75000"/>
+                                  <a:lumOff val="25000"/>
+                                </a:schemeClr>
+                              </a:solidFill>
+                              <a:latin typeface="Cambria Math" panose="02040503050406030204" pitchFamily="18" charset="0"/>
+                              <a:ea typeface="Cambria Math" panose="02040503050406030204" pitchFamily="18" charset="0"/>
+                            </a:rPr>
+                            <m:t> </m:t>
+                          </m:r>
+                          <m:sSub>
+                            <m:sSubPr>
+                              <m:ctrlPr>
+                                <a:rPr lang="fr-FR" sz="2000" b="1" i="1">
+                                  <a:solidFill>
+                                    <a:schemeClr val="tx1">
+                                      <a:lumMod val="75000"/>
+                                      <a:lumOff val="25000"/>
+                                    </a:schemeClr>
+                                  </a:solidFill>
+                                  <a:latin typeface="Cambria Math" panose="02040503050406030204" pitchFamily="18" charset="0"/>
+                                </a:rPr>
+                              </m:ctrlPr>
+                            </m:sSubPr>
+                            <m:e>
+                              <m:r>
+                                <a:rPr lang="fr-FR" sz="2000" b="1" i="1">
+                                  <a:solidFill>
+                                    <a:schemeClr val="tx1">
+                                      <a:lumMod val="75000"/>
+                                      <a:lumOff val="25000"/>
+                                    </a:schemeClr>
+                                  </a:solidFill>
+                                  <a:latin typeface="Cambria Math" panose="02040503050406030204" pitchFamily="18" charset="0"/>
+                                </a:rPr>
+                                <m:t>𝑽</m:t>
+                              </m:r>
+                            </m:e>
+                            <m:sub>
+                              <m:r>
+                                <a:rPr lang="fr-FR" sz="2000" b="1" i="1">
+                                  <a:solidFill>
+                                    <a:schemeClr val="tx1">
+                                      <a:lumMod val="75000"/>
+                                      <a:lumOff val="25000"/>
+                                    </a:schemeClr>
+                                  </a:solidFill>
+                                  <a:latin typeface="Cambria Math" panose="02040503050406030204" pitchFamily="18" charset="0"/>
+                                </a:rPr>
+                                <m:t>𝒔</m:t>
+                              </m:r>
+                            </m:sub>
+                          </m:sSub>
+                        </m:num>
+                        <m:den>
+                          <m:r>
+                            <a:rPr lang="fr-FR" sz="2000" b="1" i="1">
+                              <a:solidFill>
+                                <a:schemeClr val="tx1">
+                                  <a:lumMod val="75000"/>
+                                  <a:lumOff val="25000"/>
+                                </a:schemeClr>
+                              </a:solidFill>
+                              <a:latin typeface="Cambria Math" panose="02040503050406030204" pitchFamily="18" charset="0"/>
+                              <a:ea typeface="Cambria Math" panose="02040503050406030204" pitchFamily="18" charset="0"/>
+                            </a:rPr>
+                            <m:t>𝒅𝒕</m:t>
+                          </m:r>
+                        </m:den>
+                      </m:f>
+                      <m:r>
+                        <a:rPr lang="fr-FR" sz="2000" b="1" i="1" smtClean="0">
+                          <a:solidFill>
+                            <a:schemeClr val="tx1">
+                              <a:lumMod val="75000"/>
+                              <a:lumOff val="25000"/>
+                            </a:schemeClr>
+                          </a:solidFill>
+                          <a:latin typeface="Cambria Math" panose="02040503050406030204" pitchFamily="18" charset="0"/>
+                          <a:ea typeface="Cambria Math" panose="02040503050406030204" pitchFamily="18" charset="0"/>
+                        </a:rPr>
+                        <m:t>=</m:t>
+                      </m:r>
+                      <m:r>
+                        <a:rPr lang="fr-FR" sz="2000" b="1" i="1" smtClean="0">
+                          <a:solidFill>
+                            <a:schemeClr val="tx1">
+                              <a:lumMod val="75000"/>
+                              <a:lumOff val="25000"/>
+                            </a:schemeClr>
+                          </a:solidFill>
+                          <a:latin typeface="Cambria Math" panose="02040503050406030204" pitchFamily="18" charset="0"/>
+                          <a:ea typeface="Cambria Math" panose="02040503050406030204" pitchFamily="18" charset="0"/>
+                        </a:rPr>
+                        <m:t>𝒖</m:t>
+                      </m:r>
+                    </m:oMath>
+                  </m:oMathPara>
+                </a14:m>
+                <a:endParaRPr lang="fr-FR" sz="2000" dirty="0">
+                  <a:solidFill>
+                    <a:schemeClr val="tx1">
+                      <a:lumMod val="75000"/>
+                      <a:lumOff val="25000"/>
+                    </a:schemeClr>
+                  </a:solidFill>
+                </a:endParaRPr>
+              </a:p>
+              <a:p>
+                <a:endParaRPr lang="fr-FR" sz="2400" dirty="0">
+                  <a:solidFill>
+                    <a:schemeClr val="tx1">
+                      <a:lumMod val="75000"/>
+                      <a:lumOff val="25000"/>
+                    </a:schemeClr>
+                  </a:solidFill>
+                </a:endParaRPr>
+              </a:p>
+              <a:p>
+                <a14:m>
+                  <m:oMath xmlns:m="http://schemas.openxmlformats.org/officeDocument/2006/math">
+                    <m:f>
+                      <m:fPr>
+                        <m:ctrlPr>
+                          <a:rPr lang="fr-FR" sz="2800" b="1" i="1" smtClean="0">
+                            <a:solidFill>
+                              <a:schemeClr val="tx1">
+                                <a:lumMod val="75000"/>
+                                <a:lumOff val="25000"/>
+                              </a:schemeClr>
+                            </a:solidFill>
+                            <a:latin typeface="Cambria Math" panose="02040503050406030204" pitchFamily="18" charset="0"/>
+                            <a:ea typeface="Cambria Math" panose="02040503050406030204" pitchFamily="18" charset="0"/>
+                          </a:rPr>
+                        </m:ctrlPr>
+                      </m:fPr>
+                      <m:num>
+                        <m:r>
+                          <a:rPr lang="fr-FR" sz="2800" b="1" i="1" smtClean="0">
+                            <a:solidFill>
+                              <a:schemeClr val="tx1">
+                                <a:lumMod val="75000"/>
+                                <a:lumOff val="25000"/>
+                              </a:schemeClr>
+                            </a:solidFill>
+                            <a:latin typeface="Cambria Math" panose="02040503050406030204" pitchFamily="18" charset="0"/>
+                            <a:ea typeface="Cambria Math" panose="02040503050406030204" pitchFamily="18" charset="0"/>
+                          </a:rPr>
+                          <m:t>𝒅𝒖</m:t>
+                        </m:r>
+                      </m:num>
+                      <m:den>
+                        <m:r>
+                          <a:rPr lang="fr-FR" sz="2800" b="1" i="1">
+                            <a:solidFill>
+                              <a:schemeClr val="tx1">
+                                <a:lumMod val="75000"/>
+                                <a:lumOff val="25000"/>
+                              </a:schemeClr>
+                            </a:solidFill>
+                            <a:latin typeface="Cambria Math" panose="02040503050406030204" pitchFamily="18" charset="0"/>
+                            <a:ea typeface="Cambria Math" panose="02040503050406030204" pitchFamily="18" charset="0"/>
+                          </a:rPr>
+                          <m:t>𝒅</m:t>
+                        </m:r>
+                        <m:r>
+                          <a:rPr lang="fr-FR" sz="2800" b="1" i="1" smtClean="0">
+                            <a:solidFill>
+                              <a:schemeClr val="tx1">
+                                <a:lumMod val="75000"/>
+                                <a:lumOff val="25000"/>
+                              </a:schemeClr>
+                            </a:solidFill>
+                            <a:latin typeface="Cambria Math" panose="02040503050406030204" pitchFamily="18" charset="0"/>
+                            <a:ea typeface="Cambria Math" panose="02040503050406030204" pitchFamily="18" charset="0"/>
+                          </a:rPr>
+                          <m:t>𝒕</m:t>
+                        </m:r>
+                      </m:den>
+                    </m:f>
+                    <m:r>
+                      <a:rPr lang="fr-FR" sz="2800" b="1" i="1" smtClean="0">
+                        <a:solidFill>
+                          <a:schemeClr val="tx1">
+                            <a:lumMod val="75000"/>
+                            <a:lumOff val="25000"/>
+                          </a:schemeClr>
+                        </a:solidFill>
+                        <a:latin typeface="Cambria Math" panose="02040503050406030204" pitchFamily="18" charset="0"/>
+                        <a:ea typeface="Cambria Math" panose="02040503050406030204" pitchFamily="18" charset="0"/>
+                      </a:rPr>
+                      <m:t>=−</m:t>
+                    </m:r>
+                    <m:f>
+                      <m:fPr>
+                        <m:ctrlPr>
+                          <a:rPr lang="fr-FR" sz="2800" b="1" i="1" smtClean="0">
+                            <a:solidFill>
+                              <a:schemeClr val="tx1">
+                                <a:lumMod val="75000"/>
+                                <a:lumOff val="25000"/>
+                              </a:schemeClr>
+                            </a:solidFill>
+                            <a:latin typeface="Cambria Math" panose="02040503050406030204" pitchFamily="18" charset="0"/>
+                            <a:ea typeface="Cambria Math" panose="02040503050406030204" pitchFamily="18" charset="0"/>
+                          </a:rPr>
+                        </m:ctrlPr>
+                      </m:fPr>
+                      <m:num>
+                        <m:sSub>
+                          <m:sSubPr>
+                            <m:ctrlPr>
+                              <a:rPr lang="fr-FR" sz="2800" b="1" i="1">
+                                <a:solidFill>
+                                  <a:schemeClr val="tx1">
+                                    <a:lumMod val="75000"/>
+                                    <a:lumOff val="25000"/>
+                                  </a:schemeClr>
+                                </a:solidFill>
+                                <a:latin typeface="Cambria Math" panose="02040503050406030204" pitchFamily="18" charset="0"/>
+                              </a:rPr>
+                            </m:ctrlPr>
+                          </m:sSubPr>
+                          <m:e>
+                            <m:r>
+                              <a:rPr lang="fr-FR" sz="2800" b="1" i="1">
+                                <a:solidFill>
+                                  <a:schemeClr val="tx1">
+                                    <a:lumMod val="75000"/>
+                                    <a:lumOff val="25000"/>
+                                  </a:schemeClr>
+                                </a:solidFill>
+                                <a:latin typeface="Cambria Math" panose="02040503050406030204" pitchFamily="18" charset="0"/>
+                              </a:rPr>
+                              <m:t>𝑹</m:t>
+                            </m:r>
+                          </m:e>
+                          <m:sub>
+                            <m:r>
+                              <a:rPr lang="fr-FR" sz="2800" b="1" i="1">
+                                <a:solidFill>
+                                  <a:schemeClr val="tx1">
+                                    <a:lumMod val="75000"/>
+                                    <a:lumOff val="25000"/>
+                                  </a:schemeClr>
+                                </a:solidFill>
+                                <a:latin typeface="Cambria Math" panose="02040503050406030204" pitchFamily="18" charset="0"/>
+                              </a:rPr>
+                              <m:t>𝟏</m:t>
+                            </m:r>
+                          </m:sub>
+                        </m:sSub>
+                      </m:num>
+                      <m:den>
+                        <m:sSub>
+                          <m:sSubPr>
+                            <m:ctrlPr>
+                              <a:rPr lang="fr-FR" sz="2800" b="1" i="1">
+                                <a:solidFill>
+                                  <a:schemeClr val="tx1">
+                                    <a:lumMod val="75000"/>
+                                    <a:lumOff val="25000"/>
+                                  </a:schemeClr>
+                                </a:solidFill>
+                                <a:latin typeface="Cambria Math" panose="02040503050406030204" pitchFamily="18" charset="0"/>
+                              </a:rPr>
+                            </m:ctrlPr>
+                          </m:sSubPr>
+                          <m:e>
+                            <m:r>
+                              <a:rPr lang="fr-FR" sz="2800" b="1" i="1">
+                                <a:solidFill>
+                                  <a:schemeClr val="tx1">
+                                    <a:lumMod val="75000"/>
+                                    <a:lumOff val="25000"/>
+                                  </a:schemeClr>
+                                </a:solidFill>
+                                <a:latin typeface="Cambria Math" panose="02040503050406030204" pitchFamily="18" charset="0"/>
+                              </a:rPr>
+                              <m:t>𝑳</m:t>
+                            </m:r>
+                          </m:e>
+                          <m:sub>
+                            <m:r>
+                              <a:rPr lang="fr-FR" sz="2800" b="1" i="1">
+                                <a:solidFill>
+                                  <a:schemeClr val="tx1">
+                                    <a:lumMod val="75000"/>
+                                    <a:lumOff val="25000"/>
+                                  </a:schemeClr>
+                                </a:solidFill>
+                                <a:latin typeface="Cambria Math" panose="02040503050406030204" pitchFamily="18" charset="0"/>
+                              </a:rPr>
+                              <m:t>𝟏</m:t>
+                            </m:r>
+                          </m:sub>
+                        </m:sSub>
+                      </m:den>
+                    </m:f>
+                    <m:r>
+                      <a:rPr lang="fr-FR" sz="2800" b="1" i="1">
+                        <a:solidFill>
+                          <a:schemeClr val="tx1">
+                            <a:lumMod val="75000"/>
+                            <a:lumOff val="25000"/>
+                          </a:schemeClr>
+                        </a:solidFill>
+                        <a:latin typeface="Cambria Math" panose="02040503050406030204" pitchFamily="18" charset="0"/>
+                      </a:rPr>
+                      <m:t>. </m:t>
+                    </m:r>
+                    <m:r>
+                      <a:rPr lang="fr-FR" sz="2800" b="1" i="1" smtClean="0">
+                        <a:solidFill>
+                          <a:schemeClr val="tx1">
+                            <a:lumMod val="75000"/>
+                            <a:lumOff val="25000"/>
+                          </a:schemeClr>
+                        </a:solidFill>
+                        <a:latin typeface="Cambria Math" panose="02040503050406030204" pitchFamily="18" charset="0"/>
+                        <a:ea typeface="Cambria Math" panose="02040503050406030204" pitchFamily="18" charset="0"/>
+                      </a:rPr>
+                      <m:t>𝒖</m:t>
+                    </m:r>
+                    <m:r>
+                      <a:rPr lang="fr-FR" sz="2800" b="1" i="1" smtClean="0">
+                        <a:solidFill>
+                          <a:schemeClr val="tx1">
+                            <a:lumMod val="75000"/>
+                            <a:lumOff val="25000"/>
+                          </a:schemeClr>
+                        </a:solidFill>
+                        <a:latin typeface="Cambria Math" panose="02040503050406030204" pitchFamily="18" charset="0"/>
+                        <a:ea typeface="Cambria Math" panose="02040503050406030204" pitchFamily="18" charset="0"/>
+                      </a:rPr>
+                      <m:t>−</m:t>
+                    </m:r>
+                    <m:f>
+                      <m:fPr>
+                        <m:ctrlPr>
+                          <a:rPr lang="fr-FR" sz="2800" b="1" i="1" smtClean="0">
+                            <a:solidFill>
+                              <a:schemeClr val="tx1">
+                                <a:lumMod val="75000"/>
+                                <a:lumOff val="25000"/>
+                              </a:schemeClr>
+                            </a:solidFill>
+                            <a:latin typeface="Cambria Math" panose="02040503050406030204" pitchFamily="18" charset="0"/>
+                            <a:ea typeface="Cambria Math" panose="02040503050406030204" pitchFamily="18" charset="0"/>
+                          </a:rPr>
+                        </m:ctrlPr>
+                      </m:fPr>
+                      <m:num>
+                        <m:r>
+                          <a:rPr lang="fr-FR" sz="2800" b="1" i="1" smtClean="0">
+                            <a:solidFill>
+                              <a:schemeClr val="tx1">
+                                <a:lumMod val="75000"/>
+                                <a:lumOff val="25000"/>
+                              </a:schemeClr>
+                            </a:solidFill>
+                            <a:latin typeface="Cambria Math" panose="02040503050406030204" pitchFamily="18" charset="0"/>
+                            <a:ea typeface="Cambria Math" panose="02040503050406030204" pitchFamily="18" charset="0"/>
+                          </a:rPr>
+                          <m:t>𝟏</m:t>
+                        </m:r>
+                      </m:num>
+                      <m:den>
+                        <m:sSub>
+                          <m:sSubPr>
+                            <m:ctrlPr>
+                              <a:rPr lang="fr-FR" sz="2800" b="1" i="1">
+                                <a:solidFill>
+                                  <a:schemeClr val="tx1">
+                                    <a:lumMod val="75000"/>
+                                    <a:lumOff val="25000"/>
+                                  </a:schemeClr>
+                                </a:solidFill>
+                                <a:latin typeface="Cambria Math" panose="02040503050406030204" pitchFamily="18" charset="0"/>
+                              </a:rPr>
+                            </m:ctrlPr>
+                          </m:sSubPr>
+                          <m:e>
+                            <m:r>
+                              <a:rPr lang="fr-FR" sz="2800" b="1" i="1">
+                                <a:solidFill>
+                                  <a:schemeClr val="tx1">
+                                    <a:lumMod val="75000"/>
+                                    <a:lumOff val="25000"/>
+                                  </a:schemeClr>
+                                </a:solidFill>
+                                <a:latin typeface="Cambria Math" panose="02040503050406030204" pitchFamily="18" charset="0"/>
+                              </a:rPr>
+                              <m:t>𝑳</m:t>
+                            </m:r>
+                          </m:e>
+                          <m:sub>
+                            <m:r>
+                              <a:rPr lang="fr-FR" sz="2800" b="1" i="1">
+                                <a:solidFill>
+                                  <a:schemeClr val="tx1">
+                                    <a:lumMod val="75000"/>
+                                    <a:lumOff val="25000"/>
+                                  </a:schemeClr>
+                                </a:solidFill>
+                                <a:latin typeface="Cambria Math" panose="02040503050406030204" pitchFamily="18" charset="0"/>
+                              </a:rPr>
+                              <m:t>𝟏</m:t>
+                            </m:r>
+                          </m:sub>
+                        </m:sSub>
+                        <m:r>
+                          <a:rPr lang="fr-FR" sz="2800" b="1" i="1">
+                            <a:solidFill>
+                              <a:schemeClr val="tx1">
+                                <a:lumMod val="75000"/>
+                                <a:lumOff val="25000"/>
+                              </a:schemeClr>
+                            </a:solidFill>
+                            <a:latin typeface="Cambria Math" panose="02040503050406030204" pitchFamily="18" charset="0"/>
+                          </a:rPr>
+                          <m:t>.</m:t>
+                        </m:r>
+                        <m:sSub>
+                          <m:sSubPr>
+                            <m:ctrlPr>
+                              <a:rPr lang="fr-FR" sz="2800" b="1" i="1">
+                                <a:solidFill>
+                                  <a:schemeClr val="tx1">
+                                    <a:lumMod val="75000"/>
+                                    <a:lumOff val="25000"/>
+                                  </a:schemeClr>
+                                </a:solidFill>
+                                <a:latin typeface="Cambria Math" panose="02040503050406030204" pitchFamily="18" charset="0"/>
+                              </a:rPr>
+                            </m:ctrlPr>
+                          </m:sSubPr>
+                          <m:e>
+                            <m:r>
+                              <a:rPr lang="fr-FR" sz="2800" b="1" i="1">
+                                <a:solidFill>
+                                  <a:schemeClr val="tx1">
+                                    <a:lumMod val="75000"/>
+                                    <a:lumOff val="25000"/>
+                                  </a:schemeClr>
+                                </a:solidFill>
+                                <a:latin typeface="Cambria Math" panose="02040503050406030204" pitchFamily="18" charset="0"/>
+                              </a:rPr>
+                              <m:t>𝑪</m:t>
+                            </m:r>
+                          </m:e>
+                          <m:sub>
+                            <m:r>
+                              <a:rPr lang="fr-FR" sz="2800" b="1" i="1">
+                                <a:solidFill>
+                                  <a:schemeClr val="tx1">
+                                    <a:lumMod val="75000"/>
+                                    <a:lumOff val="25000"/>
+                                  </a:schemeClr>
+                                </a:solidFill>
+                                <a:latin typeface="Cambria Math" panose="02040503050406030204" pitchFamily="18" charset="0"/>
+                              </a:rPr>
+                              <m:t>𝟏</m:t>
+                            </m:r>
+                          </m:sub>
+                        </m:sSub>
+                      </m:den>
+                    </m:f>
+                    <m:sSub>
+                      <m:sSubPr>
+                        <m:ctrlPr>
+                          <a:rPr lang="fr-FR" sz="2800" b="1" i="1">
+                            <a:solidFill>
+                              <a:schemeClr val="tx1">
+                                <a:lumMod val="75000"/>
+                                <a:lumOff val="25000"/>
+                              </a:schemeClr>
+                            </a:solidFill>
+                            <a:latin typeface="Cambria Math" panose="02040503050406030204" pitchFamily="18" charset="0"/>
+                          </a:rPr>
+                        </m:ctrlPr>
+                      </m:sSubPr>
+                      <m:e>
+                        <m:r>
+                          <a:rPr lang="fr-FR" sz="2800" b="1" i="1" smtClean="0">
+                            <a:solidFill>
+                              <a:schemeClr val="tx1">
+                                <a:lumMod val="75000"/>
+                                <a:lumOff val="25000"/>
+                              </a:schemeClr>
+                            </a:solidFill>
+                            <a:latin typeface="Cambria Math" panose="02040503050406030204" pitchFamily="18" charset="0"/>
+                          </a:rPr>
+                          <m:t>(</m:t>
+                        </m:r>
+                        <m:r>
+                          <a:rPr lang="fr-FR" sz="2800" b="1" i="1">
+                            <a:solidFill>
+                              <a:schemeClr val="tx1">
+                                <a:lumMod val="75000"/>
+                                <a:lumOff val="25000"/>
+                              </a:schemeClr>
+                            </a:solidFill>
+                            <a:latin typeface="Cambria Math" panose="02040503050406030204" pitchFamily="18" charset="0"/>
+                          </a:rPr>
+                          <m:t>𝑽</m:t>
+                        </m:r>
+                      </m:e>
+                      <m:sub>
+                        <m:r>
+                          <a:rPr lang="fr-FR" sz="2800" b="1" i="1">
+                            <a:solidFill>
+                              <a:schemeClr val="tx1">
+                                <a:lumMod val="75000"/>
+                                <a:lumOff val="25000"/>
+                              </a:schemeClr>
+                            </a:solidFill>
+                            <a:latin typeface="Cambria Math" panose="02040503050406030204" pitchFamily="18" charset="0"/>
+                          </a:rPr>
+                          <m:t>𝒔</m:t>
+                        </m:r>
+                      </m:sub>
+                    </m:sSub>
+                    <m:r>
+                      <a:rPr lang="fr-FR" sz="2800" b="1" i="1" smtClean="0">
+                        <a:solidFill>
+                          <a:schemeClr val="tx1">
+                            <a:lumMod val="75000"/>
+                            <a:lumOff val="25000"/>
+                          </a:schemeClr>
+                        </a:solidFill>
+                        <a:latin typeface="Cambria Math" panose="02040503050406030204" pitchFamily="18" charset="0"/>
+                      </a:rPr>
+                      <m:t>−</m:t>
+                    </m:r>
+                    <m:sSub>
+                      <m:sSubPr>
+                        <m:ctrlPr>
+                          <a:rPr lang="fr-FR" sz="2800" b="1" i="1">
+                            <a:solidFill>
+                              <a:schemeClr val="tx1">
+                                <a:lumMod val="75000"/>
+                                <a:lumOff val="25000"/>
+                              </a:schemeClr>
+                            </a:solidFill>
+                            <a:latin typeface="Cambria Math" panose="02040503050406030204" pitchFamily="18" charset="0"/>
+                          </a:rPr>
+                        </m:ctrlPr>
+                      </m:sSubPr>
+                      <m:e>
+                        <m:r>
+                          <a:rPr lang="fr-FR" sz="2800" b="1" i="1">
+                            <a:solidFill>
+                              <a:schemeClr val="tx1">
+                                <a:lumMod val="75000"/>
+                                <a:lumOff val="25000"/>
+                              </a:schemeClr>
+                            </a:solidFill>
+                            <a:latin typeface="Cambria Math" panose="02040503050406030204" pitchFamily="18" charset="0"/>
+                          </a:rPr>
+                          <m:t>𝑽</m:t>
+                        </m:r>
+                      </m:e>
+                      <m:sub>
+                        <m:r>
+                          <a:rPr lang="fr-FR" sz="2800" b="1" i="1">
+                            <a:solidFill>
+                              <a:schemeClr val="tx1">
+                                <a:lumMod val="75000"/>
+                                <a:lumOff val="25000"/>
+                              </a:schemeClr>
+                            </a:solidFill>
+                            <a:latin typeface="Cambria Math" panose="02040503050406030204" pitchFamily="18" charset="0"/>
+                          </a:rPr>
+                          <m:t>𝒆</m:t>
+                        </m:r>
+                      </m:sub>
+                    </m:sSub>
+                  </m:oMath>
+                </a14:m>
+                <a:r>
+                  <a:rPr lang="fr-FR" sz="2800" dirty="0">
+                    <a:solidFill>
+                      <a:schemeClr val="tx1">
+                        <a:lumMod val="75000"/>
+                        <a:lumOff val="25000"/>
+                      </a:schemeClr>
+                    </a:solidFill>
+                  </a:rPr>
+                  <a:t>)</a:t>
+                </a:r>
+              </a:p>
+            </p:txBody>
+          </p:sp>
+        </mc:Choice>
+        <mc:Fallback xmlns="">
+          <p:sp>
+            <p:nvSpPr>
+              <p:cNvPr id="14" name="ZoneTexte 13">
+                <a:extLst>
+                  <a:ext uri="{FF2B5EF4-FFF2-40B4-BE49-F238E27FC236}">
+                    <a16:creationId xmlns:a16="http://schemas.microsoft.com/office/drawing/2014/main" id="{06156A33-9E6A-BD42-4F65-BBEEEF04C7BF}"/>
+                  </a:ext>
+                </a:extLst>
+              </p:cNvPr>
+              <p:cNvSpPr txBox="1">
+                <a:spLocks noRot="1" noChangeAspect="1" noMove="1" noResize="1" noEditPoints="1" noAdjustHandles="1" noChangeArrowheads="1" noChangeShapeType="1" noTextEdit="1"/>
+              </p:cNvSpPr>
+              <p:nvPr/>
+            </p:nvSpPr>
+            <p:spPr>
+              <a:xfrm>
+                <a:off x="6767367" y="2485325"/>
+                <a:ext cx="4309065" cy="1634102"/>
+              </a:xfrm>
+              <a:prstGeom prst="rect">
+                <a:avLst/>
+              </a:prstGeom>
+              <a:blipFill>
+                <a:blip r:embed="rId3"/>
+                <a:stretch>
+                  <a:fillRect r="-4102" b="-3358"/>
+                </a:stretch>
+              </a:blipFill>
+            </p:spPr>
+            <p:txBody>
+              <a:bodyPr/>
+              <a:lstStyle/>
+              <a:p>
+                <a:r>
+                  <a:rPr lang="fr-FR">
+                    <a:noFill/>
+                  </a:rPr>
+                  <a:t> </a:t>
+                </a:r>
+              </a:p>
+            </p:txBody>
+          </p:sp>
+        </mc:Fallback>
+      </mc:AlternateContent>
+      <p:sp>
+        <p:nvSpPr>
+          <p:cNvPr id="15" name="Rectangle 14">
+            <a:extLst>
+              <a:ext uri="{FF2B5EF4-FFF2-40B4-BE49-F238E27FC236}">
+                <a16:creationId xmlns:a16="http://schemas.microsoft.com/office/drawing/2014/main" id="{C8743228-4A09-396D-6388-F04095AF031B}"/>
+              </a:ext>
+            </a:extLst>
+          </p:cNvPr>
+          <p:cNvSpPr/>
+          <p:nvPr/>
+        </p:nvSpPr>
+        <p:spPr>
+          <a:xfrm>
+            <a:off x="3126658" y="4139091"/>
+            <a:ext cx="265471" cy="377241"/>
+          </a:xfrm>
+          <a:prstGeom prst="rect">
+            <a:avLst/>
+          </a:prstGeom>
+          <a:noFill/>
+          <a:ln w="38100">
+            <a:solidFill>
+              <a:srgbClr val="C00000"/>
+            </a:solidFill>
+          </a:ln>
+        </p:spPr>
+        <p:style>
+          <a:lnRef idx="2">
+            <a:schemeClr val="accent1">
+              <a:shade val="50000"/>
+            </a:schemeClr>
+          </a:lnRef>
+          <a:fillRef idx="1">
+            <a:schemeClr val="accent1"/>
+          </a:fillRef>
+          <a:effectRef idx="0">
+            <a:schemeClr val="accent1"/>
+          </a:effectRef>
+          <a:fontRef idx="minor">
+            <a:schemeClr val="lt1"/>
+          </a:fontRef>
+        </p:style>
+        <p:txBody>
+          <a:bodyPr rtlCol="0" anchor="ctr"/>
+          <a:lstStyle/>
+          <a:p>
+            <a:pPr algn="ctr"/>
+            <a:endParaRPr lang="fr-FR"/>
+          </a:p>
+        </p:txBody>
+      </p:sp>
+      <p:cxnSp>
+        <p:nvCxnSpPr>
+          <p:cNvPr id="16" name="Connecteur : en arc 15">
+            <a:extLst>
+              <a:ext uri="{FF2B5EF4-FFF2-40B4-BE49-F238E27FC236}">
+                <a16:creationId xmlns:a16="http://schemas.microsoft.com/office/drawing/2014/main" id="{B2A0D236-09A0-D2BC-22ED-158B8201B7A8}"/>
+              </a:ext>
+            </a:extLst>
+          </p:cNvPr>
+          <p:cNvCxnSpPr>
+            <a:cxnSpLocks/>
+            <a:stCxn id="15" idx="0"/>
+            <a:endCxn id="19" idx="1"/>
+          </p:cNvCxnSpPr>
+          <p:nvPr/>
+        </p:nvCxnSpPr>
+        <p:spPr>
+          <a:xfrm rot="16200000" flipH="1">
+            <a:off x="5078285" y="2320200"/>
+            <a:ext cx="820966" cy="4458749"/>
+          </a:xfrm>
+          <a:prstGeom prst="curvedConnector4">
+            <a:avLst>
+              <a:gd name="adj1" fmla="val -27845"/>
+              <a:gd name="adj2" fmla="val 51488"/>
+            </a:avLst>
+          </a:prstGeom>
+          <a:ln w="28575">
+            <a:solidFill>
+              <a:srgbClr val="C00000"/>
+            </a:solidFill>
+            <a:tailEnd type="triangle"/>
+          </a:ln>
+        </p:spPr>
+        <p:style>
+          <a:lnRef idx="1">
+            <a:schemeClr val="accent1"/>
+          </a:lnRef>
+          <a:fillRef idx="0">
+            <a:schemeClr val="accent1"/>
+          </a:fillRef>
+          <a:effectRef idx="0">
+            <a:schemeClr val="accent1"/>
+          </a:effectRef>
+          <a:fontRef idx="minor">
+            <a:schemeClr val="tx1"/>
+          </a:fontRef>
+        </p:style>
+      </p:cxnSp>
+      <p:sp>
+        <p:nvSpPr>
+          <p:cNvPr id="19" name="ZoneTexte 18">
+            <a:extLst>
+              <a:ext uri="{FF2B5EF4-FFF2-40B4-BE49-F238E27FC236}">
+                <a16:creationId xmlns:a16="http://schemas.microsoft.com/office/drawing/2014/main" id="{C753369E-AEC2-1344-1C56-60B567B8CE5E}"/>
+              </a:ext>
+            </a:extLst>
+          </p:cNvPr>
+          <p:cNvSpPr txBox="1"/>
+          <p:nvPr/>
+        </p:nvSpPr>
+        <p:spPr>
+          <a:xfrm>
+            <a:off x="7718143" y="4498392"/>
+            <a:ext cx="2407511" cy="923330"/>
+          </a:xfrm>
+          <a:prstGeom prst="rect">
+            <a:avLst/>
+          </a:prstGeom>
+          <a:noFill/>
+          <a:ln w="34925">
+            <a:solidFill>
+              <a:srgbClr val="C00000"/>
+            </a:solidFill>
+          </a:ln>
+        </p:spPr>
+        <p:txBody>
+          <a:bodyPr wrap="square">
+            <a:spAutoFit/>
+          </a:bodyPr>
+          <a:lstStyle/>
+          <a:p>
+            <a:r>
+              <a:rPr lang="fr-FR" dirty="0"/>
+              <a:t>Vecteur</a:t>
+            </a:r>
+          </a:p>
+          <a:p>
+            <a:r>
+              <a:rPr lang="fr-FR" dirty="0"/>
+              <a:t>	y[0] = Vs</a:t>
+            </a:r>
+          </a:p>
+          <a:p>
+            <a:r>
+              <a:rPr lang="fr-FR" dirty="0"/>
+              <a:t>	y[1] = u = Vs’ </a:t>
+            </a:r>
+          </a:p>
+        </p:txBody>
+      </p:sp>
+      <p:sp>
+        <p:nvSpPr>
+          <p:cNvPr id="28" name="Rectangle 27">
+            <a:extLst>
+              <a:ext uri="{FF2B5EF4-FFF2-40B4-BE49-F238E27FC236}">
+                <a16:creationId xmlns:a16="http://schemas.microsoft.com/office/drawing/2014/main" id="{0B56A4E3-D917-6757-6217-02EB5FF76E50}"/>
+              </a:ext>
+            </a:extLst>
+          </p:cNvPr>
+          <p:cNvSpPr/>
+          <p:nvPr/>
+        </p:nvSpPr>
+        <p:spPr>
+          <a:xfrm>
+            <a:off x="2087955" y="4998671"/>
+            <a:ext cx="3280457" cy="377241"/>
+          </a:xfrm>
+          <a:prstGeom prst="rect">
+            <a:avLst/>
+          </a:prstGeom>
+          <a:noFill/>
+          <a:ln w="38100">
+            <a:solidFill>
+              <a:srgbClr val="C00000"/>
+            </a:solidFill>
+          </a:ln>
+        </p:spPr>
+        <p:style>
+          <a:lnRef idx="2">
+            <a:schemeClr val="accent1">
+              <a:shade val="50000"/>
+            </a:schemeClr>
+          </a:lnRef>
+          <a:fillRef idx="1">
+            <a:schemeClr val="accent1"/>
+          </a:fillRef>
+          <a:effectRef idx="0">
+            <a:schemeClr val="accent1"/>
+          </a:effectRef>
+          <a:fontRef idx="minor">
+            <a:schemeClr val="lt1"/>
+          </a:fontRef>
+        </p:style>
+        <p:txBody>
+          <a:bodyPr rtlCol="0" anchor="ctr"/>
+          <a:lstStyle/>
+          <a:p>
+            <a:pPr algn="ctr"/>
+            <a:endParaRPr lang="fr-FR"/>
+          </a:p>
+        </p:txBody>
+      </p:sp>
+      <p:cxnSp>
+        <p:nvCxnSpPr>
+          <p:cNvPr id="29" name="Connecteur : en arc 28">
+            <a:extLst>
+              <a:ext uri="{FF2B5EF4-FFF2-40B4-BE49-F238E27FC236}">
+                <a16:creationId xmlns:a16="http://schemas.microsoft.com/office/drawing/2014/main" id="{13DD8D8C-21D9-73A1-65F9-885C21C75F82}"/>
+              </a:ext>
+            </a:extLst>
+          </p:cNvPr>
+          <p:cNvCxnSpPr>
+            <a:cxnSpLocks/>
+            <a:endCxn id="19" idx="1"/>
+          </p:cNvCxnSpPr>
+          <p:nvPr/>
+        </p:nvCxnSpPr>
+        <p:spPr>
+          <a:xfrm flipV="1">
+            <a:off x="5403221" y="4960057"/>
+            <a:ext cx="2314922" cy="254766"/>
+          </a:xfrm>
+          <a:prstGeom prst="curvedConnector3">
+            <a:avLst>
+              <a:gd name="adj1" fmla="val 50000"/>
+            </a:avLst>
+          </a:prstGeom>
+          <a:ln w="28575">
+            <a:solidFill>
+              <a:srgbClr val="C00000"/>
+            </a:solidFill>
+            <a:tailEnd type="triangle"/>
+          </a:ln>
+        </p:spPr>
+        <p:style>
+          <a:lnRef idx="1">
+            <a:schemeClr val="accent1"/>
+          </a:lnRef>
+          <a:fillRef idx="0">
+            <a:schemeClr val="accent1"/>
+          </a:fillRef>
+          <a:effectRef idx="0">
+            <a:schemeClr val="accent1"/>
+          </a:effectRef>
+          <a:fontRef idx="minor">
+            <a:schemeClr val="tx1"/>
+          </a:fontRef>
+        </p:style>
+      </p:cxnSp>
+    </p:spTree>
+    <p:extLst>
+      <p:ext uri="{BB962C8B-B14F-4D97-AF65-F5344CB8AC3E}">
+        <p14:creationId xmlns:p14="http://schemas.microsoft.com/office/powerpoint/2010/main" val="1689600146"/>
+      </p:ext>
+    </p:extLst>
+  </p:cSld>
+  <p:clrMapOvr>
+    <a:masterClrMapping/>
+  </p:clrMapOvr>
+</p:sld>
+</file>
+
+<file path=ppt/slides/slide28.xml><?xml version="1.0" encoding="utf-8"?>
+<p:sld xmlns:a="http://schemas.openxmlformats.org/drawingml/2006/main" xmlns:r="http://schemas.openxmlformats.org/officeDocument/2006/relationships" xmlns:p="http://schemas.openxmlformats.org/presentationml/2006/main">
+  <p:cSld>
+    <p:spTree>
+      <p:nvGrpSpPr>
+        <p:cNvPr id="1" name=""/>
+        <p:cNvGrpSpPr/>
+        <p:nvPr/>
+      </p:nvGrpSpPr>
+      <p:grpSpPr>
+        <a:xfrm>
+          <a:off x="0" y="0"/>
+          <a:ext cx="0" cy="0"/>
+          <a:chOff x="0" y="0"/>
+          <a:chExt cx="0" cy="0"/>
+        </a:xfrm>
+      </p:grpSpPr>
+      <p:sp>
+        <p:nvSpPr>
+          <p:cNvPr id="2" name="Titre 1">
+            <a:extLst>
+              <a:ext uri="{FF2B5EF4-FFF2-40B4-BE49-F238E27FC236}">
+                <a16:creationId xmlns:a16="http://schemas.microsoft.com/office/drawing/2014/main" id="{90162AE8-C1B0-5C56-8313-DEE494F38273}"/>
+              </a:ext>
+            </a:extLst>
+          </p:cNvPr>
+          <p:cNvSpPr>
+            <a:spLocks noGrp="1"/>
+          </p:cNvSpPr>
+          <p:nvPr>
+            <p:ph type="title"/>
+          </p:nvPr>
+        </p:nvSpPr>
+        <p:spPr/>
+        <p:txBody>
+          <a:bodyPr>
+            <a:normAutofit/>
+          </a:bodyPr>
+          <a:lstStyle/>
+          <a:p>
+            <a:r>
+              <a:rPr lang="fr-FR" dirty="0"/>
+              <a:t>Intégration Numérique / </a:t>
+            </a:r>
+            <a:r>
+              <a:rPr lang="fr-FR" dirty="0" err="1"/>
+              <a:t>SciPy</a:t>
+            </a:r>
+            <a:endParaRPr lang="fr-FR" dirty="0"/>
+          </a:p>
+        </p:txBody>
+      </p:sp>
+      <p:sp>
+        <p:nvSpPr>
+          <p:cNvPr id="3" name="Espace réservé du contenu 2">
+            <a:extLst>
+              <a:ext uri="{FF2B5EF4-FFF2-40B4-BE49-F238E27FC236}">
+                <a16:creationId xmlns:a16="http://schemas.microsoft.com/office/drawing/2014/main" id="{E0BBB9DE-019C-C741-F224-494739D4B752}"/>
+              </a:ext>
+            </a:extLst>
+          </p:cNvPr>
+          <p:cNvSpPr>
+            <a:spLocks noGrp="1"/>
+          </p:cNvSpPr>
+          <p:nvPr>
+            <p:ph sz="half" idx="1"/>
+          </p:nvPr>
+        </p:nvSpPr>
+        <p:spPr/>
+        <p:txBody>
+          <a:bodyPr/>
+          <a:lstStyle/>
+          <a:p>
+            <a:r>
+              <a:rPr lang="fr-FR" dirty="0"/>
+              <a:t>Résolution par intégration</a:t>
+            </a:r>
+          </a:p>
+        </p:txBody>
+      </p:sp>
+      <p:pic>
+        <p:nvPicPr>
+          <p:cNvPr id="5" name="Image 4" descr="Une image contenant texte&#10;&#10;Description générée automatiquement">
+            <a:extLst>
+              <a:ext uri="{FF2B5EF4-FFF2-40B4-BE49-F238E27FC236}">
+                <a16:creationId xmlns:a16="http://schemas.microsoft.com/office/drawing/2014/main" id="{66D2630B-81F4-A4EB-21BA-8B90CF30BD92}"/>
+              </a:ext>
+            </a:extLst>
+          </p:cNvPr>
+          <p:cNvPicPr>
+            <a:picLocks noChangeAspect="1"/>
+          </p:cNvPicPr>
+          <p:nvPr/>
+        </p:nvPicPr>
+        <p:blipFill>
+          <a:blip r:embed="rId2">
+            <a:extLst>
+              <a:ext uri="{28A0092B-C50C-407E-A947-70E740481C1C}">
+                <a14:useLocalDpi xmlns:a14="http://schemas.microsoft.com/office/drawing/2010/main" val="0"/>
+              </a:ext>
+            </a:extLst>
+          </a:blip>
+          <a:stretch>
+            <a:fillRect/>
+          </a:stretch>
+        </p:blipFill>
+        <p:spPr>
+          <a:xfrm>
+            <a:off x="202922" y="5934456"/>
+            <a:ext cx="1825291" cy="749808"/>
+          </a:xfrm>
+          <a:prstGeom prst="rect">
+            <a:avLst/>
+          </a:prstGeom>
+        </p:spPr>
+      </p:pic>
+      <p:sp>
+        <p:nvSpPr>
+          <p:cNvPr id="4" name="Espace réservé du numéro de diapositive 3">
+            <a:extLst>
+              <a:ext uri="{FF2B5EF4-FFF2-40B4-BE49-F238E27FC236}">
+                <a16:creationId xmlns:a16="http://schemas.microsoft.com/office/drawing/2014/main" id="{F08CDEFC-50F0-4C47-46AC-D28A2807E4F8}"/>
+              </a:ext>
+            </a:extLst>
+          </p:cNvPr>
+          <p:cNvSpPr>
+            <a:spLocks noGrp="1"/>
+          </p:cNvSpPr>
+          <p:nvPr>
+            <p:ph type="sldNum" sz="quarter" idx="12"/>
+          </p:nvPr>
+        </p:nvSpPr>
+        <p:spPr/>
+        <p:txBody>
+          <a:bodyPr/>
+          <a:lstStyle/>
+          <a:p>
+            <a:fld id="{B2DC25EE-239B-4C5F-AAD1-255A7D5F1EE2}" type="slidenum">
+              <a:rPr lang="en-US" smtClean="0"/>
+              <a:t>28</a:t>
+            </a:fld>
+            <a:endParaRPr lang="en-US"/>
+          </a:p>
+        </p:txBody>
+      </p:sp>
+      <mc:AlternateContent xmlns:mc="http://schemas.openxmlformats.org/markup-compatibility/2006" xmlns:a14="http://schemas.microsoft.com/office/drawing/2010/main">
+        <mc:Choice Requires="a14">
+          <p:sp>
+            <p:nvSpPr>
+              <p:cNvPr id="11" name="ZoneTexte 10">
+                <a:extLst>
+                  <a:ext uri="{FF2B5EF4-FFF2-40B4-BE49-F238E27FC236}">
+                    <a16:creationId xmlns:a16="http://schemas.microsoft.com/office/drawing/2014/main" id="{71C91169-4656-5002-911D-52340ADF2E28}"/>
+                  </a:ext>
+                </a:extLst>
+              </p:cNvPr>
+              <p:cNvSpPr txBox="1"/>
+              <p:nvPr/>
+            </p:nvSpPr>
+            <p:spPr>
+              <a:xfrm>
+                <a:off x="2722888" y="5083953"/>
+                <a:ext cx="8205349" cy="461665"/>
+              </a:xfrm>
+              <a:prstGeom prst="rect">
+                <a:avLst/>
+              </a:prstGeom>
+              <a:solidFill>
+                <a:schemeClr val="accent5">
+                  <a:lumMod val="40000"/>
+                  <a:lumOff val="60000"/>
+                </a:schemeClr>
+              </a:solidFill>
+            </p:spPr>
+            <p:txBody>
+              <a:bodyPr wrap="square" rtlCol="0">
+                <a:spAutoFit/>
+              </a:bodyPr>
+              <a:lstStyle/>
+              <a:p>
+                <a:pPr algn="ctr"/>
+                <a:r>
+                  <a:rPr lang="fr-FR" sz="2400" i="1" dirty="0"/>
+                  <a:t>s</a:t>
+                </a:r>
+                <a:r>
+                  <a:rPr lang="fr-FR" sz="2400" i="1" dirty="0" err="1"/>
+                  <a:t>cipy.integrate</a:t>
+                </a:r>
+                <a:r>
+                  <a:rPr lang="fr-FR" sz="2400" dirty="0" err="1"/>
+                  <a:t>.</a:t>
+                </a:r>
+                <a:r>
+                  <a:rPr lang="fr-FR" sz="2400" b="1" dirty="0" err="1"/>
+                  <a:t>solve_ipc</a:t>
+                </a:r>
+                <a:r>
+                  <a:rPr lang="fr-FR" sz="2400" dirty="0"/>
+                  <a:t>(</a:t>
+                </a:r>
+                <a14:m>
+                  <m:oMath xmlns:m="http://schemas.openxmlformats.org/officeDocument/2006/math">
+                    <m:r>
+                      <a:rPr lang="fr-FR" sz="2400" b="0" i="0" dirty="0" smtClean="0">
+                        <a:latin typeface="Cambria Math" panose="02040503050406030204" pitchFamily="18" charset="0"/>
+                      </a:rPr>
+                      <m:t> </m:t>
+                    </m:r>
+                    <m:r>
+                      <a:rPr lang="fr-FR" sz="2400" b="1" i="1" dirty="0">
+                        <a:latin typeface="Cambria Math" panose="02040503050406030204" pitchFamily="18" charset="0"/>
+                      </a:rPr>
+                      <m:t>𝑭</m:t>
+                    </m:r>
+                  </m:oMath>
+                </a14:m>
+                <a:r>
+                  <a:rPr lang="fr-FR" sz="2400" dirty="0"/>
+                  <a:t> , [</a:t>
+                </a:r>
+                <a14:m>
+                  <m:oMath xmlns:m="http://schemas.openxmlformats.org/officeDocument/2006/math">
+                    <m:sSub>
+                      <m:sSubPr>
+                        <m:ctrlPr>
+                          <a:rPr lang="fr-FR" sz="2400" i="1" smtClean="0">
+                            <a:latin typeface="Cambria Math" panose="02040503050406030204" pitchFamily="18" charset="0"/>
+                          </a:rPr>
+                        </m:ctrlPr>
+                      </m:sSubPr>
+                      <m:e>
+                        <m:r>
+                          <a:rPr lang="fr-FR" sz="2400" b="0" i="1" smtClean="0">
+                            <a:latin typeface="Cambria Math" panose="02040503050406030204" pitchFamily="18" charset="0"/>
+                          </a:rPr>
+                          <m:t>𝑡</m:t>
+                        </m:r>
+                      </m:e>
+                      <m:sub>
+                        <m:r>
+                          <a:rPr lang="fr-FR" sz="2400" b="0" i="1" smtClean="0">
+                            <a:latin typeface="Cambria Math" panose="02040503050406030204" pitchFamily="18" charset="0"/>
+                          </a:rPr>
+                          <m:t>0</m:t>
+                        </m:r>
+                      </m:sub>
+                    </m:sSub>
+                  </m:oMath>
+                </a14:m>
+                <a:r>
+                  <a:rPr lang="fr-FR" sz="2400" dirty="0"/>
+                  <a:t>,</a:t>
+                </a:r>
+                <a:r>
+                  <a:rPr lang="fr-FR" sz="2400" b="1" dirty="0"/>
+                  <a:t> </a:t>
+                </a:r>
+                <a14:m>
+                  <m:oMath xmlns:m="http://schemas.openxmlformats.org/officeDocument/2006/math">
+                    <m:sSub>
+                      <m:sSubPr>
+                        <m:ctrlPr>
+                          <a:rPr lang="fr-FR" sz="2400" b="1" i="1" dirty="0">
+                            <a:latin typeface="Cambria Math" panose="02040503050406030204" pitchFamily="18" charset="0"/>
+                          </a:rPr>
+                        </m:ctrlPr>
+                      </m:sSubPr>
+                      <m:e>
+                        <m:r>
+                          <a:rPr lang="fr-FR" sz="2400" b="1" i="1" dirty="0">
+                            <a:latin typeface="Cambria Math" panose="02040503050406030204" pitchFamily="18" charset="0"/>
+                          </a:rPr>
+                          <m:t>𝑻</m:t>
+                        </m:r>
+                      </m:e>
+                      <m:sub>
+                        <m:r>
+                          <a:rPr lang="fr-FR" sz="2400" b="1" i="1" dirty="0">
+                            <a:latin typeface="Cambria Math" panose="02040503050406030204" pitchFamily="18" charset="0"/>
+                          </a:rPr>
+                          <m:t>𝒕𝒐𝒕𝒂𝒍</m:t>
+                        </m:r>
+                      </m:sub>
+                    </m:sSub>
+                  </m:oMath>
+                </a14:m>
+                <a:r>
+                  <a:rPr lang="fr-FR" sz="2400" dirty="0"/>
+                  <a:t>] , [</a:t>
+                </a:r>
+                <a14:m>
+                  <m:oMath xmlns:m="http://schemas.openxmlformats.org/officeDocument/2006/math">
+                    <m:sSub>
+                      <m:sSubPr>
+                        <m:ctrlPr>
+                          <a:rPr lang="fr-FR" sz="2400" b="1" i="1" dirty="0">
+                            <a:latin typeface="Cambria Math" panose="02040503050406030204" pitchFamily="18" charset="0"/>
+                          </a:rPr>
+                        </m:ctrlPr>
+                      </m:sSubPr>
+                      <m:e>
+                        <m:r>
+                          <a:rPr lang="fr-FR" sz="2400" b="1" i="1" dirty="0" smtClean="0">
+                            <a:latin typeface="Cambria Math" panose="02040503050406030204" pitchFamily="18" charset="0"/>
+                          </a:rPr>
+                          <m:t> </m:t>
+                        </m:r>
+                        <m:r>
+                          <a:rPr lang="fr-FR" sz="2400" b="1" i="1" dirty="0">
+                            <a:latin typeface="Cambria Math" panose="02040503050406030204" pitchFamily="18" charset="0"/>
+                          </a:rPr>
+                          <m:t>𝑽</m:t>
+                        </m:r>
+                      </m:e>
+                      <m:sub>
+                        <m:r>
+                          <a:rPr lang="fr-FR" sz="2400" b="1" i="1" dirty="0">
+                            <a:latin typeface="Cambria Math" panose="02040503050406030204" pitchFamily="18" charset="0"/>
+                          </a:rPr>
+                          <m:t>𝑺</m:t>
+                        </m:r>
+                      </m:sub>
+                    </m:sSub>
+                    <m:d>
+                      <m:dPr>
+                        <m:ctrlPr>
+                          <a:rPr lang="fr-FR" sz="2400" b="1" i="1" dirty="0">
+                            <a:latin typeface="Cambria Math" panose="02040503050406030204" pitchFamily="18" charset="0"/>
+                          </a:rPr>
+                        </m:ctrlPr>
+                      </m:dPr>
+                      <m:e>
+                        <m:sSub>
+                          <m:sSubPr>
+                            <m:ctrlPr>
+                              <a:rPr lang="fr-FR" sz="2400" b="1" i="1" dirty="0">
+                                <a:latin typeface="Cambria Math" panose="02040503050406030204" pitchFamily="18" charset="0"/>
+                              </a:rPr>
+                            </m:ctrlPr>
+                          </m:sSubPr>
+                          <m:e>
+                            <m:r>
+                              <a:rPr lang="fr-FR" sz="2400" b="1" i="1" dirty="0">
+                                <a:latin typeface="Cambria Math" panose="02040503050406030204" pitchFamily="18" charset="0"/>
+                              </a:rPr>
+                              <m:t>𝒕</m:t>
+                            </m:r>
+                          </m:e>
+                          <m:sub>
+                            <m:r>
+                              <a:rPr lang="fr-FR" sz="2400" b="1" i="1" dirty="0">
+                                <a:latin typeface="Cambria Math" panose="02040503050406030204" pitchFamily="18" charset="0"/>
+                              </a:rPr>
+                              <m:t>𝟎</m:t>
+                            </m:r>
+                          </m:sub>
+                        </m:sSub>
+                      </m:e>
+                    </m:d>
+                    <m:r>
+                      <a:rPr lang="fr-FR" sz="2400" b="1" i="1" dirty="0" smtClean="0">
+                        <a:latin typeface="Cambria Math" panose="02040503050406030204" pitchFamily="18" charset="0"/>
+                      </a:rPr>
+                      <m:t>, </m:t>
+                    </m:r>
+                    <m:r>
+                      <a:rPr lang="fr-FR" sz="2400" b="1" i="1" dirty="0" smtClean="0">
+                        <a:latin typeface="Cambria Math" panose="02040503050406030204" pitchFamily="18" charset="0"/>
+                      </a:rPr>
+                      <m:t>𝑽𝒔</m:t>
+                    </m:r>
+                    <m:r>
+                      <a:rPr lang="fr-FR" sz="2400" b="1" i="1" dirty="0" smtClean="0">
+                        <a:latin typeface="Cambria Math" panose="02040503050406030204" pitchFamily="18" charset="0"/>
+                      </a:rPr>
+                      <m:t>′(</m:t>
+                    </m:r>
+                    <m:sSub>
+                      <m:sSubPr>
+                        <m:ctrlPr>
+                          <a:rPr lang="fr-FR" sz="2400" b="1" i="1" dirty="0">
+                            <a:latin typeface="Cambria Math" panose="02040503050406030204" pitchFamily="18" charset="0"/>
+                          </a:rPr>
+                        </m:ctrlPr>
+                      </m:sSubPr>
+                      <m:e>
+                        <m:r>
+                          <a:rPr lang="fr-FR" sz="2400" b="1" i="1" dirty="0">
+                            <a:latin typeface="Cambria Math" panose="02040503050406030204" pitchFamily="18" charset="0"/>
+                          </a:rPr>
+                          <m:t>𝒕</m:t>
+                        </m:r>
+                      </m:e>
+                      <m:sub>
+                        <m:r>
+                          <a:rPr lang="fr-FR" sz="2400" b="1" i="1" dirty="0">
+                            <a:latin typeface="Cambria Math" panose="02040503050406030204" pitchFamily="18" charset="0"/>
+                          </a:rPr>
+                          <m:t>𝟎</m:t>
+                        </m:r>
+                      </m:sub>
+                    </m:sSub>
+                  </m:oMath>
+                </a14:m>
+                <a:r>
+                  <a:rPr lang="fr-FR" sz="2400" dirty="0"/>
+                  <a:t>)] )</a:t>
+                </a:r>
+              </a:p>
+            </p:txBody>
+          </p:sp>
+        </mc:Choice>
+        <mc:Fallback xmlns="">
+          <p:sp>
+            <p:nvSpPr>
+              <p:cNvPr id="11" name="ZoneTexte 10">
+                <a:extLst>
+                  <a:ext uri="{FF2B5EF4-FFF2-40B4-BE49-F238E27FC236}">
+                    <a16:creationId xmlns:a16="http://schemas.microsoft.com/office/drawing/2014/main" id="{71C91169-4656-5002-911D-52340ADF2E28}"/>
+                  </a:ext>
+                </a:extLst>
+              </p:cNvPr>
+              <p:cNvSpPr txBox="1">
+                <a:spLocks noRot="1" noChangeAspect="1" noMove="1" noResize="1" noEditPoints="1" noAdjustHandles="1" noChangeArrowheads="1" noChangeShapeType="1" noTextEdit="1"/>
+              </p:cNvSpPr>
+              <p:nvPr/>
+            </p:nvSpPr>
+            <p:spPr>
+              <a:xfrm>
+                <a:off x="2722888" y="5083953"/>
+                <a:ext cx="8205349" cy="461665"/>
+              </a:xfrm>
+              <a:prstGeom prst="rect">
+                <a:avLst/>
+              </a:prstGeom>
+              <a:blipFill>
+                <a:blip r:embed="rId3"/>
+                <a:stretch>
+                  <a:fillRect l="-594" t="-9211" r="-520" b="-30263"/>
+                </a:stretch>
+              </a:blipFill>
+            </p:spPr>
+            <p:txBody>
+              <a:bodyPr/>
+              <a:lstStyle/>
+              <a:p>
+                <a:r>
+                  <a:rPr lang="fr-FR">
+                    <a:noFill/>
+                  </a:rPr>
+                  <a:t> </a:t>
+                </a:r>
+              </a:p>
+            </p:txBody>
+          </p:sp>
+        </mc:Fallback>
+      </mc:AlternateContent>
+      <p:sp>
+        <p:nvSpPr>
+          <p:cNvPr id="14" name="ZoneTexte 13">
+            <a:extLst>
+              <a:ext uri="{FF2B5EF4-FFF2-40B4-BE49-F238E27FC236}">
+                <a16:creationId xmlns:a16="http://schemas.microsoft.com/office/drawing/2014/main" id="{B6CD4650-B37A-5236-4DFC-73D7FB10F035}"/>
+              </a:ext>
+            </a:extLst>
+          </p:cNvPr>
+          <p:cNvSpPr txBox="1"/>
+          <p:nvPr/>
+        </p:nvSpPr>
+        <p:spPr>
+          <a:xfrm>
+            <a:off x="2214688" y="3209417"/>
+            <a:ext cx="5415144" cy="923330"/>
+          </a:xfrm>
+          <a:prstGeom prst="rect">
+            <a:avLst/>
+          </a:prstGeom>
+          <a:noFill/>
+        </p:spPr>
+        <p:txBody>
+          <a:bodyPr wrap="square">
+            <a:spAutoFit/>
+          </a:bodyPr>
+          <a:lstStyle/>
+          <a:p>
+            <a:r>
+              <a:rPr lang="fr-FR" b="1" dirty="0">
+                <a:solidFill>
+                  <a:srgbClr val="7030A0"/>
+                </a:solidFill>
+              </a:rPr>
+              <a:t>+ Tracer l’évolution de </a:t>
+            </a:r>
+            <a:r>
+              <a:rPr lang="fr-FR" i="1" dirty="0">
+                <a:solidFill>
+                  <a:srgbClr val="7030A0"/>
+                </a:solidFill>
+              </a:rPr>
+              <a:t>Vs(t)</a:t>
+            </a:r>
+            <a:r>
+              <a:rPr lang="fr-FR" b="1" dirty="0">
+                <a:solidFill>
+                  <a:srgbClr val="7030A0"/>
+                </a:solidFill>
+              </a:rPr>
+              <a:t> dans un circuit RLC soumis à une tension sinusoïdale de fréquence 20 Hz, avec R = 1 k</a:t>
+            </a:r>
+            <a:r>
+              <a:rPr lang="el-GR" b="1" dirty="0">
+                <a:solidFill>
+                  <a:srgbClr val="7030A0"/>
+                </a:solidFill>
+              </a:rPr>
+              <a:t>Ω</a:t>
+            </a:r>
+            <a:r>
+              <a:rPr lang="fr-FR" b="1" dirty="0">
+                <a:solidFill>
+                  <a:srgbClr val="7030A0"/>
+                </a:solidFill>
+              </a:rPr>
+              <a:t>, L = 1 </a:t>
+            </a:r>
+            <a:r>
+              <a:rPr lang="fr-FR" b="1" dirty="0" err="1">
+                <a:solidFill>
+                  <a:srgbClr val="7030A0"/>
+                </a:solidFill>
+              </a:rPr>
+              <a:t>mH</a:t>
+            </a:r>
+            <a:r>
+              <a:rPr lang="fr-FR" b="1" dirty="0">
+                <a:solidFill>
+                  <a:srgbClr val="7030A0"/>
+                </a:solidFill>
+              </a:rPr>
+              <a:t> et C = 10 µF</a:t>
+            </a:r>
+          </a:p>
+        </p:txBody>
+      </p:sp>
+      <p:pic>
+        <p:nvPicPr>
+          <p:cNvPr id="17" name="Picture 8" descr="Résultat de recherche d'images pour &quot;spyder logo&quot;">
+            <a:extLst>
+              <a:ext uri="{FF2B5EF4-FFF2-40B4-BE49-F238E27FC236}">
+                <a16:creationId xmlns:a16="http://schemas.microsoft.com/office/drawing/2014/main" id="{BD108C68-9F58-D0A0-9979-EED6574F66B8}"/>
+              </a:ext>
+            </a:extLst>
+          </p:cNvPr>
+          <p:cNvPicPr>
+            <a:picLocks noChangeAspect="1" noChangeArrowheads="1"/>
+          </p:cNvPicPr>
+          <p:nvPr/>
+        </p:nvPicPr>
+        <p:blipFill>
+          <a:blip r:embed="rId4">
+            <a:extLst>
+              <a:ext uri="{28A0092B-C50C-407E-A947-70E740481C1C}">
+                <a14:useLocalDpi xmlns:a14="http://schemas.microsoft.com/office/drawing/2010/main" val="0"/>
+              </a:ext>
+            </a:extLst>
+          </a:blip>
+          <a:srcRect/>
+          <a:stretch>
+            <a:fillRect/>
+          </a:stretch>
+        </p:blipFill>
+        <p:spPr bwMode="auto">
+          <a:xfrm>
+            <a:off x="77026" y="3245226"/>
+            <a:ext cx="1292662" cy="646331"/>
+          </a:xfrm>
+          <a:prstGeom prst="rect">
+            <a:avLst/>
+          </a:prstGeom>
+          <a:noFill/>
+          <a:extLst>
+            <a:ext uri="{909E8E84-426E-40DD-AFC4-6F175D3DCCD1}">
+              <a14:hiddenFill xmlns:a14="http://schemas.microsoft.com/office/drawing/2010/main">
+                <a:solidFill>
+                  <a:srgbClr val="FFFFFF"/>
+                </a:solidFill>
+              </a14:hiddenFill>
+            </a:ext>
+          </a:extLst>
+        </p:spPr>
+      </p:pic>
+      <p:pic>
+        <p:nvPicPr>
+          <p:cNvPr id="18" name="Graphique 17" descr="Flèches de chevron avec un remplissage uni">
+            <a:extLst>
+              <a:ext uri="{FF2B5EF4-FFF2-40B4-BE49-F238E27FC236}">
+                <a16:creationId xmlns:a16="http://schemas.microsoft.com/office/drawing/2014/main" id="{7D3D4A13-DB7D-B5BC-5B1B-D5E979E9BA1E}"/>
+              </a:ext>
+            </a:extLst>
+          </p:cNvPr>
+          <p:cNvPicPr>
+            <a:picLocks noChangeAspect="1"/>
+          </p:cNvPicPr>
+          <p:nvPr/>
+        </p:nvPicPr>
+        <p:blipFill>
+          <a:blip r:embed="rId5">
+            <a:extLst>
+              <a:ext uri="{28A0092B-C50C-407E-A947-70E740481C1C}">
+                <a14:useLocalDpi xmlns:a14="http://schemas.microsoft.com/office/drawing/2010/main" val="0"/>
+              </a:ext>
+              <a:ext uri="{96DAC541-7B7A-43D3-8B79-37D633B846F1}">
+                <asvg:svgBlip xmlns:asvg="http://schemas.microsoft.com/office/drawing/2016/SVG/main" r:embed="rId6"/>
+              </a:ext>
+            </a:extLst>
+          </a:blip>
+          <a:stretch>
+            <a:fillRect/>
+          </a:stretch>
+        </p:blipFill>
+        <p:spPr>
+          <a:xfrm>
+            <a:off x="1179680" y="3113845"/>
+            <a:ext cx="914400" cy="914400"/>
+          </a:xfrm>
+          <a:prstGeom prst="rect">
+            <a:avLst/>
+          </a:prstGeom>
+        </p:spPr>
+      </p:pic>
+      <p:sp>
+        <p:nvSpPr>
+          <p:cNvPr id="19" name="ZoneTexte 18">
+            <a:extLst>
+              <a:ext uri="{FF2B5EF4-FFF2-40B4-BE49-F238E27FC236}">
+                <a16:creationId xmlns:a16="http://schemas.microsoft.com/office/drawing/2014/main" id="{21DD1243-3F49-D0C0-ABC7-4E9D154CD22A}"/>
+              </a:ext>
+            </a:extLst>
+          </p:cNvPr>
+          <p:cNvSpPr txBox="1"/>
+          <p:nvPr/>
+        </p:nvSpPr>
+        <p:spPr>
+          <a:xfrm>
+            <a:off x="3891852" y="5828067"/>
+            <a:ext cx="6323864" cy="954107"/>
+          </a:xfrm>
+          <a:prstGeom prst="rect">
+            <a:avLst/>
+          </a:prstGeom>
+          <a:noFill/>
+        </p:spPr>
+        <p:txBody>
+          <a:bodyPr wrap="square">
+            <a:spAutoFit/>
+          </a:bodyPr>
+          <a:lstStyle/>
+          <a:p>
+            <a:r>
+              <a:rPr lang="fr-FR" sz="2000" i="1" dirty="0">
+                <a:solidFill>
+                  <a:schemeClr val="tx1">
+                    <a:lumMod val="75000"/>
+                    <a:lumOff val="25000"/>
+                  </a:schemeClr>
+                </a:solidFill>
+              </a:rPr>
+              <a:t>Cette fonction retourne des données encapsulées sous la forme de deux vecteurs : </a:t>
+            </a:r>
+            <a:r>
+              <a:rPr lang="fr-FR" sz="2000" b="1" i="1" dirty="0">
+                <a:solidFill>
+                  <a:schemeClr val="tx1">
+                    <a:lumMod val="75000"/>
+                    <a:lumOff val="25000"/>
+                  </a:schemeClr>
+                </a:solidFill>
+              </a:rPr>
+              <a:t>t</a:t>
+            </a:r>
+            <a:r>
+              <a:rPr lang="fr-FR" sz="2000" i="1" dirty="0">
+                <a:solidFill>
+                  <a:schemeClr val="tx1">
+                    <a:lumMod val="75000"/>
+                    <a:lumOff val="25000"/>
+                  </a:schemeClr>
+                </a:solidFill>
+              </a:rPr>
+              <a:t> et </a:t>
+            </a:r>
+            <a:r>
+              <a:rPr lang="fr-FR" sz="2000" b="1" i="1" dirty="0">
+                <a:solidFill>
+                  <a:schemeClr val="tx1">
+                    <a:lumMod val="75000"/>
+                    <a:lumOff val="25000"/>
+                  </a:schemeClr>
+                </a:solidFill>
+              </a:rPr>
+              <a:t>y</a:t>
+            </a:r>
+          </a:p>
+          <a:p>
+            <a:r>
+              <a:rPr lang="fr-FR" sz="1600" b="1" i="1" dirty="0">
+                <a:solidFill>
+                  <a:schemeClr val="tx1">
+                    <a:lumMod val="75000"/>
+                    <a:lumOff val="25000"/>
+                  </a:schemeClr>
+                </a:solidFill>
+              </a:rPr>
+              <a:t>y </a:t>
+            </a:r>
+            <a:r>
+              <a:rPr lang="fr-FR" sz="1600" i="1" dirty="0">
+                <a:solidFill>
+                  <a:schemeClr val="tx1">
+                    <a:lumMod val="75000"/>
+                    <a:lumOff val="25000"/>
+                  </a:schemeClr>
+                </a:solidFill>
+              </a:rPr>
+              <a:t>doit être transposé pour pouvoir être affiché par rapport à </a:t>
+            </a:r>
+            <a:r>
+              <a:rPr lang="fr-FR" sz="1600" b="1" i="1" dirty="0">
+                <a:solidFill>
+                  <a:schemeClr val="tx1">
+                    <a:lumMod val="75000"/>
+                    <a:lumOff val="25000"/>
+                  </a:schemeClr>
+                </a:solidFill>
+              </a:rPr>
+              <a:t>t</a:t>
+            </a:r>
+          </a:p>
+        </p:txBody>
+      </p:sp>
+      <p:sp>
+        <p:nvSpPr>
+          <p:cNvPr id="8" name="ZoneTexte 7">
+            <a:extLst>
+              <a:ext uri="{FF2B5EF4-FFF2-40B4-BE49-F238E27FC236}">
+                <a16:creationId xmlns:a16="http://schemas.microsoft.com/office/drawing/2014/main" id="{AFE00C61-B4DC-E3C9-5568-D9CF73B5CD79}"/>
+              </a:ext>
+            </a:extLst>
+          </p:cNvPr>
+          <p:cNvSpPr txBox="1"/>
+          <p:nvPr/>
+        </p:nvSpPr>
+        <p:spPr>
+          <a:xfrm>
+            <a:off x="8969659" y="1507987"/>
+            <a:ext cx="2435233" cy="369332"/>
+          </a:xfrm>
+          <a:prstGeom prst="rect">
+            <a:avLst/>
+          </a:prstGeom>
+          <a:solidFill>
+            <a:srgbClr val="7030A0"/>
+          </a:solidFill>
+        </p:spPr>
+        <p:txBody>
+          <a:bodyPr wrap="square">
+            <a:spAutoFit/>
+          </a:bodyPr>
+          <a:lstStyle/>
+          <a:p>
+            <a:pPr algn="ctr"/>
+            <a:r>
+              <a:rPr lang="fr-FR" b="1" i="1" dirty="0">
+                <a:solidFill>
+                  <a:schemeClr val="bg1"/>
+                </a:solidFill>
+              </a:rPr>
+              <a:t>ALLER PLUS LOIN</a:t>
+            </a:r>
+          </a:p>
+        </p:txBody>
+      </p:sp>
+      <p:pic>
+        <p:nvPicPr>
+          <p:cNvPr id="10" name="Image 9">
+            <a:extLst>
+              <a:ext uri="{FF2B5EF4-FFF2-40B4-BE49-F238E27FC236}">
+                <a16:creationId xmlns:a16="http://schemas.microsoft.com/office/drawing/2014/main" id="{87D18258-7DF0-8EAA-78F7-5BE17609D9D2}"/>
+              </a:ext>
+            </a:extLst>
+          </p:cNvPr>
+          <p:cNvPicPr>
+            <a:picLocks noChangeAspect="1"/>
+          </p:cNvPicPr>
+          <p:nvPr/>
+        </p:nvPicPr>
+        <p:blipFill>
+          <a:blip r:embed="rId7"/>
+          <a:stretch>
+            <a:fillRect/>
+          </a:stretch>
+        </p:blipFill>
+        <p:spPr>
+          <a:xfrm>
+            <a:off x="7637942" y="2084474"/>
+            <a:ext cx="3956106" cy="2671823"/>
+          </a:xfrm>
+          <a:prstGeom prst="rect">
+            <a:avLst/>
+          </a:prstGeom>
+        </p:spPr>
+      </p:pic>
+      <p:cxnSp>
+        <p:nvCxnSpPr>
+          <p:cNvPr id="12" name="Connecteur droit avec flèche 11">
+            <a:extLst>
+              <a:ext uri="{FF2B5EF4-FFF2-40B4-BE49-F238E27FC236}">
+                <a16:creationId xmlns:a16="http://schemas.microsoft.com/office/drawing/2014/main" id="{8F4C093A-4E5A-369F-9EB2-7E502F987660}"/>
+              </a:ext>
+            </a:extLst>
+          </p:cNvPr>
+          <p:cNvCxnSpPr/>
+          <p:nvPr/>
+        </p:nvCxnSpPr>
+        <p:spPr>
+          <a:xfrm flipV="1">
+            <a:off x="11369352" y="2590176"/>
+            <a:ext cx="0" cy="1437968"/>
+          </a:xfrm>
+          <a:prstGeom prst="straightConnector1">
+            <a:avLst/>
+          </a:prstGeom>
+          <a:ln w="47625">
+            <a:tailEnd type="arrow"/>
+          </a:ln>
+        </p:spPr>
+        <p:style>
+          <a:lnRef idx="1">
+            <a:schemeClr val="accent1"/>
+          </a:lnRef>
+          <a:fillRef idx="0">
+            <a:schemeClr val="accent1"/>
+          </a:fillRef>
+          <a:effectRef idx="0">
+            <a:schemeClr val="accent1"/>
+          </a:effectRef>
+          <a:fontRef idx="minor">
+            <a:schemeClr val="tx1"/>
+          </a:fontRef>
+        </p:style>
+      </p:cxnSp>
+      <p:sp>
+        <p:nvSpPr>
+          <p:cNvPr id="13" name="ZoneTexte 12">
+            <a:extLst>
+              <a:ext uri="{FF2B5EF4-FFF2-40B4-BE49-F238E27FC236}">
+                <a16:creationId xmlns:a16="http://schemas.microsoft.com/office/drawing/2014/main" id="{4AC4E92B-6D7D-134C-D966-9F8FF2C98FD1}"/>
+              </a:ext>
+            </a:extLst>
+          </p:cNvPr>
+          <p:cNvSpPr txBox="1"/>
+          <p:nvPr/>
+        </p:nvSpPr>
+        <p:spPr>
+          <a:xfrm>
+            <a:off x="11452187" y="3097699"/>
+            <a:ext cx="648929" cy="461665"/>
+          </a:xfrm>
+          <a:prstGeom prst="rect">
+            <a:avLst/>
+          </a:prstGeom>
+          <a:noFill/>
+        </p:spPr>
+        <p:txBody>
+          <a:bodyPr wrap="square" rtlCol="0">
+            <a:spAutoFit/>
+          </a:bodyPr>
+          <a:lstStyle/>
+          <a:p>
+            <a:r>
+              <a:rPr lang="fr-FR" sz="2400" b="1" dirty="0">
+                <a:solidFill>
+                  <a:srgbClr val="C696A7"/>
+                </a:solidFill>
+              </a:rPr>
+              <a:t>V</a:t>
+            </a:r>
+            <a:r>
+              <a:rPr lang="fr-FR" sz="2400" b="1" baseline="-25000" dirty="0">
+                <a:solidFill>
+                  <a:srgbClr val="C696A7"/>
+                </a:solidFill>
+              </a:rPr>
+              <a:t>S</a:t>
+            </a:r>
+          </a:p>
+        </p:txBody>
+      </p:sp>
+    </p:spTree>
+    <p:extLst>
+      <p:ext uri="{BB962C8B-B14F-4D97-AF65-F5344CB8AC3E}">
+        <p14:creationId xmlns:p14="http://schemas.microsoft.com/office/powerpoint/2010/main" val="3168248429"/>
+      </p:ext>
+    </p:extLst>
+  </p:cSld>
+  <p:clrMapOvr>
+    <a:masterClrMapping/>
+  </p:clrMapOvr>
+</p:sld>
+</file>
+
+<file path=ppt/slides/slide29.xml><?xml version="1.0" encoding="utf-8"?>
 <p:sld xmlns:a="http://schemas.openxmlformats.org/drawingml/2006/main" xmlns:r="http://schemas.openxmlformats.org/officeDocument/2006/relationships" xmlns:p="http://schemas.openxmlformats.org/presentationml/2006/main">
   <p:cSld>
     <p:bg>
@@ -21399,7 +29024,7 @@
           <a:p>
             <a:fld id="{B2DC25EE-239B-4C5F-AAD1-255A7D5F1EE2}" type="slidenum">
               <a:rPr lang="en-US" smtClean="0"/>
-              <a:t>24</a:t>
+              <a:t>29</a:t>
             </a:fld>
             <a:endParaRPr lang="en-US" dirty="0"/>
           </a:p>
